--- a/UPSKILL - AutoestudoS1_valentimgomes.pptx
+++ b/UPSKILL - AutoestudoS1_valentimgomes.pptx
@@ -5,7 +5,7 @@
     <p:sldMasterId id="2147483672" r:id="rId1"/>
   </p:sldMasterIdLst>
   <p:notesMasterIdLst>
-    <p:notesMasterId r:id="rId11"/>
+    <p:notesMasterId r:id="rId12"/>
   </p:notesMasterIdLst>
   <p:sldIdLst>
     <p:sldId id="256" r:id="rId2"/>
@@ -17,6 +17,7 @@
     <p:sldId id="265" r:id="rId8"/>
     <p:sldId id="266" r:id="rId9"/>
     <p:sldId id="267" r:id="rId10"/>
+    <p:sldId id="268" r:id="rId11"/>
   </p:sldIdLst>
   <p:sldSz cx="12192000" cy="6858000"/>
   <p:notesSz cx="6858000" cy="9144000"/>
@@ -1077,6 +1078,90 @@
     <p:extLst>
       <p:ext uri="{BB962C8B-B14F-4D97-AF65-F5344CB8AC3E}">
         <p14:creationId xmlns:p14="http://schemas.microsoft.com/office/powerpoint/2010/main" val="2877834322"/>
+      </p:ext>
+    </p:extLst>
+  </p:cSld>
+  <p:clrMapOvr>
+    <a:masterClrMapping/>
+  </p:clrMapOvr>
+</p:notes>
+</file>
+
+<file path=ppt/notesSlides/notesSlide8.xml><?xml version="1.0" encoding="utf-8"?>
+<p:notes xmlns:a="http://schemas.openxmlformats.org/drawingml/2006/main" xmlns:r="http://schemas.openxmlformats.org/officeDocument/2006/relationships" xmlns:p="http://schemas.openxmlformats.org/presentationml/2006/main">
+  <p:cSld>
+    <p:spTree>
+      <p:nvGrpSpPr>
+        <p:cNvPr id="1" name=""/>
+        <p:cNvGrpSpPr/>
+        <p:nvPr/>
+      </p:nvGrpSpPr>
+      <p:grpSpPr>
+        <a:xfrm>
+          <a:off x="0" y="0"/>
+          <a:ext cx="0" cy="0"/>
+          <a:chOff x="0" y="0"/>
+          <a:chExt cx="0" cy="0"/>
+        </a:xfrm>
+      </p:grpSpPr>
+      <p:sp>
+        <p:nvSpPr>
+          <p:cNvPr id="2" name="Marcador de Posição da Imagem do Diapositivo 1"/>
+          <p:cNvSpPr>
+            <a:spLocks noGrp="1" noRot="1" noChangeAspect="1"/>
+          </p:cNvSpPr>
+          <p:nvPr>
+            <p:ph type="sldImg"/>
+          </p:nvPr>
+        </p:nvSpPr>
+        <p:spPr/>
+      </p:sp>
+      <p:sp>
+        <p:nvSpPr>
+          <p:cNvPr id="3" name="Marcador de Posição de Notas 2"/>
+          <p:cNvSpPr>
+            <a:spLocks noGrp="1"/>
+          </p:cNvSpPr>
+          <p:nvPr>
+            <p:ph type="body" idx="1"/>
+          </p:nvPr>
+        </p:nvSpPr>
+        <p:spPr/>
+        <p:txBody>
+          <a:bodyPr/>
+          <a:lstStyle/>
+          <a:p>
+            <a:endParaRPr lang="pt-PT" dirty="0"/>
+          </a:p>
+        </p:txBody>
+      </p:sp>
+      <p:sp>
+        <p:nvSpPr>
+          <p:cNvPr id="4" name="Marcador de Posição do Número do Diapositivo 3"/>
+          <p:cNvSpPr>
+            <a:spLocks noGrp="1"/>
+          </p:cNvSpPr>
+          <p:nvPr>
+            <p:ph type="sldNum" sz="quarter" idx="5"/>
+          </p:nvPr>
+        </p:nvSpPr>
+        <p:spPr/>
+        <p:txBody>
+          <a:bodyPr/>
+          <a:lstStyle/>
+          <a:p>
+            <a:fld id="{DDB7D787-D472-4192-B7D5-8EF24D53778E}" type="slidenum">
+              <a:rPr lang="pt-PT" smtClean="0"/>
+              <a:t>10</a:t>
+            </a:fld>
+            <a:endParaRPr lang="pt-PT"/>
+          </a:p>
+        </p:txBody>
+      </p:sp>
+    </p:spTree>
+    <p:extLst>
+      <p:ext uri="{BB962C8B-B14F-4D97-AF65-F5344CB8AC3E}">
+        <p14:creationId xmlns:p14="http://schemas.microsoft.com/office/powerpoint/2010/main" val="1825760899"/>
       </p:ext>
     </p:extLst>
   </p:cSld>
@@ -5069,6 +5154,919 @@
 </p:sld>
 </file>
 
+<file path=ppt/slides/slide10.xml><?xml version="1.0" encoding="utf-8"?>
+<p:sld xmlns:a="http://schemas.openxmlformats.org/drawingml/2006/main" xmlns:r="http://schemas.openxmlformats.org/officeDocument/2006/relationships" xmlns:p="http://schemas.openxmlformats.org/presentationml/2006/main">
+  <p:cSld>
+    <p:bg>
+      <p:bgPr>
+        <a:solidFill>
+          <a:schemeClr val="bg1"/>
+        </a:solidFill>
+        <a:effectLst/>
+      </p:bgPr>
+    </p:bg>
+    <p:spTree>
+      <p:nvGrpSpPr>
+        <p:cNvPr id="1" name=""/>
+        <p:cNvGrpSpPr/>
+        <p:nvPr/>
+      </p:nvGrpSpPr>
+      <p:grpSpPr>
+        <a:xfrm>
+          <a:off x="0" y="0"/>
+          <a:ext cx="0" cy="0"/>
+          <a:chOff x="0" y="0"/>
+          <a:chExt cx="0" cy="0"/>
+        </a:xfrm>
+      </p:grpSpPr>
+      <p:sp>
+        <p:nvSpPr>
+          <p:cNvPr id="4" name="Título 3">
+            <a:extLst>
+              <a:ext uri="{FF2B5EF4-FFF2-40B4-BE49-F238E27FC236}">
+                <a16:creationId xmlns:a16="http://schemas.microsoft.com/office/drawing/2014/main" id="{F386578C-529D-00DE-61FA-45AFD17F014A}"/>
+              </a:ext>
+            </a:extLst>
+          </p:cNvPr>
+          <p:cNvSpPr>
+            <a:spLocks noGrp="1"/>
+          </p:cNvSpPr>
+          <p:nvPr>
+            <p:ph type="title"/>
+          </p:nvPr>
+        </p:nvSpPr>
+        <p:spPr>
+          <a:xfrm>
+            <a:off x="723900" y="685800"/>
+            <a:ext cx="3855720" cy="446314"/>
+          </a:xfrm>
+        </p:spPr>
+        <p:txBody>
+          <a:bodyPr/>
+          <a:lstStyle/>
+          <a:p>
+            <a:pPr>
+              <a:lnSpc>
+                <a:spcPct val="94000"/>
+              </a:lnSpc>
+              <a:spcBef>
+                <a:spcPts val="1000"/>
+              </a:spcBef>
+              <a:spcAft>
+                <a:spcPts val="200"/>
+              </a:spcAft>
+            </a:pPr>
+            <a:r>
+              <a:rPr lang="pt-PT" sz="2400" dirty="0" err="1">
+                <a:latin typeface="Abadi Extra Light" panose="020B0204020104020204" pitchFamily="34" charset="0"/>
+                <a:ea typeface="+mn-ea"/>
+                <a:cs typeface="+mn-cs"/>
+              </a:rPr>
+              <a:t>Threads</a:t>
+            </a:r>
+            <a:endParaRPr lang="pt-PT" sz="2400" dirty="0">
+              <a:latin typeface="Abadi Extra Light" panose="020B0204020104020204" pitchFamily="34" charset="0"/>
+              <a:ea typeface="+mn-ea"/>
+              <a:cs typeface="+mn-cs"/>
+            </a:endParaRPr>
+          </a:p>
+        </p:txBody>
+      </p:sp>
+      <p:sp>
+        <p:nvSpPr>
+          <p:cNvPr id="7" name="CaixaDeTexto 6">
+            <a:extLst>
+              <a:ext uri="{FF2B5EF4-FFF2-40B4-BE49-F238E27FC236}">
+                <a16:creationId xmlns:a16="http://schemas.microsoft.com/office/drawing/2014/main" id="{57F366F3-136A-E11A-82A7-7798682368EE}"/>
+              </a:ext>
+            </a:extLst>
+          </p:cNvPr>
+          <p:cNvSpPr txBox="1"/>
+          <p:nvPr/>
+        </p:nvSpPr>
+        <p:spPr>
+          <a:xfrm>
+            <a:off x="833302" y="6382375"/>
+            <a:ext cx="3917769" cy="261610"/>
+          </a:xfrm>
+          <a:prstGeom prst="rect">
+            <a:avLst/>
+          </a:prstGeom>
+          <a:noFill/>
+        </p:spPr>
+        <p:txBody>
+          <a:bodyPr wrap="square" rtlCol="0">
+            <a:spAutoFit/>
+          </a:bodyPr>
+          <a:lstStyle/>
+          <a:p>
+            <a:r>
+              <a:rPr lang="pt-PT" sz="1100" i="1" dirty="0"/>
+              <a:t>https://www.w3schools.com/java/java_threads.asp</a:t>
+            </a:r>
+          </a:p>
+        </p:txBody>
+      </p:sp>
+      <p:sp>
+        <p:nvSpPr>
+          <p:cNvPr id="8" name="CaixaDeTexto 7">
+            <a:extLst>
+              <a:ext uri="{FF2B5EF4-FFF2-40B4-BE49-F238E27FC236}">
+                <a16:creationId xmlns:a16="http://schemas.microsoft.com/office/drawing/2014/main" id="{E1098C6C-7A9B-920A-4248-32074918BA25}"/>
+              </a:ext>
+            </a:extLst>
+          </p:cNvPr>
+          <p:cNvSpPr txBox="1"/>
+          <p:nvPr/>
+        </p:nvSpPr>
+        <p:spPr>
+          <a:xfrm>
+            <a:off x="6096000" y="685800"/>
+            <a:ext cx="6096000" cy="307777"/>
+          </a:xfrm>
+          <a:prstGeom prst="rect">
+            <a:avLst/>
+          </a:prstGeom>
+          <a:noFill/>
+        </p:spPr>
+        <p:txBody>
+          <a:bodyPr wrap="square">
+            <a:spAutoFit/>
+          </a:bodyPr>
+          <a:lstStyle/>
+          <a:p>
+            <a:r>
+              <a:rPr lang="pt-PT" sz="1400" dirty="0"/>
+              <a:t>Uso prático de uma </a:t>
+            </a:r>
+            <a:r>
+              <a:rPr lang="pt-PT" sz="1400" dirty="0" err="1"/>
+              <a:t>Thread</a:t>
+            </a:r>
+            <a:endParaRPr lang="pt-PT" sz="1400" dirty="0"/>
+          </a:p>
+        </p:txBody>
+      </p:sp>
+      <p:sp>
+        <p:nvSpPr>
+          <p:cNvPr id="10" name="Marcador de Posição do Texto 5">
+            <a:extLst>
+              <a:ext uri="{FF2B5EF4-FFF2-40B4-BE49-F238E27FC236}">
+                <a16:creationId xmlns:a16="http://schemas.microsoft.com/office/drawing/2014/main" id="{A61A9915-D2C0-1CBB-A4F4-88300F3AACDC}"/>
+              </a:ext>
+            </a:extLst>
+          </p:cNvPr>
+          <p:cNvSpPr txBox="1">
+            <a:spLocks/>
+          </p:cNvSpPr>
+          <p:nvPr/>
+        </p:nvSpPr>
+        <p:spPr>
+          <a:xfrm>
+            <a:off x="6728775" y="1879779"/>
+            <a:ext cx="4665777" cy="3544756"/>
+          </a:xfrm>
+          <a:prstGeom prst="rect">
+            <a:avLst/>
+          </a:prstGeom>
+        </p:spPr>
+        <p:txBody>
+          <a:bodyPr vert="horz" lIns="91440" tIns="45720" rIns="91440" bIns="45720" rtlCol="0">
+            <a:normAutofit/>
+          </a:bodyPr>
+          <a:lstStyle>
+            <a:lvl1pPr marL="0" indent="0" algn="l" defTabSz="914400" rtl="0" eaLnBrk="1" latinLnBrk="0" hangingPunct="1">
+              <a:lnSpc>
+                <a:spcPct val="113000"/>
+              </a:lnSpc>
+              <a:spcBef>
+                <a:spcPts val="0"/>
+              </a:spcBef>
+              <a:spcAft>
+                <a:spcPts val="1500"/>
+              </a:spcAft>
+              <a:buFont typeface="Franklin Gothic Book" panose="020B0503020102020204" pitchFamily="34" charset="0"/>
+              <a:buNone/>
+              <a:defRPr sz="1600" kern="1200" baseline="0">
+                <a:solidFill>
+                  <a:schemeClr val="tx2"/>
+                </a:solidFill>
+                <a:latin typeface="+mn-lt"/>
+                <a:ea typeface="+mn-ea"/>
+                <a:cs typeface="+mn-cs"/>
+              </a:defRPr>
+            </a:lvl1pPr>
+            <a:lvl2pPr marL="457200" indent="0" algn="l" defTabSz="914400" rtl="0" eaLnBrk="1" latinLnBrk="0" hangingPunct="1">
+              <a:lnSpc>
+                <a:spcPct val="94000"/>
+              </a:lnSpc>
+              <a:spcBef>
+                <a:spcPts val="500"/>
+              </a:spcBef>
+              <a:spcAft>
+                <a:spcPts val="200"/>
+              </a:spcAft>
+              <a:buFont typeface="Franklin Gothic Book" panose="020B0503020102020204" pitchFamily="34" charset="0"/>
+              <a:buNone/>
+              <a:defRPr sz="1400" i="1" kern="1200" baseline="0">
+                <a:solidFill>
+                  <a:schemeClr val="tx2"/>
+                </a:solidFill>
+                <a:latin typeface="+mn-lt"/>
+                <a:ea typeface="+mn-ea"/>
+                <a:cs typeface="+mn-cs"/>
+              </a:defRPr>
+            </a:lvl2pPr>
+            <a:lvl3pPr marL="914400" indent="0" algn="l" defTabSz="914400" rtl="0" eaLnBrk="1" latinLnBrk="0" hangingPunct="1">
+              <a:lnSpc>
+                <a:spcPct val="94000"/>
+              </a:lnSpc>
+              <a:spcBef>
+                <a:spcPts val="500"/>
+              </a:spcBef>
+              <a:spcAft>
+                <a:spcPts val="200"/>
+              </a:spcAft>
+              <a:buFont typeface="Franklin Gothic Book" panose="020B0503020102020204" pitchFamily="34" charset="0"/>
+              <a:buNone/>
+              <a:defRPr sz="1200" kern="1200" baseline="0">
+                <a:solidFill>
+                  <a:schemeClr val="tx2"/>
+                </a:solidFill>
+                <a:latin typeface="+mn-lt"/>
+                <a:ea typeface="+mn-ea"/>
+                <a:cs typeface="+mn-cs"/>
+              </a:defRPr>
+            </a:lvl3pPr>
+            <a:lvl4pPr marL="1371600" indent="0" algn="l" defTabSz="914400" rtl="0" eaLnBrk="1" latinLnBrk="0" hangingPunct="1">
+              <a:lnSpc>
+                <a:spcPct val="94000"/>
+              </a:lnSpc>
+              <a:spcBef>
+                <a:spcPts val="500"/>
+              </a:spcBef>
+              <a:spcAft>
+                <a:spcPts val="200"/>
+              </a:spcAft>
+              <a:buFont typeface="Franklin Gothic Book" panose="020B0503020102020204" pitchFamily="34" charset="0"/>
+              <a:buNone/>
+              <a:defRPr sz="1000" i="1" kern="1200" baseline="0">
+                <a:solidFill>
+                  <a:schemeClr val="tx2"/>
+                </a:solidFill>
+                <a:latin typeface="+mn-lt"/>
+                <a:ea typeface="+mn-ea"/>
+                <a:cs typeface="+mn-cs"/>
+              </a:defRPr>
+            </a:lvl4pPr>
+            <a:lvl5pPr marL="1828800" indent="0" algn="l" defTabSz="914400" rtl="0" eaLnBrk="1" latinLnBrk="0" hangingPunct="1">
+              <a:lnSpc>
+                <a:spcPct val="94000"/>
+              </a:lnSpc>
+              <a:spcBef>
+                <a:spcPts val="500"/>
+              </a:spcBef>
+              <a:spcAft>
+                <a:spcPts val="200"/>
+              </a:spcAft>
+              <a:buFont typeface="Franklin Gothic Book" panose="020B0503020102020204" pitchFamily="34" charset="0"/>
+              <a:buNone/>
+              <a:defRPr sz="1000" kern="1200" baseline="0">
+                <a:solidFill>
+                  <a:schemeClr val="tx2"/>
+                </a:solidFill>
+                <a:latin typeface="+mn-lt"/>
+                <a:ea typeface="+mn-ea"/>
+                <a:cs typeface="+mn-cs"/>
+              </a:defRPr>
+            </a:lvl5pPr>
+            <a:lvl6pPr marL="2286000" indent="0" algn="l" defTabSz="914400" rtl="0" eaLnBrk="1" latinLnBrk="0" hangingPunct="1">
+              <a:lnSpc>
+                <a:spcPct val="94000"/>
+              </a:lnSpc>
+              <a:spcBef>
+                <a:spcPts val="500"/>
+              </a:spcBef>
+              <a:spcAft>
+                <a:spcPts val="200"/>
+              </a:spcAft>
+              <a:buFont typeface="Franklin Gothic Book" panose="020B0503020102020204" pitchFamily="34" charset="0"/>
+              <a:buNone/>
+              <a:defRPr sz="1000" i="1" kern="1200" baseline="0">
+                <a:solidFill>
+                  <a:schemeClr val="tx2"/>
+                </a:solidFill>
+                <a:latin typeface="+mn-lt"/>
+                <a:ea typeface="+mn-ea"/>
+                <a:cs typeface="+mn-cs"/>
+              </a:defRPr>
+            </a:lvl6pPr>
+            <a:lvl7pPr marL="2743200" indent="0" algn="l" defTabSz="914400" rtl="0" eaLnBrk="1" latinLnBrk="0" hangingPunct="1">
+              <a:lnSpc>
+                <a:spcPct val="94000"/>
+              </a:lnSpc>
+              <a:spcBef>
+                <a:spcPts val="500"/>
+              </a:spcBef>
+              <a:spcAft>
+                <a:spcPts val="200"/>
+              </a:spcAft>
+              <a:buFont typeface="Franklin Gothic Book" panose="020B0503020102020204" pitchFamily="34" charset="0"/>
+              <a:buNone/>
+              <a:defRPr sz="1000" kern="1200" baseline="0">
+                <a:solidFill>
+                  <a:schemeClr val="tx2"/>
+                </a:solidFill>
+                <a:latin typeface="+mn-lt"/>
+                <a:ea typeface="+mn-ea"/>
+                <a:cs typeface="+mn-cs"/>
+              </a:defRPr>
+            </a:lvl7pPr>
+            <a:lvl8pPr marL="3200400" indent="0" algn="l" defTabSz="914400" rtl="0" eaLnBrk="1" latinLnBrk="0" hangingPunct="1">
+              <a:lnSpc>
+                <a:spcPct val="94000"/>
+              </a:lnSpc>
+              <a:spcBef>
+                <a:spcPts val="500"/>
+              </a:spcBef>
+              <a:spcAft>
+                <a:spcPts val="200"/>
+              </a:spcAft>
+              <a:buFont typeface="Franklin Gothic Book" panose="020B0503020102020204" pitchFamily="34" charset="0"/>
+              <a:buNone/>
+              <a:defRPr sz="1000" i="1" kern="1200" baseline="0">
+                <a:solidFill>
+                  <a:schemeClr val="tx2"/>
+                </a:solidFill>
+                <a:latin typeface="+mn-lt"/>
+                <a:ea typeface="+mn-ea"/>
+                <a:cs typeface="+mn-cs"/>
+              </a:defRPr>
+            </a:lvl8pPr>
+            <a:lvl9pPr marL="3657600" indent="0" algn="l" defTabSz="914400" rtl="0" eaLnBrk="1" latinLnBrk="0" hangingPunct="1">
+              <a:lnSpc>
+                <a:spcPct val="94000"/>
+              </a:lnSpc>
+              <a:spcBef>
+                <a:spcPts val="500"/>
+              </a:spcBef>
+              <a:spcAft>
+                <a:spcPts val="200"/>
+              </a:spcAft>
+              <a:buFont typeface="Franklin Gothic Book" panose="020B0503020102020204" pitchFamily="34" charset="0"/>
+              <a:buNone/>
+              <a:defRPr sz="1000" kern="1200" baseline="0">
+                <a:solidFill>
+                  <a:schemeClr val="tx2"/>
+                </a:solidFill>
+                <a:latin typeface="+mn-lt"/>
+                <a:ea typeface="+mn-ea"/>
+                <a:cs typeface="+mn-cs"/>
+              </a:defRPr>
+            </a:lvl9pPr>
+          </a:lstStyle>
+          <a:p>
+            <a:pPr algn="l"/>
+            <a:endParaRPr lang="pt-PT" b="0" i="0" dirty="0">
+              <a:solidFill>
+                <a:srgbClr val="333333"/>
+              </a:solidFill>
+              <a:effectLst/>
+              <a:latin typeface="Open Sans" panose="020B0606030504020204" pitchFamily="34" charset="0"/>
+            </a:endParaRPr>
+          </a:p>
+        </p:txBody>
+      </p:sp>
+      <p:sp>
+        <p:nvSpPr>
+          <p:cNvPr id="13" name="CaixaDeTexto 12">
+            <a:extLst>
+              <a:ext uri="{FF2B5EF4-FFF2-40B4-BE49-F238E27FC236}">
+                <a16:creationId xmlns:a16="http://schemas.microsoft.com/office/drawing/2014/main" id="{D7D40614-C270-CA3C-4AB3-3AD22CE5C4D3}"/>
+              </a:ext>
+            </a:extLst>
+          </p:cNvPr>
+          <p:cNvSpPr txBox="1"/>
+          <p:nvPr/>
+        </p:nvSpPr>
+        <p:spPr>
+          <a:xfrm>
+            <a:off x="6637648" y="2150938"/>
+            <a:ext cx="5012703" cy="2862322"/>
+          </a:xfrm>
+          <a:prstGeom prst="rect">
+            <a:avLst/>
+          </a:prstGeom>
+          <a:noFill/>
+        </p:spPr>
+        <p:txBody>
+          <a:bodyPr wrap="square">
+            <a:spAutoFit/>
+          </a:bodyPr>
+          <a:lstStyle/>
+          <a:p>
+            <a:pPr algn="just"/>
+            <a:endParaRPr lang="en-US" b="0" i="0" dirty="0">
+              <a:solidFill>
+                <a:srgbClr val="000000"/>
+              </a:solidFill>
+              <a:effectLst/>
+              <a:latin typeface="Verdana" panose="020B0604030504040204" pitchFamily="34" charset="0"/>
+            </a:endParaRPr>
+          </a:p>
+          <a:p>
+            <a:pPr algn="just"/>
+            <a:r>
+              <a:rPr lang="pt-PT" b="0" i="0" dirty="0">
+                <a:solidFill>
+                  <a:srgbClr val="000000"/>
+                </a:solidFill>
+                <a:effectLst/>
+                <a:latin typeface="Verdana" panose="020B0604030504040204" pitchFamily="34" charset="0"/>
+              </a:rPr>
+              <a:t>A principal diferença é que quando uma classe estende a classe </a:t>
+            </a:r>
+            <a:r>
+              <a:rPr lang="pt-PT" b="0" i="0" dirty="0" err="1">
+                <a:solidFill>
+                  <a:srgbClr val="000000"/>
+                </a:solidFill>
+                <a:effectLst/>
+                <a:latin typeface="Verdana" panose="020B0604030504040204" pitchFamily="34" charset="0"/>
+              </a:rPr>
+              <a:t>Thread</a:t>
+            </a:r>
+            <a:r>
+              <a:rPr lang="pt-PT" b="0" i="0" dirty="0">
+                <a:solidFill>
+                  <a:srgbClr val="000000"/>
+                </a:solidFill>
+                <a:effectLst/>
+                <a:latin typeface="Verdana" panose="020B0604030504040204" pitchFamily="34" charset="0"/>
+              </a:rPr>
+              <a:t>, não é possível estender outra classe (o Java não suporta herança múltipla), mas implementando a interface </a:t>
+            </a:r>
+            <a:r>
+              <a:rPr lang="pt-PT" b="0" i="0" dirty="0" err="1">
+                <a:solidFill>
+                  <a:srgbClr val="000000"/>
+                </a:solidFill>
+                <a:effectLst/>
+                <a:latin typeface="Verdana" panose="020B0604030504040204" pitchFamily="34" charset="0"/>
+              </a:rPr>
+              <a:t>Runnable</a:t>
+            </a:r>
+            <a:r>
+              <a:rPr lang="pt-PT" b="0" i="0" dirty="0">
+                <a:solidFill>
+                  <a:srgbClr val="000000"/>
+                </a:solidFill>
+                <a:effectLst/>
+                <a:latin typeface="Verdana" panose="020B0604030504040204" pitchFamily="34" charset="0"/>
+              </a:rPr>
+              <a:t>, é possível estender de outra classe também</a:t>
+            </a:r>
+            <a:r>
+              <a:rPr lang="en-US" b="0" i="0" dirty="0">
+                <a:solidFill>
+                  <a:srgbClr val="000000"/>
+                </a:solidFill>
+                <a:effectLst/>
+                <a:latin typeface="Verdana" panose="020B0604030504040204" pitchFamily="34" charset="0"/>
+              </a:rPr>
+              <a:t>. </a:t>
+            </a:r>
+          </a:p>
+          <a:p>
+            <a:pPr algn="just"/>
+            <a:r>
+              <a:rPr lang="en-US" b="0" i="0" dirty="0" err="1">
+                <a:solidFill>
+                  <a:srgbClr val="000000"/>
+                </a:solidFill>
+                <a:effectLst/>
+                <a:latin typeface="Verdana" panose="020B0604030504040204" pitchFamily="34" charset="0"/>
+              </a:rPr>
+              <a:t>Exemplo</a:t>
+            </a:r>
+            <a:r>
+              <a:rPr lang="en-US" b="0" i="0" dirty="0">
+                <a:solidFill>
+                  <a:srgbClr val="000000"/>
+                </a:solidFill>
+                <a:effectLst/>
+                <a:latin typeface="Verdana" panose="020B0604030504040204" pitchFamily="34" charset="0"/>
+              </a:rPr>
+              <a:t>: class </a:t>
+            </a:r>
+            <a:r>
+              <a:rPr lang="en-US" b="0" i="0" dirty="0" err="1">
+                <a:solidFill>
+                  <a:srgbClr val="000000"/>
+                </a:solidFill>
+                <a:effectLst/>
+                <a:latin typeface="Verdana" panose="020B0604030504040204" pitchFamily="34" charset="0"/>
+              </a:rPr>
+              <a:t>MyClass</a:t>
+            </a:r>
+            <a:r>
+              <a:rPr lang="en-US" b="0" i="0" dirty="0">
+                <a:solidFill>
+                  <a:srgbClr val="000000"/>
+                </a:solidFill>
+                <a:effectLst/>
+                <a:latin typeface="Verdana" panose="020B0604030504040204" pitchFamily="34" charset="0"/>
+              </a:rPr>
+              <a:t> extends </a:t>
+            </a:r>
+            <a:r>
+              <a:rPr lang="en-US" b="0" i="0" dirty="0" err="1">
+                <a:solidFill>
+                  <a:srgbClr val="000000"/>
+                </a:solidFill>
+                <a:effectLst/>
+                <a:latin typeface="Verdana" panose="020B0604030504040204" pitchFamily="34" charset="0"/>
+              </a:rPr>
+              <a:t>OtherClass</a:t>
+            </a:r>
+            <a:r>
+              <a:rPr lang="en-US" b="0" i="0" dirty="0">
+                <a:solidFill>
+                  <a:srgbClr val="000000"/>
+                </a:solidFill>
+                <a:effectLst/>
+                <a:latin typeface="Verdana" panose="020B0604030504040204" pitchFamily="34" charset="0"/>
+              </a:rPr>
+              <a:t> implements Runnable.</a:t>
+            </a:r>
+          </a:p>
+        </p:txBody>
+      </p:sp>
+      <p:sp>
+        <p:nvSpPr>
+          <p:cNvPr id="18" name="Marcador de Posição do Texto 5">
+            <a:extLst>
+              <a:ext uri="{FF2B5EF4-FFF2-40B4-BE49-F238E27FC236}">
+                <a16:creationId xmlns:a16="http://schemas.microsoft.com/office/drawing/2014/main" id="{0487D714-EB7E-BB24-E350-0BAB9F22F720}"/>
+              </a:ext>
+            </a:extLst>
+          </p:cNvPr>
+          <p:cNvSpPr txBox="1">
+            <a:spLocks/>
+          </p:cNvSpPr>
+          <p:nvPr/>
+        </p:nvSpPr>
+        <p:spPr>
+          <a:xfrm>
+            <a:off x="797447" y="2150938"/>
+            <a:ext cx="3855720" cy="3544756"/>
+          </a:xfrm>
+          <a:prstGeom prst="rect">
+            <a:avLst/>
+          </a:prstGeom>
+        </p:spPr>
+        <p:txBody>
+          <a:bodyPr vert="horz" lIns="91440" tIns="45720" rIns="91440" bIns="45720" rtlCol="0">
+            <a:normAutofit/>
+          </a:bodyPr>
+          <a:lstStyle>
+            <a:lvl1pPr marL="0" indent="0" algn="l" defTabSz="914400" rtl="0" eaLnBrk="1" latinLnBrk="0" hangingPunct="1">
+              <a:lnSpc>
+                <a:spcPct val="113000"/>
+              </a:lnSpc>
+              <a:spcBef>
+                <a:spcPts val="0"/>
+              </a:spcBef>
+              <a:spcAft>
+                <a:spcPts val="1500"/>
+              </a:spcAft>
+              <a:buFont typeface="Franklin Gothic Book" panose="020B0503020102020204" pitchFamily="34" charset="0"/>
+              <a:buNone/>
+              <a:defRPr sz="1600" kern="1200" baseline="0">
+                <a:solidFill>
+                  <a:schemeClr val="tx2"/>
+                </a:solidFill>
+                <a:latin typeface="+mn-lt"/>
+                <a:ea typeface="+mn-ea"/>
+                <a:cs typeface="+mn-cs"/>
+              </a:defRPr>
+            </a:lvl1pPr>
+            <a:lvl2pPr marL="457200" indent="0" algn="l" defTabSz="914400" rtl="0" eaLnBrk="1" latinLnBrk="0" hangingPunct="1">
+              <a:lnSpc>
+                <a:spcPct val="94000"/>
+              </a:lnSpc>
+              <a:spcBef>
+                <a:spcPts val="500"/>
+              </a:spcBef>
+              <a:spcAft>
+                <a:spcPts val="200"/>
+              </a:spcAft>
+              <a:buFont typeface="Franklin Gothic Book" panose="020B0503020102020204" pitchFamily="34" charset="0"/>
+              <a:buNone/>
+              <a:defRPr sz="1400" i="1" kern="1200" baseline="0">
+                <a:solidFill>
+                  <a:schemeClr val="tx2"/>
+                </a:solidFill>
+                <a:latin typeface="+mn-lt"/>
+                <a:ea typeface="+mn-ea"/>
+                <a:cs typeface="+mn-cs"/>
+              </a:defRPr>
+            </a:lvl2pPr>
+            <a:lvl3pPr marL="914400" indent="0" algn="l" defTabSz="914400" rtl="0" eaLnBrk="1" latinLnBrk="0" hangingPunct="1">
+              <a:lnSpc>
+                <a:spcPct val="94000"/>
+              </a:lnSpc>
+              <a:spcBef>
+                <a:spcPts val="500"/>
+              </a:spcBef>
+              <a:spcAft>
+                <a:spcPts val="200"/>
+              </a:spcAft>
+              <a:buFont typeface="Franklin Gothic Book" panose="020B0503020102020204" pitchFamily="34" charset="0"/>
+              <a:buNone/>
+              <a:defRPr sz="1200" kern="1200" baseline="0">
+                <a:solidFill>
+                  <a:schemeClr val="tx2"/>
+                </a:solidFill>
+                <a:latin typeface="+mn-lt"/>
+                <a:ea typeface="+mn-ea"/>
+                <a:cs typeface="+mn-cs"/>
+              </a:defRPr>
+            </a:lvl3pPr>
+            <a:lvl4pPr marL="1371600" indent="0" algn="l" defTabSz="914400" rtl="0" eaLnBrk="1" latinLnBrk="0" hangingPunct="1">
+              <a:lnSpc>
+                <a:spcPct val="94000"/>
+              </a:lnSpc>
+              <a:spcBef>
+                <a:spcPts val="500"/>
+              </a:spcBef>
+              <a:spcAft>
+                <a:spcPts val="200"/>
+              </a:spcAft>
+              <a:buFont typeface="Franklin Gothic Book" panose="020B0503020102020204" pitchFamily="34" charset="0"/>
+              <a:buNone/>
+              <a:defRPr sz="1000" i="1" kern="1200" baseline="0">
+                <a:solidFill>
+                  <a:schemeClr val="tx2"/>
+                </a:solidFill>
+                <a:latin typeface="+mn-lt"/>
+                <a:ea typeface="+mn-ea"/>
+                <a:cs typeface="+mn-cs"/>
+              </a:defRPr>
+            </a:lvl4pPr>
+            <a:lvl5pPr marL="1828800" indent="0" algn="l" defTabSz="914400" rtl="0" eaLnBrk="1" latinLnBrk="0" hangingPunct="1">
+              <a:lnSpc>
+                <a:spcPct val="94000"/>
+              </a:lnSpc>
+              <a:spcBef>
+                <a:spcPts val="500"/>
+              </a:spcBef>
+              <a:spcAft>
+                <a:spcPts val="200"/>
+              </a:spcAft>
+              <a:buFont typeface="Franklin Gothic Book" panose="020B0503020102020204" pitchFamily="34" charset="0"/>
+              <a:buNone/>
+              <a:defRPr sz="1000" kern="1200" baseline="0">
+                <a:solidFill>
+                  <a:schemeClr val="tx2"/>
+                </a:solidFill>
+                <a:latin typeface="+mn-lt"/>
+                <a:ea typeface="+mn-ea"/>
+                <a:cs typeface="+mn-cs"/>
+              </a:defRPr>
+            </a:lvl5pPr>
+            <a:lvl6pPr marL="2286000" indent="0" algn="l" defTabSz="914400" rtl="0" eaLnBrk="1" latinLnBrk="0" hangingPunct="1">
+              <a:lnSpc>
+                <a:spcPct val="94000"/>
+              </a:lnSpc>
+              <a:spcBef>
+                <a:spcPts val="500"/>
+              </a:spcBef>
+              <a:spcAft>
+                <a:spcPts val="200"/>
+              </a:spcAft>
+              <a:buFont typeface="Franklin Gothic Book" panose="020B0503020102020204" pitchFamily="34" charset="0"/>
+              <a:buNone/>
+              <a:defRPr sz="1000" i="1" kern="1200" baseline="0">
+                <a:solidFill>
+                  <a:schemeClr val="tx2"/>
+                </a:solidFill>
+                <a:latin typeface="+mn-lt"/>
+                <a:ea typeface="+mn-ea"/>
+                <a:cs typeface="+mn-cs"/>
+              </a:defRPr>
+            </a:lvl6pPr>
+            <a:lvl7pPr marL="2743200" indent="0" algn="l" defTabSz="914400" rtl="0" eaLnBrk="1" latinLnBrk="0" hangingPunct="1">
+              <a:lnSpc>
+                <a:spcPct val="94000"/>
+              </a:lnSpc>
+              <a:spcBef>
+                <a:spcPts val="500"/>
+              </a:spcBef>
+              <a:spcAft>
+                <a:spcPts val="200"/>
+              </a:spcAft>
+              <a:buFont typeface="Franklin Gothic Book" panose="020B0503020102020204" pitchFamily="34" charset="0"/>
+              <a:buNone/>
+              <a:defRPr sz="1000" kern="1200" baseline="0">
+                <a:solidFill>
+                  <a:schemeClr val="tx2"/>
+                </a:solidFill>
+                <a:latin typeface="+mn-lt"/>
+                <a:ea typeface="+mn-ea"/>
+                <a:cs typeface="+mn-cs"/>
+              </a:defRPr>
+            </a:lvl7pPr>
+            <a:lvl8pPr marL="3200400" indent="0" algn="l" defTabSz="914400" rtl="0" eaLnBrk="1" latinLnBrk="0" hangingPunct="1">
+              <a:lnSpc>
+                <a:spcPct val="94000"/>
+              </a:lnSpc>
+              <a:spcBef>
+                <a:spcPts val="500"/>
+              </a:spcBef>
+              <a:spcAft>
+                <a:spcPts val="200"/>
+              </a:spcAft>
+              <a:buFont typeface="Franklin Gothic Book" panose="020B0503020102020204" pitchFamily="34" charset="0"/>
+              <a:buNone/>
+              <a:defRPr sz="1000" i="1" kern="1200" baseline="0">
+                <a:solidFill>
+                  <a:schemeClr val="tx2"/>
+                </a:solidFill>
+                <a:latin typeface="+mn-lt"/>
+                <a:ea typeface="+mn-ea"/>
+                <a:cs typeface="+mn-cs"/>
+              </a:defRPr>
+            </a:lvl8pPr>
+            <a:lvl9pPr marL="3657600" indent="0" algn="l" defTabSz="914400" rtl="0" eaLnBrk="1" latinLnBrk="0" hangingPunct="1">
+              <a:lnSpc>
+                <a:spcPct val="94000"/>
+              </a:lnSpc>
+              <a:spcBef>
+                <a:spcPts val="500"/>
+              </a:spcBef>
+              <a:spcAft>
+                <a:spcPts val="200"/>
+              </a:spcAft>
+              <a:buFont typeface="Franklin Gothic Book" panose="020B0503020102020204" pitchFamily="34" charset="0"/>
+              <a:buNone/>
+              <a:defRPr sz="1000" kern="1200" baseline="0">
+                <a:solidFill>
+                  <a:schemeClr val="tx2"/>
+                </a:solidFill>
+                <a:latin typeface="+mn-lt"/>
+                <a:ea typeface="+mn-ea"/>
+                <a:cs typeface="+mn-cs"/>
+              </a:defRPr>
+            </a:lvl9pPr>
+          </a:lstStyle>
+          <a:p>
+            <a:pPr marL="285750" indent="-285750">
+              <a:buFont typeface="Arial" panose="020B0604020202020204" pitchFamily="34" charset="0"/>
+              <a:buChar char="•"/>
+            </a:pPr>
+            <a:r>
+              <a:rPr lang="pt-PT" dirty="0" err="1">
+                <a:solidFill>
+                  <a:srgbClr val="333333"/>
+                </a:solidFill>
+                <a:latin typeface="inter-regular"/>
+              </a:rPr>
+              <a:t>Threads</a:t>
+            </a:r>
+            <a:r>
+              <a:rPr lang="pt-PT" dirty="0">
+                <a:solidFill>
+                  <a:srgbClr val="333333"/>
+                </a:solidFill>
+                <a:latin typeface="inter-regular"/>
+              </a:rPr>
+              <a:t> permitem que um programa corra de forma mais eficaz, conseguindo realizar várias funções ao mesmo tempo.</a:t>
+            </a:r>
+          </a:p>
+          <a:p>
+            <a:pPr marL="285750" indent="-285750">
+              <a:buFont typeface="Arial" panose="020B0604020202020204" pitchFamily="34" charset="0"/>
+              <a:buChar char="•"/>
+            </a:pPr>
+            <a:r>
+              <a:rPr lang="pt-PT" dirty="0">
+                <a:solidFill>
+                  <a:srgbClr val="333333"/>
+                </a:solidFill>
+                <a:latin typeface="inter-regular"/>
+              </a:rPr>
+              <a:t>Podem ser usadas para realizar tarefas mais pesadas sem interromper o programa principal</a:t>
+            </a:r>
+          </a:p>
+          <a:p>
+            <a:pPr marL="285750" indent="-285750">
+              <a:buFont typeface="Arial" panose="020B0604020202020204" pitchFamily="34" charset="0"/>
+              <a:buChar char="•"/>
+            </a:pPr>
+            <a:r>
+              <a:rPr lang="pt-PT" dirty="0">
+                <a:solidFill>
+                  <a:srgbClr val="333333"/>
+                </a:solidFill>
+                <a:latin typeface="inter-regular"/>
+              </a:rPr>
+              <a:t>Existem 2 formas para criar </a:t>
+            </a:r>
+            <a:r>
+              <a:rPr lang="pt-PT" dirty="0" err="1">
+                <a:solidFill>
+                  <a:srgbClr val="333333"/>
+                </a:solidFill>
+                <a:latin typeface="inter-regular"/>
+              </a:rPr>
+              <a:t>threads</a:t>
+            </a:r>
+            <a:r>
+              <a:rPr lang="pt-PT" dirty="0">
+                <a:solidFill>
+                  <a:srgbClr val="333333"/>
+                </a:solidFill>
+                <a:latin typeface="inter-regular"/>
+              </a:rPr>
+              <a:t>: com "</a:t>
+            </a:r>
+            <a:r>
+              <a:rPr lang="pt-PT" dirty="0" err="1">
+                <a:solidFill>
+                  <a:srgbClr val="333333"/>
+                </a:solidFill>
+                <a:latin typeface="inter-regular"/>
+              </a:rPr>
+              <a:t>extending</a:t>
+            </a:r>
+            <a:r>
+              <a:rPr lang="pt-PT" dirty="0">
+                <a:solidFill>
+                  <a:srgbClr val="333333"/>
+                </a:solidFill>
+                <a:latin typeface="inter-regular"/>
+              </a:rPr>
+              <a:t>" ou "</a:t>
+            </a:r>
+            <a:r>
+              <a:rPr lang="pt-PT" dirty="0" err="1">
+                <a:solidFill>
+                  <a:srgbClr val="333333"/>
+                </a:solidFill>
+                <a:latin typeface="inter-regular"/>
+              </a:rPr>
+              <a:t>implementing</a:t>
+            </a:r>
+            <a:r>
+              <a:rPr lang="pt-PT" dirty="0">
+                <a:solidFill>
+                  <a:srgbClr val="333333"/>
+                </a:solidFill>
+                <a:latin typeface="inter-regular"/>
+              </a:rPr>
+              <a:t>“.</a:t>
+            </a:r>
+          </a:p>
+          <a:p>
+            <a:pPr marL="285750" indent="-285750">
+              <a:buFont typeface="Arial" panose="020B0604020202020204" pitchFamily="34" charset="0"/>
+              <a:buChar char="•"/>
+            </a:pPr>
+            <a:endParaRPr lang="pt-PT" dirty="0">
+              <a:solidFill>
+                <a:srgbClr val="333333"/>
+              </a:solidFill>
+              <a:latin typeface="inter-regular"/>
+            </a:endParaRPr>
+          </a:p>
+        </p:txBody>
+      </p:sp>
+    </p:spTree>
+    <p:extLst>
+      <p:ext uri="{BB962C8B-B14F-4D97-AF65-F5344CB8AC3E}">
+        <p14:creationId xmlns:p14="http://schemas.microsoft.com/office/powerpoint/2010/main" val="1685947059"/>
+      </p:ext>
+    </p:extLst>
+  </p:cSld>
+  <p:clrMapOvr>
+    <a:masterClrMapping/>
+  </p:clrMapOvr>
+  <mc:AlternateContent xmlns:mc="http://schemas.openxmlformats.org/markup-compatibility/2006">
+    <mc:Choice xmlns:p14="http://schemas.microsoft.com/office/powerpoint/2010/main" Requires="p14">
+      <p:transition spd="med" p14:dur="700">
+        <p:fade/>
+      </p:transition>
+    </mc:Choice>
+    <mc:Fallback>
+      <p:transition spd="med">
+        <p:fade/>
+      </p:transition>
+    </mc:Fallback>
+  </mc:AlternateContent>
+</p:sld>
+</file>
+
 <file path=ppt/slides/slide2.xml><?xml version="1.0" encoding="utf-8"?>
 <p:sld xmlns:a="http://schemas.openxmlformats.org/drawingml/2006/main" xmlns:r="http://schemas.openxmlformats.org/officeDocument/2006/relationships" xmlns:p="http://schemas.openxmlformats.org/presentationml/2006/main">
   <p:cSld>
@@ -5222,6 +6220,16 @@
               <a:rPr lang="pt-PT" sz="1800" i="1" dirty="0"/>
               <a:t>Collections</a:t>
             </a:r>
+          </a:p>
+          <a:p>
+            <a:pPr marL="0" indent="0">
+              <a:buNone/>
+            </a:pPr>
+            <a:r>
+              <a:rPr lang="pt-PT" sz="1800" i="1" dirty="0" err="1"/>
+              <a:t>Threads</a:t>
+            </a:r>
+            <a:endParaRPr lang="pt-PT" sz="1800" i="1" dirty="0"/>
           </a:p>
         </p:txBody>
       </p:sp>
@@ -7405,8 +8413,8 @@
         </p:nvSpPr>
         <p:spPr>
           <a:xfrm>
-            <a:off x="6943271" y="1997839"/>
-            <a:ext cx="4423953" cy="2862322"/>
+            <a:off x="6574302" y="1132114"/>
+            <a:ext cx="4423953" cy="2962093"/>
           </a:xfrm>
           <a:prstGeom prst="rect">
             <a:avLst/>
@@ -7428,21 +8436,60 @@
             <a:endParaRPr lang="pt-PT" dirty="0"/>
           </a:p>
           <a:p>
-            <a:r>
-              <a:rPr lang="pt-PT" dirty="0"/>
+            <a:pPr algn="just" defTabSz="914400">
+              <a:lnSpc>
+                <a:spcPct val="113000"/>
+              </a:lnSpc>
+              <a:spcAft>
+                <a:spcPts val="1500"/>
+              </a:spcAft>
+            </a:pPr>
+            <a:r>
+              <a:rPr lang="pt-PT" sz="1600" dirty="0">
+                <a:solidFill>
+                  <a:srgbClr val="333333"/>
+                </a:solidFill>
+                <a:latin typeface="Open Sans" panose="020B0606030504020204" pitchFamily="34" charset="0"/>
+              </a:rPr>
               <a:t>Reduz a complexidade em consultar o código.</a:t>
             </a:r>
           </a:p>
           <a:p>
-            <a:r>
-              <a:rPr lang="pt-PT" dirty="0"/>
+            <a:pPr algn="just" defTabSz="914400">
+              <a:lnSpc>
+                <a:spcPct val="113000"/>
+              </a:lnSpc>
+              <a:spcAft>
+                <a:spcPts val="1500"/>
+              </a:spcAft>
+            </a:pPr>
+            <a:r>
+              <a:rPr lang="pt-PT" sz="1600" dirty="0">
+                <a:solidFill>
+                  <a:srgbClr val="333333"/>
+                </a:solidFill>
+                <a:latin typeface="Open Sans" panose="020B0606030504020204" pitchFamily="34" charset="0"/>
+              </a:rPr>
               <a:t>Evita a duplicação de código e aumenta a reutilização.</a:t>
             </a:r>
           </a:p>
           <a:p>
-            <a:r>
-              <a:rPr lang="pt-PT" dirty="0"/>
-              <a:t>Ajuda a aumentar a segurança de um aplicativo ou programa, pois apenas os detalhes essenciais são fornecidos ao usuário.</a:t>
+            <a:pPr algn="just" defTabSz="914400">
+              <a:lnSpc>
+                <a:spcPct val="113000"/>
+              </a:lnSpc>
+              <a:spcAft>
+                <a:spcPts val="1500"/>
+              </a:spcAft>
+            </a:pPr>
+            <a:r>
+              <a:rPr lang="pt-PT" sz="1600" dirty="0">
+                <a:solidFill>
+                  <a:srgbClr val="333333"/>
+                </a:solidFill>
+                <a:latin typeface="Open Sans" panose="020B0606030504020204" pitchFamily="34" charset="0"/>
+              </a:rPr>
+              <a:t>Ajuda a aumentar a segurança de um aplicativo ou programa, apenas os detalhes essenciais são fornecidos ao utilizador.</a:t>
             </a:r>
           </a:p>
         </p:txBody>
@@ -8457,7 +9504,7 @@
           </a:bodyPr>
           <a:lstStyle/>
           <a:p>
-            <a:pPr marL="285750" indent="-285750">
+            <a:pPr marL="285750" indent="-285750" algn="just">
               <a:buFont typeface="Arial" panose="020B0604020202020204" pitchFamily="34" charset="0"/>
               <a:buChar char="•"/>
             </a:pPr>
@@ -8478,7 +9525,7 @@
             </a:endParaRPr>
           </a:p>
           <a:p>
-            <a:pPr marL="285750" indent="-285750">
+            <a:pPr marL="285750" indent="-285750" algn="just">
               <a:buFont typeface="Arial" panose="020B0604020202020204" pitchFamily="34" charset="0"/>
               <a:buChar char="•"/>
             </a:pPr>
@@ -9119,7 +10166,7 @@
             </a:lvl9pPr>
           </a:lstStyle>
           <a:p>
-            <a:pPr algn="l"/>
+            <a:pPr algn="just"/>
             <a:r>
               <a:rPr lang="en-US" b="1" i="0" dirty="0">
                 <a:solidFill>
@@ -9222,7 +10269,7 @@
             </a:r>
           </a:p>
           <a:p>
-            <a:pPr algn="l"/>
+            <a:pPr algn="just"/>
             <a:r>
               <a:rPr lang="en-US" b="1" i="0" dirty="0">
                 <a:solidFill>
@@ -9256,13 +10303,13 @@
   <p:clrMapOvr>
     <a:masterClrMapping/>
   </p:clrMapOvr>
-  <mc:AlternateContent xmlns:mc="http://schemas.openxmlformats.org/markup-compatibility/2006">
-    <mc:Choice xmlns:p14="http://schemas.microsoft.com/office/powerpoint/2010/main" Requires="p14">
+  <mc:AlternateContent xmlns:mc="http://schemas.openxmlformats.org/markup-compatibility/2006" xmlns:p14="http://schemas.microsoft.com/office/powerpoint/2010/main">
+    <mc:Choice Requires="p14">
       <p:transition spd="med" p14:dur="700">
         <p:fade/>
       </p:transition>
     </mc:Choice>
-    <mc:Fallback>
+    <mc:Fallback xmlns="">
       <p:transition spd="med">
         <p:fade/>
       </p:transition>
@@ -9728,6 +10775,7 @@
             </a:lvl9pPr>
           </a:lstStyle>
           <a:p>
+            <a:pPr algn="just"/>
             <a:r>
               <a:rPr lang="pt-PT" dirty="0" err="1">
                 <a:solidFill>
@@ -9748,6 +10796,7 @@
             </a:r>
           </a:p>
           <a:p>
+            <a:pPr algn="just"/>
             <a:r>
               <a:rPr lang="pt-PT" dirty="0">
                 <a:solidFill>
@@ -9810,13 +10859,13 @@
   <p:clrMapOvr>
     <a:masterClrMapping/>
   </p:clrMapOvr>
-  <mc:AlternateContent xmlns:mc="http://schemas.openxmlformats.org/markup-compatibility/2006">
-    <mc:Choice xmlns:p14="http://schemas.microsoft.com/office/powerpoint/2010/main" Requires="p14">
+  <mc:AlternateContent xmlns:mc="http://schemas.openxmlformats.org/markup-compatibility/2006" xmlns:p14="http://schemas.microsoft.com/office/powerpoint/2010/main">
+    <mc:Choice Requires="p14">
       <p:transition spd="med" p14:dur="700">
         <p:fade/>
       </p:transition>
     </mc:Choice>
-    <mc:Fallback>
+    <mc:Fallback xmlns="">
       <p:transition spd="med">
         <p:fade/>
       </p:transition>

--- a/UPSKILL - AutoestudoS1_valentimgomes.pptx
+++ b/UPSKILL - AutoestudoS1_valentimgomes.pptx
@@ -12,8 +12,8 @@
     <p:sldId id="257" r:id="rId3"/>
     <p:sldId id="258" r:id="rId4"/>
     <p:sldId id="262" r:id="rId5"/>
-    <p:sldId id="261" r:id="rId6"/>
-    <p:sldId id="264" r:id="rId7"/>
+    <p:sldId id="264" r:id="rId6"/>
+    <p:sldId id="261" r:id="rId7"/>
     <p:sldId id="265" r:id="rId8"/>
     <p:sldId id="266" r:id="rId9"/>
     <p:sldId id="267" r:id="rId10"/>
@@ -741,7 +741,7 @@
     </p:spTree>
     <p:extLst>
       <p:ext uri="{BB962C8B-B14F-4D97-AF65-F5344CB8AC3E}">
-        <p14:creationId xmlns:p14="http://schemas.microsoft.com/office/powerpoint/2010/main" val="3234213753"/>
+        <p14:creationId xmlns:p14="http://schemas.microsoft.com/office/powerpoint/2010/main" val="3764216502"/>
       </p:ext>
     </p:extLst>
   </p:cSld>
@@ -825,7 +825,7 @@
     </p:spTree>
     <p:extLst>
       <p:ext uri="{BB962C8B-B14F-4D97-AF65-F5344CB8AC3E}">
-        <p14:creationId xmlns:p14="http://schemas.microsoft.com/office/powerpoint/2010/main" val="3764216502"/>
+        <p14:creationId xmlns:p14="http://schemas.microsoft.com/office/powerpoint/2010/main" val="3234213753"/>
       </p:ext>
     </p:extLst>
   </p:cSld>
@@ -5281,8 +5281,8 @@
         </p:nvSpPr>
         <p:spPr>
           <a:xfrm>
-            <a:off x="6096000" y="685800"/>
-            <a:ext cx="6096000" cy="307777"/>
+            <a:off x="6637648" y="1440232"/>
+            <a:ext cx="6096000" cy="369332"/>
           </a:xfrm>
           <a:prstGeom prst="rect">
             <a:avLst/>
@@ -5296,14 +5296,14 @@
           <a:lstStyle/>
           <a:p>
             <a:r>
-              <a:rPr lang="pt-PT" sz="1400" dirty="0"/>
+              <a:rPr lang="pt-PT" dirty="0"/>
               <a:t>Uso prático de uma </a:t>
             </a:r>
             <a:r>
-              <a:rPr lang="pt-PT" sz="1400" dirty="0" err="1"/>
+              <a:rPr lang="pt-PT" dirty="0" err="1"/>
               <a:t>Thread</a:t>
             </a:r>
-            <a:endParaRPr lang="pt-PT" sz="1400" dirty="0"/>
+            <a:endParaRPr lang="pt-PT" dirty="0"/>
           </a:p>
         </p:txBody>
       </p:sp>
@@ -5551,8 +5551,8 @@
         </p:nvSpPr>
         <p:spPr>
           <a:xfrm>
-            <a:off x="6637648" y="2150938"/>
-            <a:ext cx="5012703" cy="2862322"/>
+            <a:off x="6637648" y="2047440"/>
+            <a:ext cx="5012703" cy="2092881"/>
           </a:xfrm>
           <a:prstGeom prst="rect">
             <a:avLst/>
@@ -5577,62 +5577,74 @@
           <a:p>
             <a:pPr algn="just"/>
             <a:r>
-              <a:rPr lang="pt-PT" b="0" i="0" dirty="0">
-                <a:solidFill>
-                  <a:srgbClr val="000000"/>
-                </a:solidFill>
-                <a:effectLst/>
-                <a:latin typeface="Verdana" panose="020B0604030504040204" pitchFamily="34" charset="0"/>
-              </a:rPr>
-              <a:t>A principal diferença é que quando uma classe estende a classe </a:t>
-            </a:r>
-            <a:r>
-              <a:rPr lang="pt-PT" b="0" i="0" dirty="0" err="1">
-                <a:solidFill>
-                  <a:srgbClr val="000000"/>
-                </a:solidFill>
-                <a:effectLst/>
-                <a:latin typeface="Verdana" panose="020B0604030504040204" pitchFamily="34" charset="0"/>
+              <a:rPr lang="pt-PT" sz="1600" dirty="0">
+                <a:solidFill>
+                  <a:srgbClr val="333333"/>
+                </a:solidFill>
+                <a:latin typeface="Open Sans" panose="020B0606030504020204" pitchFamily="34" charset="0"/>
+              </a:rPr>
+              <a:t>A principal diferença é que quando uma classe “</a:t>
+            </a:r>
+            <a:r>
+              <a:rPr lang="pt-PT" sz="1600" dirty="0" err="1">
+                <a:solidFill>
+                  <a:srgbClr val="333333"/>
+                </a:solidFill>
+                <a:latin typeface="Open Sans" panose="020B0606030504020204" pitchFamily="34" charset="0"/>
+              </a:rPr>
+              <a:t>extends</a:t>
+            </a:r>
+            <a:r>
+              <a:rPr lang="pt-PT" sz="1600" dirty="0">
+                <a:solidFill>
+                  <a:srgbClr val="333333"/>
+                </a:solidFill>
+                <a:latin typeface="Open Sans" panose="020B0606030504020204" pitchFamily="34" charset="0"/>
+              </a:rPr>
+              <a:t>” a classe </a:t>
+            </a:r>
+            <a:r>
+              <a:rPr lang="pt-PT" sz="1600" dirty="0" err="1">
+                <a:solidFill>
+                  <a:srgbClr val="333333"/>
+                </a:solidFill>
+                <a:latin typeface="Open Sans" panose="020B0606030504020204" pitchFamily="34" charset="0"/>
               </a:rPr>
               <a:t>Thread</a:t>
             </a:r>
             <a:r>
-              <a:rPr lang="pt-PT" b="0" i="0" dirty="0">
-                <a:solidFill>
-                  <a:srgbClr val="000000"/>
-                </a:solidFill>
-                <a:effectLst/>
-                <a:latin typeface="Verdana" panose="020B0604030504040204" pitchFamily="34" charset="0"/>
+              <a:rPr lang="pt-PT" sz="1600" dirty="0">
+                <a:solidFill>
+                  <a:srgbClr val="333333"/>
+                </a:solidFill>
+                <a:latin typeface="Open Sans" panose="020B0606030504020204" pitchFamily="34" charset="0"/>
               </a:rPr>
               <a:t>, não é possível estender outra classe (o Java não suporta herança múltipla), mas implementando a interface </a:t>
             </a:r>
             <a:r>
-              <a:rPr lang="pt-PT" b="0" i="0" dirty="0" err="1">
-                <a:solidFill>
-                  <a:srgbClr val="000000"/>
-                </a:solidFill>
-                <a:effectLst/>
-                <a:latin typeface="Verdana" panose="020B0604030504040204" pitchFamily="34" charset="0"/>
+              <a:rPr lang="pt-PT" sz="1600" dirty="0" err="1">
+                <a:solidFill>
+                  <a:srgbClr val="333333"/>
+                </a:solidFill>
+                <a:latin typeface="Open Sans" panose="020B0606030504020204" pitchFamily="34" charset="0"/>
               </a:rPr>
               <a:t>Runnable</a:t>
             </a:r>
             <a:r>
-              <a:rPr lang="pt-PT" b="0" i="0" dirty="0">
-                <a:solidFill>
-                  <a:srgbClr val="000000"/>
-                </a:solidFill>
-                <a:effectLst/>
-                <a:latin typeface="Verdana" panose="020B0604030504040204" pitchFamily="34" charset="0"/>
+              <a:rPr lang="pt-PT" sz="1600" dirty="0">
+                <a:solidFill>
+                  <a:srgbClr val="333333"/>
+                </a:solidFill>
+                <a:latin typeface="Open Sans" panose="020B0606030504020204" pitchFamily="34" charset="0"/>
               </a:rPr>
               <a:t>, é possível estender de outra classe também</a:t>
             </a:r>
             <a:r>
-              <a:rPr lang="en-US" b="0" i="0" dirty="0">
-                <a:solidFill>
-                  <a:srgbClr val="000000"/>
-                </a:solidFill>
-                <a:effectLst/>
-                <a:latin typeface="Verdana" panose="020B0604030504040204" pitchFamily="34" charset="0"/>
+              <a:rPr lang="en-US" sz="1600" dirty="0">
+                <a:solidFill>
+                  <a:srgbClr val="333333"/>
+                </a:solidFill>
+                <a:latin typeface="Open Sans" panose="020B0606030504020204" pitchFamily="34" charset="0"/>
               </a:rPr>
               <a:t>. </a:t>
             </a:r>
@@ -5640,62 +5652,56 @@
           <a:p>
             <a:pPr algn="just"/>
             <a:r>
-              <a:rPr lang="en-US" b="0" i="0" dirty="0" err="1">
-                <a:solidFill>
-                  <a:srgbClr val="000000"/>
-                </a:solidFill>
-                <a:effectLst/>
-                <a:latin typeface="Verdana" panose="020B0604030504040204" pitchFamily="34" charset="0"/>
+              <a:rPr lang="en-US" sz="1600" dirty="0" err="1">
+                <a:solidFill>
+                  <a:srgbClr val="333333"/>
+                </a:solidFill>
+                <a:latin typeface="Open Sans" panose="020B0606030504020204" pitchFamily="34" charset="0"/>
               </a:rPr>
               <a:t>Exemplo</a:t>
             </a:r>
             <a:r>
-              <a:rPr lang="en-US" b="0" i="0" dirty="0">
-                <a:solidFill>
-                  <a:srgbClr val="000000"/>
-                </a:solidFill>
-                <a:effectLst/>
-                <a:latin typeface="Verdana" panose="020B0604030504040204" pitchFamily="34" charset="0"/>
+              <a:rPr lang="en-US" sz="1600" dirty="0">
+                <a:solidFill>
+                  <a:srgbClr val="333333"/>
+                </a:solidFill>
+                <a:latin typeface="Open Sans" panose="020B0606030504020204" pitchFamily="34" charset="0"/>
               </a:rPr>
               <a:t>: class </a:t>
             </a:r>
             <a:r>
-              <a:rPr lang="en-US" b="0" i="0" dirty="0" err="1">
-                <a:solidFill>
-                  <a:srgbClr val="000000"/>
-                </a:solidFill>
-                <a:effectLst/>
-                <a:latin typeface="Verdana" panose="020B0604030504040204" pitchFamily="34" charset="0"/>
+              <a:rPr lang="en-US" sz="1600" dirty="0" err="1">
+                <a:solidFill>
+                  <a:srgbClr val="333333"/>
+                </a:solidFill>
+                <a:latin typeface="Open Sans" panose="020B0606030504020204" pitchFamily="34" charset="0"/>
               </a:rPr>
               <a:t>MyClass</a:t>
             </a:r>
             <a:r>
-              <a:rPr lang="en-US" b="0" i="0" dirty="0">
-                <a:solidFill>
-                  <a:srgbClr val="000000"/>
-                </a:solidFill>
-                <a:effectLst/>
-                <a:latin typeface="Verdana" panose="020B0604030504040204" pitchFamily="34" charset="0"/>
+              <a:rPr lang="en-US" sz="1600" dirty="0">
+                <a:solidFill>
+                  <a:srgbClr val="333333"/>
+                </a:solidFill>
+                <a:latin typeface="Open Sans" panose="020B0606030504020204" pitchFamily="34" charset="0"/>
               </a:rPr>
               <a:t> extends </a:t>
             </a:r>
             <a:r>
-              <a:rPr lang="en-US" b="0" i="0" dirty="0" err="1">
-                <a:solidFill>
-                  <a:srgbClr val="000000"/>
-                </a:solidFill>
-                <a:effectLst/>
-                <a:latin typeface="Verdana" panose="020B0604030504040204" pitchFamily="34" charset="0"/>
+              <a:rPr lang="en-US" sz="1600" dirty="0" err="1">
+                <a:solidFill>
+                  <a:srgbClr val="333333"/>
+                </a:solidFill>
+                <a:latin typeface="Open Sans" panose="020B0606030504020204" pitchFamily="34" charset="0"/>
               </a:rPr>
               <a:t>OtherClass</a:t>
             </a:r>
             <a:r>
-              <a:rPr lang="en-US" b="0" i="0" dirty="0">
-                <a:solidFill>
-                  <a:srgbClr val="000000"/>
-                </a:solidFill>
-                <a:effectLst/>
-                <a:latin typeface="Verdana" panose="020B0604030504040204" pitchFamily="34" charset="0"/>
+              <a:rPr lang="en-US" sz="1600" dirty="0">
+                <a:solidFill>
+                  <a:srgbClr val="333333"/>
+                </a:solidFill>
+                <a:latin typeface="Open Sans" panose="020B0606030504020204" pitchFamily="34" charset="0"/>
               </a:rPr>
               <a:t> implements Runnable.</a:t>
             </a:r>
@@ -6052,13 +6058,13 @@
   <p:clrMapOvr>
     <a:masterClrMapping/>
   </p:clrMapOvr>
-  <mc:AlternateContent xmlns:mc="http://schemas.openxmlformats.org/markup-compatibility/2006">
-    <mc:Choice xmlns:p14="http://schemas.microsoft.com/office/powerpoint/2010/main" Requires="p14">
+  <mc:AlternateContent xmlns:mc="http://schemas.openxmlformats.org/markup-compatibility/2006" xmlns:p14="http://schemas.microsoft.com/office/powerpoint/2010/main">
+    <mc:Choice Requires="p14">
       <p:transition spd="med" p14:dur="700">
         <p:fade/>
       </p:transition>
     </mc:Choice>
-    <mc:Fallback>
+    <mc:Fallback xmlns="">
       <p:transition spd="med">
         <p:fade/>
       </p:transition>
@@ -6885,7 +6891,7 @@
                 </a:solidFill>
                 <a:latin typeface="inter-regular"/>
               </a:rPr>
-              <a:t>)</a:t>
+              <a:t>).</a:t>
             </a:r>
           </a:p>
           <a:p>
@@ -8187,21 +8193,8 @@
                 <a:ea typeface="+mn-ea"/>
                 <a:cs typeface="+mn-cs"/>
               </a:rPr>
-              <a:t>Abstração - </a:t>
-            </a:r>
-            <a:r>
-              <a:rPr lang="pt-PT" sz="2400" dirty="0" err="1">
-                <a:latin typeface="Abadi Extra Light" panose="020B0204020104020204" pitchFamily="34" charset="0"/>
-                <a:ea typeface="+mn-ea"/>
-                <a:cs typeface="+mn-cs"/>
-              </a:rPr>
-              <a:t>keyword</a:t>
-            </a:r>
-            <a:endParaRPr lang="pt-PT" sz="2400" dirty="0">
-              <a:latin typeface="Abadi Extra Light" panose="020B0204020104020204" pitchFamily="34" charset="0"/>
-              <a:ea typeface="+mn-ea"/>
-              <a:cs typeface="+mn-cs"/>
-            </a:endParaRPr>
+              <a:t>Abstração – interfaces</a:t>
+            </a:r>
           </a:p>
         </p:txBody>
       </p:sp>
@@ -8223,8 +8216,8 @@
         </p:nvSpPr>
         <p:spPr>
           <a:xfrm>
-            <a:off x="723900" y="1823357"/>
-            <a:ext cx="3855720" cy="3657600"/>
+            <a:off x="833302" y="1879779"/>
+            <a:ext cx="3855720" cy="3544756"/>
           </a:xfrm>
         </p:spPr>
         <p:txBody>
@@ -8238,33 +8231,15 @@
               <a:buChar char="•"/>
             </a:pPr>
             <a:r>
-              <a:rPr lang="pt-PT" dirty="0">
+              <a:rPr lang="pt-PT" i="0" dirty="0">
                 <a:solidFill>
                   <a:srgbClr val="333333"/>
                 </a:solidFill>
                 <a:latin typeface="inter-regular"/>
               </a:rPr>
-              <a:t>Esconder certos detalhes </a:t>
-            </a:r>
-            <a:r>
-              <a:rPr lang="en-US" dirty="0">
-                <a:solidFill>
-                  <a:srgbClr val="333333"/>
-                </a:solidFill>
-                <a:latin typeface="inter-regular"/>
-              </a:rPr>
-              <a:t>(</a:t>
-            </a:r>
-            <a:r>
-              <a:rPr lang="pt-PT" dirty="0">
-                <a:solidFill>
-                  <a:srgbClr val="333333"/>
-                </a:solidFill>
-                <a:latin typeface="inter-regular"/>
-              </a:rPr>
-              <a:t>implementação de método) e deixar acessível apenas informação essencial.</a:t>
-            </a:r>
-            <a:endParaRPr lang="en-US" dirty="0">
+              <a:t>Classe abstrata usada para agrupar métodos similares.</a:t>
+            </a:r>
+            <a:endParaRPr lang="en-US" i="0" dirty="0">
               <a:solidFill>
                 <a:srgbClr val="333333"/>
               </a:solidFill>
@@ -8277,90 +8252,56 @@
               <a:buChar char="•"/>
             </a:pPr>
             <a:r>
-              <a:rPr lang="pt-PT" b="0" i="0" dirty="0">
+              <a:rPr lang="pt-PT" i="0" dirty="0">
                 <a:solidFill>
                   <a:srgbClr val="333333"/>
                 </a:solidFill>
-                <a:effectLst/>
-                <a:latin typeface="inter-regular"/>
-              </a:rPr>
-              <a:t>Realizado através da herança e classes/métodos abstratos.</a:t>
-            </a:r>
-          </a:p>
-          <a:p>
-            <a:pPr marL="742950" lvl="1" indent="-285750">
+                <a:latin typeface="inter-regular"/>
+              </a:rPr>
+              <a:t>Para fazer uso da interface, esta deve ser implementada por outra classe</a:t>
+            </a:r>
+            <a:r>
+              <a:rPr lang="pt-PT" dirty="0">
+                <a:solidFill>
+                  <a:srgbClr val="333333"/>
+                </a:solidFill>
+                <a:latin typeface="inter-regular"/>
+              </a:rPr>
+              <a:t>, com a anotação </a:t>
+            </a:r>
+            <a:r>
+              <a:rPr lang="pt-PT" i="1" dirty="0" err="1">
+                <a:solidFill>
+                  <a:srgbClr val="333333"/>
+                </a:solidFill>
+                <a:latin typeface="inter-regular"/>
+              </a:rPr>
+              <a:t>implements</a:t>
+            </a:r>
+            <a:r>
+              <a:rPr lang="en-US" i="0" dirty="0">
+                <a:solidFill>
+                  <a:srgbClr val="333333"/>
+                </a:solidFill>
+                <a:latin typeface="inter-regular"/>
+              </a:rPr>
+              <a:t>. </a:t>
+            </a:r>
+          </a:p>
+          <a:p>
+            <a:pPr marL="285750" indent="-285750">
               <a:buFont typeface="Arial" panose="020B0604020202020204" pitchFamily="34" charset="0"/>
               <a:buChar char="•"/>
             </a:pPr>
             <a:r>
-              <a:rPr lang="pt-PT" i="0" dirty="0">
+              <a:rPr lang="pt-PT" sz="1500" dirty="0">
                 <a:solidFill>
                   <a:srgbClr val="333333"/>
                 </a:solidFill>
                 <a:latin typeface="inter-regular"/>
               </a:rPr>
-              <a:t>Classe abstrata</a:t>
-            </a:r>
-            <a:r>
-              <a:rPr lang="pt-PT" b="0" i="0" dirty="0">
-                <a:solidFill>
-                  <a:srgbClr val="333333"/>
-                </a:solidFill>
-                <a:effectLst/>
-                <a:latin typeface="inter-regular"/>
-              </a:rPr>
-              <a:t>: classe restrita, não podem ser criados objetos desse tipo( apenas aceder com métodos que herdaram).</a:t>
-            </a:r>
-          </a:p>
-          <a:p>
-            <a:pPr marL="742950" lvl="1" indent="-285750">
-              <a:buFont typeface="Arial" panose="020B0604020202020204" pitchFamily="34" charset="0"/>
-              <a:buChar char="•"/>
-            </a:pPr>
-            <a:r>
-              <a:rPr lang="pt-PT" b="0" i="0" dirty="0">
-                <a:solidFill>
-                  <a:srgbClr val="333333"/>
-                </a:solidFill>
-                <a:effectLst/>
-                <a:latin typeface="inter-regular"/>
-              </a:rPr>
-              <a:t>Método abstrato: usado em classes abstratas, sem </a:t>
-            </a:r>
-            <a:r>
-              <a:rPr lang="pt-PT" i="0" dirty="0">
-                <a:solidFill>
-                  <a:srgbClr val="333333"/>
-                </a:solidFill>
-                <a:latin typeface="inter-regular"/>
-              </a:rPr>
-              <a:t>conteúdo. A implementação é realizada na </a:t>
-            </a:r>
-            <a:r>
-              <a:rPr lang="pt-PT" i="0" dirty="0" err="1">
-                <a:solidFill>
-                  <a:srgbClr val="333333"/>
-                </a:solidFill>
-                <a:latin typeface="inter-regular"/>
-              </a:rPr>
-              <a:t>sub-classe</a:t>
-            </a:r>
-            <a:r>
-              <a:rPr lang="pt-PT" i="0" dirty="0">
-                <a:solidFill>
-                  <a:srgbClr val="333333"/>
-                </a:solidFill>
-                <a:latin typeface="inter-regular"/>
-              </a:rPr>
-              <a:t>.</a:t>
-            </a:r>
-            <a:endParaRPr lang="pt-PT" b="0" i="0" dirty="0">
-              <a:solidFill>
-                <a:srgbClr val="333333"/>
-              </a:solidFill>
-              <a:effectLst/>
-              <a:latin typeface="inter-regular"/>
-            </a:endParaRPr>
+              <a:t>Vantagem das interfaces: o Java não suporta herança múltipla: uma classe só pode herdar atributos de uma superclasse. Contudo uma classe consegue implementar múltiplas interfaces.</a:t>
+            </a:r>
           </a:p>
         </p:txBody>
       </p:sp>
@@ -8401,10 +8342,10 @@
       </p:sp>
       <p:sp>
         <p:nvSpPr>
-          <p:cNvPr id="3" name="CaixaDeTexto 2">
+          <p:cNvPr id="8" name="CaixaDeTexto 7">
             <a:extLst>
               <a:ext uri="{FF2B5EF4-FFF2-40B4-BE49-F238E27FC236}">
-                <a16:creationId xmlns:a16="http://schemas.microsoft.com/office/drawing/2014/main" id="{A38C90C1-E835-EC6B-32A4-2701928F25B9}"/>
+                <a16:creationId xmlns:a16="http://schemas.microsoft.com/office/drawing/2014/main" id="{E1098C6C-7A9B-920A-4248-32074918BA25}"/>
               </a:ext>
             </a:extLst>
           </p:cNvPr>
@@ -8413,8 +8354,8 @@
         </p:nvSpPr>
         <p:spPr>
           <a:xfrm>
-            <a:off x="6574302" y="1132114"/>
-            <a:ext cx="4423953" cy="2962093"/>
+            <a:off x="6096000" y="685800"/>
+            <a:ext cx="6096000" cy="5478423"/>
           </a:xfrm>
           <a:prstGeom prst="rect">
             <a:avLst/>
@@ -8428,68 +8369,617 @@
           <a:lstStyle/>
           <a:p>
             <a:r>
-              <a:rPr lang="pt-PT" dirty="0"/>
-              <a:t>Vantagens da Abstração</a:t>
-            </a:r>
-          </a:p>
-          <a:p>
-            <a:endParaRPr lang="pt-PT" dirty="0"/>
-          </a:p>
-          <a:p>
-            <a:pPr algn="just" defTabSz="914400">
-              <a:lnSpc>
-                <a:spcPct val="113000"/>
-              </a:lnSpc>
-              <a:spcAft>
-                <a:spcPts val="1500"/>
-              </a:spcAft>
-            </a:pPr>
-            <a:r>
-              <a:rPr lang="pt-PT" sz="1600" dirty="0">
-                <a:solidFill>
-                  <a:srgbClr val="333333"/>
-                </a:solidFill>
-                <a:latin typeface="Open Sans" panose="020B0606030504020204" pitchFamily="34" charset="0"/>
-              </a:rPr>
-              <a:t>Reduz a complexidade em consultar o código.</a:t>
-            </a:r>
-          </a:p>
-          <a:p>
-            <a:pPr algn="just" defTabSz="914400">
-              <a:lnSpc>
-                <a:spcPct val="113000"/>
-              </a:lnSpc>
-              <a:spcAft>
-                <a:spcPts val="1500"/>
-              </a:spcAft>
-            </a:pPr>
-            <a:r>
-              <a:rPr lang="pt-PT" sz="1600" dirty="0">
-                <a:solidFill>
-                  <a:srgbClr val="333333"/>
-                </a:solidFill>
-                <a:latin typeface="Open Sans" panose="020B0606030504020204" pitchFamily="34" charset="0"/>
-              </a:rPr>
-              <a:t>Evita a duplicação de código e aumenta a reutilização.</a:t>
-            </a:r>
-          </a:p>
-          <a:p>
-            <a:pPr algn="just" defTabSz="914400">
-              <a:lnSpc>
-                <a:spcPct val="113000"/>
-              </a:lnSpc>
-              <a:spcAft>
-                <a:spcPts val="1500"/>
-              </a:spcAft>
-            </a:pPr>
-            <a:r>
-              <a:rPr lang="pt-PT" sz="1600" dirty="0">
-                <a:solidFill>
-                  <a:srgbClr val="333333"/>
-                </a:solidFill>
-                <a:latin typeface="Open Sans" panose="020B0606030504020204" pitchFamily="34" charset="0"/>
-              </a:rPr>
-              <a:t>Ajuda a aumentar a segurança de um aplicativo ou programa, apenas os detalhes essenciais são fornecidos ao utilizador.</a:t>
+              <a:rPr lang="pt-PT" sz="1400" dirty="0"/>
+              <a:t>// Interface</a:t>
+            </a:r>
+          </a:p>
+          <a:p>
+            <a:r>
+              <a:rPr lang="pt-PT" sz="1400" dirty="0"/>
+              <a:t>interface Animal {</a:t>
+            </a:r>
+          </a:p>
+          <a:p>
+            <a:r>
+              <a:rPr lang="pt-PT" sz="1400" dirty="0"/>
+              <a:t>  </a:t>
+            </a:r>
+            <a:r>
+              <a:rPr lang="pt-PT" sz="1400" dirty="0" err="1"/>
+              <a:t>public</a:t>
+            </a:r>
+            <a:r>
+              <a:rPr lang="pt-PT" sz="1400" dirty="0"/>
+              <a:t> </a:t>
+            </a:r>
+            <a:r>
+              <a:rPr lang="pt-PT" sz="1400" dirty="0" err="1"/>
+              <a:t>void</a:t>
+            </a:r>
+            <a:r>
+              <a:rPr lang="pt-PT" sz="1400" dirty="0"/>
+              <a:t> </a:t>
+            </a:r>
+            <a:r>
+              <a:rPr lang="pt-PT" sz="1400" dirty="0" err="1"/>
+              <a:t>animalSound</a:t>
+            </a:r>
+            <a:r>
+              <a:rPr lang="pt-PT" sz="1400" dirty="0"/>
+              <a:t>(); // interface </a:t>
+            </a:r>
+            <a:r>
+              <a:rPr lang="pt-PT" sz="1400" dirty="0" err="1"/>
+              <a:t>method</a:t>
+            </a:r>
+            <a:r>
+              <a:rPr lang="pt-PT" sz="1400" dirty="0"/>
+              <a:t> (does </a:t>
+            </a:r>
+            <a:r>
+              <a:rPr lang="pt-PT" sz="1400" dirty="0" err="1"/>
+              <a:t>not</a:t>
+            </a:r>
+            <a:r>
+              <a:rPr lang="pt-PT" sz="1400" dirty="0"/>
+              <a:t> </a:t>
+            </a:r>
+            <a:r>
+              <a:rPr lang="pt-PT" sz="1400" dirty="0" err="1"/>
+              <a:t>have</a:t>
+            </a:r>
+            <a:r>
+              <a:rPr lang="pt-PT" sz="1400" dirty="0"/>
+              <a:t> a body)</a:t>
+            </a:r>
+          </a:p>
+          <a:p>
+            <a:r>
+              <a:rPr lang="pt-PT" sz="1400" dirty="0"/>
+              <a:t>  </a:t>
+            </a:r>
+            <a:r>
+              <a:rPr lang="pt-PT" sz="1400" dirty="0" err="1"/>
+              <a:t>public</a:t>
+            </a:r>
+            <a:r>
+              <a:rPr lang="pt-PT" sz="1400" dirty="0"/>
+              <a:t> </a:t>
+            </a:r>
+            <a:r>
+              <a:rPr lang="pt-PT" sz="1400" dirty="0" err="1"/>
+              <a:t>void</a:t>
+            </a:r>
+            <a:r>
+              <a:rPr lang="pt-PT" sz="1400" dirty="0"/>
+              <a:t> </a:t>
+            </a:r>
+            <a:r>
+              <a:rPr lang="pt-PT" sz="1400" dirty="0" err="1"/>
+              <a:t>sleep</a:t>
+            </a:r>
+            <a:r>
+              <a:rPr lang="pt-PT" sz="1400" dirty="0"/>
+              <a:t>(); // interface </a:t>
+            </a:r>
+            <a:r>
+              <a:rPr lang="pt-PT" sz="1400" dirty="0" err="1"/>
+              <a:t>method</a:t>
+            </a:r>
+            <a:r>
+              <a:rPr lang="pt-PT" sz="1400" dirty="0"/>
+              <a:t> (does </a:t>
+            </a:r>
+            <a:r>
+              <a:rPr lang="pt-PT" sz="1400" dirty="0" err="1"/>
+              <a:t>not</a:t>
+            </a:r>
+            <a:r>
+              <a:rPr lang="pt-PT" sz="1400" dirty="0"/>
+              <a:t> </a:t>
+            </a:r>
+            <a:r>
+              <a:rPr lang="pt-PT" sz="1400" dirty="0" err="1"/>
+              <a:t>have</a:t>
+            </a:r>
+            <a:r>
+              <a:rPr lang="pt-PT" sz="1400" dirty="0"/>
+              <a:t> a body)</a:t>
+            </a:r>
+          </a:p>
+          <a:p>
+            <a:r>
+              <a:rPr lang="pt-PT" sz="1400" dirty="0"/>
+              <a:t>}</a:t>
+            </a:r>
+          </a:p>
+          <a:p>
+            <a:endParaRPr lang="pt-PT" sz="1400" dirty="0"/>
+          </a:p>
+          <a:p>
+            <a:r>
+              <a:rPr lang="pt-PT" sz="1400" dirty="0"/>
+              <a:t>// </a:t>
+            </a:r>
+            <a:r>
+              <a:rPr lang="pt-PT" sz="1400" dirty="0" err="1"/>
+              <a:t>Pig</a:t>
+            </a:r>
+            <a:r>
+              <a:rPr lang="pt-PT" sz="1400" dirty="0"/>
+              <a:t> "</a:t>
+            </a:r>
+            <a:r>
+              <a:rPr lang="pt-PT" sz="1400" dirty="0" err="1"/>
+              <a:t>implements</a:t>
+            </a:r>
+            <a:r>
+              <a:rPr lang="pt-PT" sz="1400" dirty="0"/>
+              <a:t>" </a:t>
+            </a:r>
+            <a:r>
+              <a:rPr lang="pt-PT" sz="1400" dirty="0" err="1"/>
+              <a:t>the</a:t>
+            </a:r>
+            <a:r>
+              <a:rPr lang="pt-PT" sz="1400" dirty="0"/>
+              <a:t> Animal interface</a:t>
+            </a:r>
+          </a:p>
+          <a:p>
+            <a:r>
+              <a:rPr lang="pt-PT" sz="1400" dirty="0" err="1"/>
+              <a:t>class</a:t>
+            </a:r>
+            <a:r>
+              <a:rPr lang="pt-PT" sz="1400" dirty="0"/>
+              <a:t> </a:t>
+            </a:r>
+            <a:r>
+              <a:rPr lang="pt-PT" sz="1400" dirty="0" err="1"/>
+              <a:t>Pig</a:t>
+            </a:r>
+            <a:r>
+              <a:rPr lang="pt-PT" sz="1400" dirty="0"/>
+              <a:t> </a:t>
+            </a:r>
+            <a:r>
+              <a:rPr lang="pt-PT" sz="1400" dirty="0" err="1"/>
+              <a:t>implements</a:t>
+            </a:r>
+            <a:r>
+              <a:rPr lang="pt-PT" sz="1400" dirty="0"/>
+              <a:t> Animal {</a:t>
+            </a:r>
+          </a:p>
+          <a:p>
+            <a:r>
+              <a:rPr lang="pt-PT" sz="1400" dirty="0"/>
+              <a:t>  </a:t>
+            </a:r>
+            <a:r>
+              <a:rPr lang="pt-PT" sz="1400" dirty="0" err="1"/>
+              <a:t>public</a:t>
+            </a:r>
+            <a:r>
+              <a:rPr lang="pt-PT" sz="1400" dirty="0"/>
+              <a:t> </a:t>
+            </a:r>
+            <a:r>
+              <a:rPr lang="pt-PT" sz="1400" dirty="0" err="1"/>
+              <a:t>void</a:t>
+            </a:r>
+            <a:r>
+              <a:rPr lang="pt-PT" sz="1400" dirty="0"/>
+              <a:t> </a:t>
+            </a:r>
+            <a:r>
+              <a:rPr lang="pt-PT" sz="1400" dirty="0" err="1"/>
+              <a:t>animalSound</a:t>
+            </a:r>
+            <a:r>
+              <a:rPr lang="pt-PT" sz="1400" dirty="0"/>
+              <a:t>() {</a:t>
+            </a:r>
+          </a:p>
+          <a:p>
+            <a:r>
+              <a:rPr lang="pt-PT" sz="1400" dirty="0"/>
+              <a:t>    // </a:t>
+            </a:r>
+            <a:r>
+              <a:rPr lang="pt-PT" sz="1400" dirty="0" err="1"/>
+              <a:t>The</a:t>
+            </a:r>
+            <a:r>
+              <a:rPr lang="pt-PT" sz="1400" dirty="0"/>
+              <a:t> body </a:t>
+            </a:r>
+            <a:r>
+              <a:rPr lang="pt-PT" sz="1400" dirty="0" err="1"/>
+              <a:t>of</a:t>
+            </a:r>
+            <a:r>
+              <a:rPr lang="pt-PT" sz="1400" dirty="0"/>
+              <a:t> </a:t>
+            </a:r>
+            <a:r>
+              <a:rPr lang="pt-PT" sz="1400" dirty="0" err="1"/>
+              <a:t>animalSound</a:t>
+            </a:r>
+            <a:r>
+              <a:rPr lang="pt-PT" sz="1400" dirty="0"/>
+              <a:t>() </a:t>
+            </a:r>
+            <a:r>
+              <a:rPr lang="pt-PT" sz="1400" dirty="0" err="1"/>
+              <a:t>is</a:t>
+            </a:r>
+            <a:r>
+              <a:rPr lang="pt-PT" sz="1400" dirty="0"/>
+              <a:t> </a:t>
+            </a:r>
+            <a:r>
+              <a:rPr lang="pt-PT" sz="1400" dirty="0" err="1"/>
+              <a:t>provided</a:t>
+            </a:r>
+            <a:r>
+              <a:rPr lang="pt-PT" sz="1400" dirty="0"/>
+              <a:t> </a:t>
+            </a:r>
+            <a:r>
+              <a:rPr lang="pt-PT" sz="1400" dirty="0" err="1"/>
+              <a:t>here</a:t>
+            </a:r>
+            <a:endParaRPr lang="pt-PT" sz="1400" dirty="0"/>
+          </a:p>
+          <a:p>
+            <a:r>
+              <a:rPr lang="pt-PT" sz="1400" dirty="0"/>
+              <a:t>    </a:t>
+            </a:r>
+            <a:r>
+              <a:rPr lang="pt-PT" sz="1400" dirty="0" err="1"/>
+              <a:t>System.out.println</a:t>
+            </a:r>
+            <a:r>
+              <a:rPr lang="pt-PT" sz="1400" dirty="0"/>
+              <a:t>("</a:t>
+            </a:r>
+            <a:r>
+              <a:rPr lang="pt-PT" sz="1400" dirty="0" err="1"/>
+              <a:t>The</a:t>
+            </a:r>
+            <a:r>
+              <a:rPr lang="pt-PT" sz="1400" dirty="0"/>
+              <a:t> </a:t>
+            </a:r>
+            <a:r>
+              <a:rPr lang="pt-PT" sz="1400" dirty="0" err="1"/>
+              <a:t>pig</a:t>
+            </a:r>
+            <a:r>
+              <a:rPr lang="pt-PT" sz="1400" dirty="0"/>
+              <a:t> </a:t>
+            </a:r>
+            <a:r>
+              <a:rPr lang="pt-PT" sz="1400" dirty="0" err="1"/>
+              <a:t>says</a:t>
+            </a:r>
+            <a:r>
+              <a:rPr lang="pt-PT" sz="1400" dirty="0"/>
+              <a:t>: </a:t>
+            </a:r>
+            <a:r>
+              <a:rPr lang="pt-PT" sz="1400" dirty="0" err="1"/>
+              <a:t>wee</a:t>
+            </a:r>
+            <a:r>
+              <a:rPr lang="pt-PT" sz="1400" dirty="0"/>
+              <a:t> </a:t>
+            </a:r>
+            <a:r>
+              <a:rPr lang="pt-PT" sz="1400" dirty="0" err="1"/>
+              <a:t>wee</a:t>
+            </a:r>
+            <a:r>
+              <a:rPr lang="pt-PT" sz="1400" dirty="0"/>
+              <a:t>");</a:t>
+            </a:r>
+          </a:p>
+          <a:p>
+            <a:r>
+              <a:rPr lang="pt-PT" sz="1400" dirty="0"/>
+              <a:t>  }</a:t>
+            </a:r>
+          </a:p>
+          <a:p>
+            <a:r>
+              <a:rPr lang="pt-PT" sz="1400" dirty="0"/>
+              <a:t>  </a:t>
+            </a:r>
+            <a:r>
+              <a:rPr lang="pt-PT" sz="1400" dirty="0" err="1"/>
+              <a:t>public</a:t>
+            </a:r>
+            <a:r>
+              <a:rPr lang="pt-PT" sz="1400" dirty="0"/>
+              <a:t> </a:t>
+            </a:r>
+            <a:r>
+              <a:rPr lang="pt-PT" sz="1400" dirty="0" err="1"/>
+              <a:t>void</a:t>
+            </a:r>
+            <a:r>
+              <a:rPr lang="pt-PT" sz="1400" dirty="0"/>
+              <a:t> </a:t>
+            </a:r>
+            <a:r>
+              <a:rPr lang="pt-PT" sz="1400" dirty="0" err="1"/>
+              <a:t>sleep</a:t>
+            </a:r>
+            <a:r>
+              <a:rPr lang="pt-PT" sz="1400" dirty="0"/>
+              <a:t>() {</a:t>
+            </a:r>
+          </a:p>
+          <a:p>
+            <a:r>
+              <a:rPr lang="pt-PT" sz="1400" dirty="0"/>
+              <a:t>    // </a:t>
+            </a:r>
+            <a:r>
+              <a:rPr lang="pt-PT" sz="1400" dirty="0" err="1"/>
+              <a:t>The</a:t>
+            </a:r>
+            <a:r>
+              <a:rPr lang="pt-PT" sz="1400" dirty="0"/>
+              <a:t> body </a:t>
+            </a:r>
+            <a:r>
+              <a:rPr lang="pt-PT" sz="1400" dirty="0" err="1"/>
+              <a:t>of</a:t>
+            </a:r>
+            <a:r>
+              <a:rPr lang="pt-PT" sz="1400" dirty="0"/>
+              <a:t> </a:t>
+            </a:r>
+            <a:r>
+              <a:rPr lang="pt-PT" sz="1400" dirty="0" err="1"/>
+              <a:t>sleep</a:t>
+            </a:r>
+            <a:r>
+              <a:rPr lang="pt-PT" sz="1400" dirty="0"/>
+              <a:t>() </a:t>
+            </a:r>
+            <a:r>
+              <a:rPr lang="pt-PT" sz="1400" dirty="0" err="1"/>
+              <a:t>is</a:t>
+            </a:r>
+            <a:r>
+              <a:rPr lang="pt-PT" sz="1400" dirty="0"/>
+              <a:t> </a:t>
+            </a:r>
+            <a:r>
+              <a:rPr lang="pt-PT" sz="1400" dirty="0" err="1"/>
+              <a:t>provided</a:t>
+            </a:r>
+            <a:r>
+              <a:rPr lang="pt-PT" sz="1400" dirty="0"/>
+              <a:t> </a:t>
+            </a:r>
+            <a:r>
+              <a:rPr lang="pt-PT" sz="1400" dirty="0" err="1"/>
+              <a:t>here</a:t>
+            </a:r>
+            <a:endParaRPr lang="pt-PT" sz="1400" dirty="0"/>
+          </a:p>
+          <a:p>
+            <a:r>
+              <a:rPr lang="pt-PT" sz="1400" dirty="0"/>
+              <a:t>    </a:t>
+            </a:r>
+            <a:r>
+              <a:rPr lang="pt-PT" sz="1400" dirty="0" err="1"/>
+              <a:t>System.out.println</a:t>
+            </a:r>
+            <a:r>
+              <a:rPr lang="pt-PT" sz="1400" dirty="0"/>
+              <a:t>("</a:t>
+            </a:r>
+            <a:r>
+              <a:rPr lang="pt-PT" sz="1400" dirty="0" err="1"/>
+              <a:t>Zzz</a:t>
+            </a:r>
+            <a:r>
+              <a:rPr lang="pt-PT" sz="1400" dirty="0"/>
+              <a:t>");</a:t>
+            </a:r>
+          </a:p>
+          <a:p>
+            <a:r>
+              <a:rPr lang="pt-PT" sz="1400" dirty="0"/>
+              <a:t>  }</a:t>
+            </a:r>
+          </a:p>
+          <a:p>
+            <a:r>
+              <a:rPr lang="pt-PT" sz="1400" dirty="0"/>
+              <a:t>}</a:t>
+            </a:r>
+          </a:p>
+          <a:p>
+            <a:endParaRPr lang="pt-PT" sz="1400" dirty="0"/>
+          </a:p>
+          <a:p>
+            <a:r>
+              <a:rPr lang="pt-PT" sz="1400" dirty="0" err="1"/>
+              <a:t>class</a:t>
+            </a:r>
+            <a:r>
+              <a:rPr lang="pt-PT" sz="1400" dirty="0"/>
+              <a:t> </a:t>
+            </a:r>
+            <a:r>
+              <a:rPr lang="pt-PT" sz="1400" dirty="0" err="1"/>
+              <a:t>Main</a:t>
+            </a:r>
+            <a:r>
+              <a:rPr lang="pt-PT" sz="1400" dirty="0"/>
+              <a:t> {</a:t>
+            </a:r>
+          </a:p>
+          <a:p>
+            <a:r>
+              <a:rPr lang="pt-PT" sz="1400" dirty="0"/>
+              <a:t>  </a:t>
+            </a:r>
+            <a:r>
+              <a:rPr lang="pt-PT" sz="1400" dirty="0" err="1"/>
+              <a:t>public</a:t>
+            </a:r>
+            <a:r>
+              <a:rPr lang="pt-PT" sz="1400" dirty="0"/>
+              <a:t> </a:t>
+            </a:r>
+            <a:r>
+              <a:rPr lang="pt-PT" sz="1400" dirty="0" err="1"/>
+              <a:t>static</a:t>
+            </a:r>
+            <a:r>
+              <a:rPr lang="pt-PT" sz="1400" dirty="0"/>
+              <a:t> </a:t>
+            </a:r>
+            <a:r>
+              <a:rPr lang="pt-PT" sz="1400" dirty="0" err="1"/>
+              <a:t>void</a:t>
+            </a:r>
+            <a:r>
+              <a:rPr lang="pt-PT" sz="1400" dirty="0"/>
+              <a:t> </a:t>
+            </a:r>
+            <a:r>
+              <a:rPr lang="pt-PT" sz="1400" dirty="0" err="1"/>
+              <a:t>main</a:t>
+            </a:r>
+            <a:r>
+              <a:rPr lang="pt-PT" sz="1400" dirty="0"/>
+              <a:t>(</a:t>
+            </a:r>
+            <a:r>
+              <a:rPr lang="pt-PT" sz="1400" dirty="0" err="1"/>
+              <a:t>String</a:t>
+            </a:r>
+            <a:r>
+              <a:rPr lang="pt-PT" sz="1400" dirty="0"/>
+              <a:t>[] </a:t>
+            </a:r>
+            <a:r>
+              <a:rPr lang="pt-PT" sz="1400" dirty="0" err="1"/>
+              <a:t>args</a:t>
+            </a:r>
+            <a:r>
+              <a:rPr lang="pt-PT" sz="1400" dirty="0"/>
+              <a:t>) {</a:t>
+            </a:r>
+          </a:p>
+          <a:p>
+            <a:r>
+              <a:rPr lang="pt-PT" sz="1400" dirty="0"/>
+              <a:t>    </a:t>
+            </a:r>
+            <a:r>
+              <a:rPr lang="pt-PT" sz="1400" dirty="0" err="1"/>
+              <a:t>Pig</a:t>
+            </a:r>
+            <a:r>
+              <a:rPr lang="pt-PT" sz="1400" dirty="0"/>
+              <a:t> </a:t>
+            </a:r>
+            <a:r>
+              <a:rPr lang="pt-PT" sz="1400" dirty="0" err="1"/>
+              <a:t>myPig</a:t>
+            </a:r>
+            <a:r>
+              <a:rPr lang="pt-PT" sz="1400" dirty="0"/>
+              <a:t> = </a:t>
+            </a:r>
+            <a:r>
+              <a:rPr lang="pt-PT" sz="1400" dirty="0" err="1"/>
+              <a:t>new</a:t>
+            </a:r>
+            <a:r>
+              <a:rPr lang="pt-PT" sz="1400" dirty="0"/>
+              <a:t> </a:t>
+            </a:r>
+            <a:r>
+              <a:rPr lang="pt-PT" sz="1400" dirty="0" err="1"/>
+              <a:t>Pig</a:t>
+            </a:r>
+            <a:r>
+              <a:rPr lang="pt-PT" sz="1400" dirty="0"/>
+              <a:t>();  // </a:t>
+            </a:r>
+            <a:r>
+              <a:rPr lang="pt-PT" sz="1400" dirty="0" err="1"/>
+              <a:t>Create</a:t>
+            </a:r>
+            <a:r>
+              <a:rPr lang="pt-PT" sz="1400" dirty="0"/>
+              <a:t> a </a:t>
+            </a:r>
+            <a:r>
+              <a:rPr lang="pt-PT" sz="1400" dirty="0" err="1"/>
+              <a:t>Pig</a:t>
+            </a:r>
+            <a:r>
+              <a:rPr lang="pt-PT" sz="1400" dirty="0"/>
+              <a:t> </a:t>
+            </a:r>
+            <a:r>
+              <a:rPr lang="pt-PT" sz="1400" dirty="0" err="1"/>
+              <a:t>object</a:t>
+            </a:r>
+            <a:endParaRPr lang="pt-PT" sz="1400" dirty="0"/>
+          </a:p>
+          <a:p>
+            <a:r>
+              <a:rPr lang="pt-PT" sz="1400" dirty="0"/>
+              <a:t>    </a:t>
+            </a:r>
+            <a:r>
+              <a:rPr lang="pt-PT" sz="1400" dirty="0" err="1"/>
+              <a:t>myPig.animalSound</a:t>
+            </a:r>
+            <a:r>
+              <a:rPr lang="pt-PT" sz="1400" dirty="0"/>
+              <a:t>();</a:t>
+            </a:r>
+          </a:p>
+          <a:p>
+            <a:r>
+              <a:rPr lang="pt-PT" sz="1400" dirty="0"/>
+              <a:t>    </a:t>
+            </a:r>
+            <a:r>
+              <a:rPr lang="pt-PT" sz="1400" dirty="0" err="1"/>
+              <a:t>myPig.sleep</a:t>
+            </a:r>
+            <a:r>
+              <a:rPr lang="pt-PT" sz="1400" dirty="0"/>
+              <a:t>();</a:t>
+            </a:r>
+          </a:p>
+          <a:p>
+            <a:r>
+              <a:rPr lang="pt-PT" sz="1400" dirty="0"/>
+              <a:t>  }</a:t>
+            </a:r>
+          </a:p>
+          <a:p>
+            <a:r>
+              <a:rPr lang="pt-PT" sz="1400" dirty="0"/>
+              <a:t>}</a:t>
             </a:r>
           </a:p>
         </p:txBody>
@@ -8497,7 +8987,7 @@
     </p:spTree>
     <p:extLst>
       <p:ext uri="{BB962C8B-B14F-4D97-AF65-F5344CB8AC3E}">
-        <p14:creationId xmlns:p14="http://schemas.microsoft.com/office/powerpoint/2010/main" val="2260186217"/>
+        <p14:creationId xmlns:p14="http://schemas.microsoft.com/office/powerpoint/2010/main" val="3690248988"/>
       </p:ext>
     </p:extLst>
   </p:cSld>
@@ -8587,8 +9077,21 @@
                 <a:ea typeface="+mn-ea"/>
                 <a:cs typeface="+mn-cs"/>
               </a:rPr>
-              <a:t>Abstração – interfaces</a:t>
-            </a:r>
+              <a:t>Abstração - </a:t>
+            </a:r>
+            <a:r>
+              <a:rPr lang="pt-PT" sz="2400" dirty="0" err="1">
+                <a:latin typeface="Abadi Extra Light" panose="020B0204020104020204" pitchFamily="34" charset="0"/>
+                <a:ea typeface="+mn-ea"/>
+                <a:cs typeface="+mn-cs"/>
+              </a:rPr>
+              <a:t>keyword</a:t>
+            </a:r>
+            <a:endParaRPr lang="pt-PT" sz="2400" dirty="0">
+              <a:latin typeface="Abadi Extra Light" panose="020B0204020104020204" pitchFamily="34" charset="0"/>
+              <a:ea typeface="+mn-ea"/>
+              <a:cs typeface="+mn-cs"/>
+            </a:endParaRPr>
           </a:p>
         </p:txBody>
       </p:sp>
@@ -8610,8 +9113,8 @@
         </p:nvSpPr>
         <p:spPr>
           <a:xfrm>
-            <a:off x="833302" y="1879779"/>
-            <a:ext cx="3855720" cy="3544756"/>
+            <a:off x="723900" y="1823357"/>
+            <a:ext cx="3855720" cy="3657600"/>
           </a:xfrm>
         </p:spPr>
         <p:txBody>
@@ -8625,15 +9128,33 @@
               <a:buChar char="•"/>
             </a:pPr>
             <a:r>
-              <a:rPr lang="pt-PT" i="0" dirty="0">
+              <a:rPr lang="pt-PT" dirty="0">
                 <a:solidFill>
                   <a:srgbClr val="333333"/>
                 </a:solidFill>
                 <a:latin typeface="inter-regular"/>
               </a:rPr>
-              <a:t>Classe abstrata usada para agrupar métodos similares.</a:t>
-            </a:r>
-            <a:endParaRPr lang="en-US" i="0" dirty="0">
+              <a:t>Esconder certos detalhes </a:t>
+            </a:r>
+            <a:r>
+              <a:rPr lang="en-US" dirty="0">
+                <a:solidFill>
+                  <a:srgbClr val="333333"/>
+                </a:solidFill>
+                <a:latin typeface="inter-regular"/>
+              </a:rPr>
+              <a:t>(</a:t>
+            </a:r>
+            <a:r>
+              <a:rPr lang="pt-PT" dirty="0">
+                <a:solidFill>
+                  <a:srgbClr val="333333"/>
+                </a:solidFill>
+                <a:latin typeface="inter-regular"/>
+              </a:rPr>
+              <a:t>implementação de método) e deixar acessível apenas informação essencial.</a:t>
+            </a:r>
+            <a:endParaRPr lang="en-US" dirty="0">
               <a:solidFill>
                 <a:srgbClr val="333333"/>
               </a:solidFill>
@@ -8646,56 +9167,90 @@
               <a:buChar char="•"/>
             </a:pPr>
             <a:r>
-              <a:rPr lang="pt-PT" i="0" dirty="0">
+              <a:rPr lang="pt-PT" b="0" i="0" dirty="0">
                 <a:solidFill>
                   <a:srgbClr val="333333"/>
                 </a:solidFill>
-                <a:latin typeface="inter-regular"/>
-              </a:rPr>
-              <a:t>Para fazer uso da interface, esta deve ser implementada por outra classe</a:t>
-            </a:r>
-            <a:r>
-              <a:rPr lang="pt-PT" dirty="0">
-                <a:solidFill>
-                  <a:srgbClr val="333333"/>
-                </a:solidFill>
-                <a:latin typeface="inter-regular"/>
-              </a:rPr>
-              <a:t>, com a anotação </a:t>
-            </a:r>
-            <a:r>
-              <a:rPr lang="pt-PT" i="1" dirty="0" err="1">
-                <a:solidFill>
-                  <a:srgbClr val="333333"/>
-                </a:solidFill>
-                <a:latin typeface="inter-regular"/>
-              </a:rPr>
-              <a:t>implements</a:t>
-            </a:r>
-            <a:r>
-              <a:rPr lang="en-US" i="0" dirty="0">
-                <a:solidFill>
-                  <a:srgbClr val="333333"/>
-                </a:solidFill>
-                <a:latin typeface="inter-regular"/>
-              </a:rPr>
-              <a:t>. </a:t>
-            </a:r>
-          </a:p>
-          <a:p>
-            <a:pPr marL="285750" indent="-285750">
+                <a:effectLst/>
+                <a:latin typeface="inter-regular"/>
+              </a:rPr>
+              <a:t>Realizado através da herança e classes/métodos abstratos.</a:t>
+            </a:r>
+          </a:p>
+          <a:p>
+            <a:pPr marL="742950" lvl="1" indent="-285750">
               <a:buFont typeface="Arial" panose="020B0604020202020204" pitchFamily="34" charset="0"/>
               <a:buChar char="•"/>
             </a:pPr>
             <a:r>
-              <a:rPr lang="pt-PT" sz="1500" dirty="0">
+              <a:rPr lang="pt-PT" i="0" dirty="0">
                 <a:solidFill>
                   <a:srgbClr val="333333"/>
                 </a:solidFill>
                 <a:latin typeface="inter-regular"/>
               </a:rPr>
-              <a:t>Vantagem das interfaces: o Java não suporta herança múltipla: uma classe só pode herdar atributos de uma superclasse. Contudo uma classe consegue implementar múltiplas interfaces.</a:t>
-            </a:r>
+              <a:t>Classe abstrata</a:t>
+            </a:r>
+            <a:r>
+              <a:rPr lang="pt-PT" b="0" i="0" dirty="0">
+                <a:solidFill>
+                  <a:srgbClr val="333333"/>
+                </a:solidFill>
+                <a:effectLst/>
+                <a:latin typeface="inter-regular"/>
+              </a:rPr>
+              <a:t>: classe restrita, não podem ser criados objetos desse tipo( apenas aceder com métodos que herdaram).</a:t>
+            </a:r>
+          </a:p>
+          <a:p>
+            <a:pPr marL="742950" lvl="1" indent="-285750">
+              <a:buFont typeface="Arial" panose="020B0604020202020204" pitchFamily="34" charset="0"/>
+              <a:buChar char="•"/>
+            </a:pPr>
+            <a:r>
+              <a:rPr lang="pt-PT" b="0" i="0" dirty="0">
+                <a:solidFill>
+                  <a:srgbClr val="333333"/>
+                </a:solidFill>
+                <a:effectLst/>
+                <a:latin typeface="inter-regular"/>
+              </a:rPr>
+              <a:t>Método abstrato: usado em classes abstratas, sem </a:t>
+            </a:r>
+            <a:r>
+              <a:rPr lang="pt-PT" i="0" dirty="0">
+                <a:solidFill>
+                  <a:srgbClr val="333333"/>
+                </a:solidFill>
+                <a:latin typeface="inter-regular"/>
+              </a:rPr>
+              <a:t>conteúdo. A implementação é realizada na </a:t>
+            </a:r>
+            <a:r>
+              <a:rPr lang="pt-PT" i="0" dirty="0" err="1">
+                <a:solidFill>
+                  <a:srgbClr val="333333"/>
+                </a:solidFill>
+                <a:latin typeface="inter-regular"/>
+              </a:rPr>
+              <a:t>sub-classe</a:t>
+            </a:r>
+            <a:r>
+              <a:rPr lang="pt-PT" i="0" dirty="0">
+                <a:solidFill>
+                  <a:srgbClr val="333333"/>
+                </a:solidFill>
+                <a:latin typeface="inter-regular"/>
+              </a:rPr>
+              <a:t>.</a:t>
+            </a:r>
+            <a:endParaRPr lang="pt-PT" b="0" i="0" dirty="0">
+              <a:solidFill>
+                <a:srgbClr val="333333"/>
+              </a:solidFill>
+              <a:effectLst/>
+              <a:latin typeface="inter-regular"/>
+            </a:endParaRPr>
           </a:p>
         </p:txBody>
       </p:sp>
@@ -8736,10 +9291,10 @@
       </p:sp>
       <p:sp>
         <p:nvSpPr>
-          <p:cNvPr id="8" name="CaixaDeTexto 7">
+          <p:cNvPr id="3" name="CaixaDeTexto 2">
             <a:extLst>
               <a:ext uri="{FF2B5EF4-FFF2-40B4-BE49-F238E27FC236}">
-                <a16:creationId xmlns:a16="http://schemas.microsoft.com/office/drawing/2014/main" id="{E1098C6C-7A9B-920A-4248-32074918BA25}"/>
+                <a16:creationId xmlns:a16="http://schemas.microsoft.com/office/drawing/2014/main" id="{A38C90C1-E835-EC6B-32A4-2701928F25B9}"/>
               </a:ext>
             </a:extLst>
           </p:cNvPr>
@@ -8748,8 +9303,8 @@
         </p:nvSpPr>
         <p:spPr>
           <a:xfrm>
-            <a:off x="6096000" y="685800"/>
-            <a:ext cx="6096000" cy="5478423"/>
+            <a:off x="6897688" y="1723129"/>
+            <a:ext cx="4423953" cy="2962093"/>
           </a:xfrm>
           <a:prstGeom prst="rect">
             <a:avLst/>
@@ -8763,617 +9318,68 @@
           <a:lstStyle/>
           <a:p>
             <a:r>
-              <a:rPr lang="pt-PT" sz="1400" dirty="0"/>
-              <a:t>// Interface</a:t>
-            </a:r>
-          </a:p>
-          <a:p>
-            <a:r>
-              <a:rPr lang="pt-PT" sz="1400" dirty="0"/>
-              <a:t>interface Animal {</a:t>
-            </a:r>
-          </a:p>
-          <a:p>
-            <a:r>
-              <a:rPr lang="pt-PT" sz="1400" dirty="0"/>
-              <a:t>  </a:t>
-            </a:r>
-            <a:r>
-              <a:rPr lang="pt-PT" sz="1400" dirty="0" err="1"/>
-              <a:t>public</a:t>
-            </a:r>
-            <a:r>
-              <a:rPr lang="pt-PT" sz="1400" dirty="0"/>
-              <a:t> </a:t>
-            </a:r>
-            <a:r>
-              <a:rPr lang="pt-PT" sz="1400" dirty="0" err="1"/>
-              <a:t>void</a:t>
-            </a:r>
-            <a:r>
-              <a:rPr lang="pt-PT" sz="1400" dirty="0"/>
-              <a:t> </a:t>
-            </a:r>
-            <a:r>
-              <a:rPr lang="pt-PT" sz="1400" dirty="0" err="1"/>
-              <a:t>animalSound</a:t>
-            </a:r>
-            <a:r>
-              <a:rPr lang="pt-PT" sz="1400" dirty="0"/>
-              <a:t>(); // interface </a:t>
-            </a:r>
-            <a:r>
-              <a:rPr lang="pt-PT" sz="1400" dirty="0" err="1"/>
-              <a:t>method</a:t>
-            </a:r>
-            <a:r>
-              <a:rPr lang="pt-PT" sz="1400" dirty="0"/>
-              <a:t> (does </a:t>
-            </a:r>
-            <a:r>
-              <a:rPr lang="pt-PT" sz="1400" dirty="0" err="1"/>
-              <a:t>not</a:t>
-            </a:r>
-            <a:r>
-              <a:rPr lang="pt-PT" sz="1400" dirty="0"/>
-              <a:t> </a:t>
-            </a:r>
-            <a:r>
-              <a:rPr lang="pt-PT" sz="1400" dirty="0" err="1"/>
-              <a:t>have</a:t>
-            </a:r>
-            <a:r>
-              <a:rPr lang="pt-PT" sz="1400" dirty="0"/>
-              <a:t> a body)</a:t>
-            </a:r>
-          </a:p>
-          <a:p>
-            <a:r>
-              <a:rPr lang="pt-PT" sz="1400" dirty="0"/>
-              <a:t>  </a:t>
-            </a:r>
-            <a:r>
-              <a:rPr lang="pt-PT" sz="1400" dirty="0" err="1"/>
-              <a:t>public</a:t>
-            </a:r>
-            <a:r>
-              <a:rPr lang="pt-PT" sz="1400" dirty="0"/>
-              <a:t> </a:t>
-            </a:r>
-            <a:r>
-              <a:rPr lang="pt-PT" sz="1400" dirty="0" err="1"/>
-              <a:t>void</a:t>
-            </a:r>
-            <a:r>
-              <a:rPr lang="pt-PT" sz="1400" dirty="0"/>
-              <a:t> </a:t>
-            </a:r>
-            <a:r>
-              <a:rPr lang="pt-PT" sz="1400" dirty="0" err="1"/>
-              <a:t>sleep</a:t>
-            </a:r>
-            <a:r>
-              <a:rPr lang="pt-PT" sz="1400" dirty="0"/>
-              <a:t>(); // interface </a:t>
-            </a:r>
-            <a:r>
-              <a:rPr lang="pt-PT" sz="1400" dirty="0" err="1"/>
-              <a:t>method</a:t>
-            </a:r>
-            <a:r>
-              <a:rPr lang="pt-PT" sz="1400" dirty="0"/>
-              <a:t> (does </a:t>
-            </a:r>
-            <a:r>
-              <a:rPr lang="pt-PT" sz="1400" dirty="0" err="1"/>
-              <a:t>not</a:t>
-            </a:r>
-            <a:r>
-              <a:rPr lang="pt-PT" sz="1400" dirty="0"/>
-              <a:t> </a:t>
-            </a:r>
-            <a:r>
-              <a:rPr lang="pt-PT" sz="1400" dirty="0" err="1"/>
-              <a:t>have</a:t>
-            </a:r>
-            <a:r>
-              <a:rPr lang="pt-PT" sz="1400" dirty="0"/>
-              <a:t> a body)</a:t>
-            </a:r>
-          </a:p>
-          <a:p>
-            <a:r>
-              <a:rPr lang="pt-PT" sz="1400" dirty="0"/>
-              <a:t>}</a:t>
-            </a:r>
-          </a:p>
-          <a:p>
-            <a:endParaRPr lang="pt-PT" sz="1400" dirty="0"/>
-          </a:p>
-          <a:p>
-            <a:r>
-              <a:rPr lang="pt-PT" sz="1400" dirty="0"/>
-              <a:t>// </a:t>
-            </a:r>
-            <a:r>
-              <a:rPr lang="pt-PT" sz="1400" dirty="0" err="1"/>
-              <a:t>Pig</a:t>
-            </a:r>
-            <a:r>
-              <a:rPr lang="pt-PT" sz="1400" dirty="0"/>
-              <a:t> "</a:t>
-            </a:r>
-            <a:r>
-              <a:rPr lang="pt-PT" sz="1400" dirty="0" err="1"/>
-              <a:t>implements</a:t>
-            </a:r>
-            <a:r>
-              <a:rPr lang="pt-PT" sz="1400" dirty="0"/>
-              <a:t>" </a:t>
-            </a:r>
-            <a:r>
-              <a:rPr lang="pt-PT" sz="1400" dirty="0" err="1"/>
-              <a:t>the</a:t>
-            </a:r>
-            <a:r>
-              <a:rPr lang="pt-PT" sz="1400" dirty="0"/>
-              <a:t> Animal interface</a:t>
-            </a:r>
-          </a:p>
-          <a:p>
-            <a:r>
-              <a:rPr lang="pt-PT" sz="1400" dirty="0" err="1"/>
-              <a:t>class</a:t>
-            </a:r>
-            <a:r>
-              <a:rPr lang="pt-PT" sz="1400" dirty="0"/>
-              <a:t> </a:t>
-            </a:r>
-            <a:r>
-              <a:rPr lang="pt-PT" sz="1400" dirty="0" err="1"/>
-              <a:t>Pig</a:t>
-            </a:r>
-            <a:r>
-              <a:rPr lang="pt-PT" sz="1400" dirty="0"/>
-              <a:t> </a:t>
-            </a:r>
-            <a:r>
-              <a:rPr lang="pt-PT" sz="1400" dirty="0" err="1"/>
-              <a:t>implements</a:t>
-            </a:r>
-            <a:r>
-              <a:rPr lang="pt-PT" sz="1400" dirty="0"/>
-              <a:t> Animal {</a:t>
-            </a:r>
-          </a:p>
-          <a:p>
-            <a:r>
-              <a:rPr lang="pt-PT" sz="1400" dirty="0"/>
-              <a:t>  </a:t>
-            </a:r>
-            <a:r>
-              <a:rPr lang="pt-PT" sz="1400" dirty="0" err="1"/>
-              <a:t>public</a:t>
-            </a:r>
-            <a:r>
-              <a:rPr lang="pt-PT" sz="1400" dirty="0"/>
-              <a:t> </a:t>
-            </a:r>
-            <a:r>
-              <a:rPr lang="pt-PT" sz="1400" dirty="0" err="1"/>
-              <a:t>void</a:t>
-            </a:r>
-            <a:r>
-              <a:rPr lang="pt-PT" sz="1400" dirty="0"/>
-              <a:t> </a:t>
-            </a:r>
-            <a:r>
-              <a:rPr lang="pt-PT" sz="1400" dirty="0" err="1"/>
-              <a:t>animalSound</a:t>
-            </a:r>
-            <a:r>
-              <a:rPr lang="pt-PT" sz="1400" dirty="0"/>
-              <a:t>() {</a:t>
-            </a:r>
-          </a:p>
-          <a:p>
-            <a:r>
-              <a:rPr lang="pt-PT" sz="1400" dirty="0"/>
-              <a:t>    // </a:t>
-            </a:r>
-            <a:r>
-              <a:rPr lang="pt-PT" sz="1400" dirty="0" err="1"/>
-              <a:t>The</a:t>
-            </a:r>
-            <a:r>
-              <a:rPr lang="pt-PT" sz="1400" dirty="0"/>
-              <a:t> body </a:t>
-            </a:r>
-            <a:r>
-              <a:rPr lang="pt-PT" sz="1400" dirty="0" err="1"/>
-              <a:t>of</a:t>
-            </a:r>
-            <a:r>
-              <a:rPr lang="pt-PT" sz="1400" dirty="0"/>
-              <a:t> </a:t>
-            </a:r>
-            <a:r>
-              <a:rPr lang="pt-PT" sz="1400" dirty="0" err="1"/>
-              <a:t>animalSound</a:t>
-            </a:r>
-            <a:r>
-              <a:rPr lang="pt-PT" sz="1400" dirty="0"/>
-              <a:t>() </a:t>
-            </a:r>
-            <a:r>
-              <a:rPr lang="pt-PT" sz="1400" dirty="0" err="1"/>
-              <a:t>is</a:t>
-            </a:r>
-            <a:r>
-              <a:rPr lang="pt-PT" sz="1400" dirty="0"/>
-              <a:t> </a:t>
-            </a:r>
-            <a:r>
-              <a:rPr lang="pt-PT" sz="1400" dirty="0" err="1"/>
-              <a:t>provided</a:t>
-            </a:r>
-            <a:r>
-              <a:rPr lang="pt-PT" sz="1400" dirty="0"/>
-              <a:t> </a:t>
-            </a:r>
-            <a:r>
-              <a:rPr lang="pt-PT" sz="1400" dirty="0" err="1"/>
-              <a:t>here</a:t>
-            </a:r>
-            <a:endParaRPr lang="pt-PT" sz="1400" dirty="0"/>
-          </a:p>
-          <a:p>
-            <a:r>
-              <a:rPr lang="pt-PT" sz="1400" dirty="0"/>
-              <a:t>    </a:t>
-            </a:r>
-            <a:r>
-              <a:rPr lang="pt-PT" sz="1400" dirty="0" err="1"/>
-              <a:t>System.out.println</a:t>
-            </a:r>
-            <a:r>
-              <a:rPr lang="pt-PT" sz="1400" dirty="0"/>
-              <a:t>("</a:t>
-            </a:r>
-            <a:r>
-              <a:rPr lang="pt-PT" sz="1400" dirty="0" err="1"/>
-              <a:t>The</a:t>
-            </a:r>
-            <a:r>
-              <a:rPr lang="pt-PT" sz="1400" dirty="0"/>
-              <a:t> </a:t>
-            </a:r>
-            <a:r>
-              <a:rPr lang="pt-PT" sz="1400" dirty="0" err="1"/>
-              <a:t>pig</a:t>
-            </a:r>
-            <a:r>
-              <a:rPr lang="pt-PT" sz="1400" dirty="0"/>
-              <a:t> </a:t>
-            </a:r>
-            <a:r>
-              <a:rPr lang="pt-PT" sz="1400" dirty="0" err="1"/>
-              <a:t>says</a:t>
-            </a:r>
-            <a:r>
-              <a:rPr lang="pt-PT" sz="1400" dirty="0"/>
-              <a:t>: </a:t>
-            </a:r>
-            <a:r>
-              <a:rPr lang="pt-PT" sz="1400" dirty="0" err="1"/>
-              <a:t>wee</a:t>
-            </a:r>
-            <a:r>
-              <a:rPr lang="pt-PT" sz="1400" dirty="0"/>
-              <a:t> </a:t>
-            </a:r>
-            <a:r>
-              <a:rPr lang="pt-PT" sz="1400" dirty="0" err="1"/>
-              <a:t>wee</a:t>
-            </a:r>
-            <a:r>
-              <a:rPr lang="pt-PT" sz="1400" dirty="0"/>
-              <a:t>");</a:t>
-            </a:r>
-          </a:p>
-          <a:p>
-            <a:r>
-              <a:rPr lang="pt-PT" sz="1400" dirty="0"/>
-              <a:t>  }</a:t>
-            </a:r>
-          </a:p>
-          <a:p>
-            <a:r>
-              <a:rPr lang="pt-PT" sz="1400" dirty="0"/>
-              <a:t>  </a:t>
-            </a:r>
-            <a:r>
-              <a:rPr lang="pt-PT" sz="1400" dirty="0" err="1"/>
-              <a:t>public</a:t>
-            </a:r>
-            <a:r>
-              <a:rPr lang="pt-PT" sz="1400" dirty="0"/>
-              <a:t> </a:t>
-            </a:r>
-            <a:r>
-              <a:rPr lang="pt-PT" sz="1400" dirty="0" err="1"/>
-              <a:t>void</a:t>
-            </a:r>
-            <a:r>
-              <a:rPr lang="pt-PT" sz="1400" dirty="0"/>
-              <a:t> </a:t>
-            </a:r>
-            <a:r>
-              <a:rPr lang="pt-PT" sz="1400" dirty="0" err="1"/>
-              <a:t>sleep</a:t>
-            </a:r>
-            <a:r>
-              <a:rPr lang="pt-PT" sz="1400" dirty="0"/>
-              <a:t>() {</a:t>
-            </a:r>
-          </a:p>
-          <a:p>
-            <a:r>
-              <a:rPr lang="pt-PT" sz="1400" dirty="0"/>
-              <a:t>    // </a:t>
-            </a:r>
-            <a:r>
-              <a:rPr lang="pt-PT" sz="1400" dirty="0" err="1"/>
-              <a:t>The</a:t>
-            </a:r>
-            <a:r>
-              <a:rPr lang="pt-PT" sz="1400" dirty="0"/>
-              <a:t> body </a:t>
-            </a:r>
-            <a:r>
-              <a:rPr lang="pt-PT" sz="1400" dirty="0" err="1"/>
-              <a:t>of</a:t>
-            </a:r>
-            <a:r>
-              <a:rPr lang="pt-PT" sz="1400" dirty="0"/>
-              <a:t> </a:t>
-            </a:r>
-            <a:r>
-              <a:rPr lang="pt-PT" sz="1400" dirty="0" err="1"/>
-              <a:t>sleep</a:t>
-            </a:r>
-            <a:r>
-              <a:rPr lang="pt-PT" sz="1400" dirty="0"/>
-              <a:t>() </a:t>
-            </a:r>
-            <a:r>
-              <a:rPr lang="pt-PT" sz="1400" dirty="0" err="1"/>
-              <a:t>is</a:t>
-            </a:r>
-            <a:r>
-              <a:rPr lang="pt-PT" sz="1400" dirty="0"/>
-              <a:t> </a:t>
-            </a:r>
-            <a:r>
-              <a:rPr lang="pt-PT" sz="1400" dirty="0" err="1"/>
-              <a:t>provided</a:t>
-            </a:r>
-            <a:r>
-              <a:rPr lang="pt-PT" sz="1400" dirty="0"/>
-              <a:t> </a:t>
-            </a:r>
-            <a:r>
-              <a:rPr lang="pt-PT" sz="1400" dirty="0" err="1"/>
-              <a:t>here</a:t>
-            </a:r>
-            <a:endParaRPr lang="pt-PT" sz="1400" dirty="0"/>
-          </a:p>
-          <a:p>
-            <a:r>
-              <a:rPr lang="pt-PT" sz="1400" dirty="0"/>
-              <a:t>    </a:t>
-            </a:r>
-            <a:r>
-              <a:rPr lang="pt-PT" sz="1400" dirty="0" err="1"/>
-              <a:t>System.out.println</a:t>
-            </a:r>
-            <a:r>
-              <a:rPr lang="pt-PT" sz="1400" dirty="0"/>
-              <a:t>("</a:t>
-            </a:r>
-            <a:r>
-              <a:rPr lang="pt-PT" sz="1400" dirty="0" err="1"/>
-              <a:t>Zzz</a:t>
-            </a:r>
-            <a:r>
-              <a:rPr lang="pt-PT" sz="1400" dirty="0"/>
-              <a:t>");</a:t>
-            </a:r>
-          </a:p>
-          <a:p>
-            <a:r>
-              <a:rPr lang="pt-PT" sz="1400" dirty="0"/>
-              <a:t>  }</a:t>
-            </a:r>
-          </a:p>
-          <a:p>
-            <a:r>
-              <a:rPr lang="pt-PT" sz="1400" dirty="0"/>
-              <a:t>}</a:t>
-            </a:r>
-          </a:p>
-          <a:p>
-            <a:endParaRPr lang="pt-PT" sz="1400" dirty="0"/>
-          </a:p>
-          <a:p>
-            <a:r>
-              <a:rPr lang="pt-PT" sz="1400" dirty="0" err="1"/>
-              <a:t>class</a:t>
-            </a:r>
-            <a:r>
-              <a:rPr lang="pt-PT" sz="1400" dirty="0"/>
-              <a:t> </a:t>
-            </a:r>
-            <a:r>
-              <a:rPr lang="pt-PT" sz="1400" dirty="0" err="1"/>
-              <a:t>Main</a:t>
-            </a:r>
-            <a:r>
-              <a:rPr lang="pt-PT" sz="1400" dirty="0"/>
-              <a:t> {</a:t>
-            </a:r>
-          </a:p>
-          <a:p>
-            <a:r>
-              <a:rPr lang="pt-PT" sz="1400" dirty="0"/>
-              <a:t>  </a:t>
-            </a:r>
-            <a:r>
-              <a:rPr lang="pt-PT" sz="1400" dirty="0" err="1"/>
-              <a:t>public</a:t>
-            </a:r>
-            <a:r>
-              <a:rPr lang="pt-PT" sz="1400" dirty="0"/>
-              <a:t> </a:t>
-            </a:r>
-            <a:r>
-              <a:rPr lang="pt-PT" sz="1400" dirty="0" err="1"/>
-              <a:t>static</a:t>
-            </a:r>
-            <a:r>
-              <a:rPr lang="pt-PT" sz="1400" dirty="0"/>
-              <a:t> </a:t>
-            </a:r>
-            <a:r>
-              <a:rPr lang="pt-PT" sz="1400" dirty="0" err="1"/>
-              <a:t>void</a:t>
-            </a:r>
-            <a:r>
-              <a:rPr lang="pt-PT" sz="1400" dirty="0"/>
-              <a:t> </a:t>
-            </a:r>
-            <a:r>
-              <a:rPr lang="pt-PT" sz="1400" dirty="0" err="1"/>
-              <a:t>main</a:t>
-            </a:r>
-            <a:r>
-              <a:rPr lang="pt-PT" sz="1400" dirty="0"/>
-              <a:t>(</a:t>
-            </a:r>
-            <a:r>
-              <a:rPr lang="pt-PT" sz="1400" dirty="0" err="1"/>
-              <a:t>String</a:t>
-            </a:r>
-            <a:r>
-              <a:rPr lang="pt-PT" sz="1400" dirty="0"/>
-              <a:t>[] </a:t>
-            </a:r>
-            <a:r>
-              <a:rPr lang="pt-PT" sz="1400" dirty="0" err="1"/>
-              <a:t>args</a:t>
-            </a:r>
-            <a:r>
-              <a:rPr lang="pt-PT" sz="1400" dirty="0"/>
-              <a:t>) {</a:t>
-            </a:r>
-          </a:p>
-          <a:p>
-            <a:r>
-              <a:rPr lang="pt-PT" sz="1400" dirty="0"/>
-              <a:t>    </a:t>
-            </a:r>
-            <a:r>
-              <a:rPr lang="pt-PT" sz="1400" dirty="0" err="1"/>
-              <a:t>Pig</a:t>
-            </a:r>
-            <a:r>
-              <a:rPr lang="pt-PT" sz="1400" dirty="0"/>
-              <a:t> </a:t>
-            </a:r>
-            <a:r>
-              <a:rPr lang="pt-PT" sz="1400" dirty="0" err="1"/>
-              <a:t>myPig</a:t>
-            </a:r>
-            <a:r>
-              <a:rPr lang="pt-PT" sz="1400" dirty="0"/>
-              <a:t> = </a:t>
-            </a:r>
-            <a:r>
-              <a:rPr lang="pt-PT" sz="1400" dirty="0" err="1"/>
-              <a:t>new</a:t>
-            </a:r>
-            <a:r>
-              <a:rPr lang="pt-PT" sz="1400" dirty="0"/>
-              <a:t> </a:t>
-            </a:r>
-            <a:r>
-              <a:rPr lang="pt-PT" sz="1400" dirty="0" err="1"/>
-              <a:t>Pig</a:t>
-            </a:r>
-            <a:r>
-              <a:rPr lang="pt-PT" sz="1400" dirty="0"/>
-              <a:t>();  // </a:t>
-            </a:r>
-            <a:r>
-              <a:rPr lang="pt-PT" sz="1400" dirty="0" err="1"/>
-              <a:t>Create</a:t>
-            </a:r>
-            <a:r>
-              <a:rPr lang="pt-PT" sz="1400" dirty="0"/>
-              <a:t> a </a:t>
-            </a:r>
-            <a:r>
-              <a:rPr lang="pt-PT" sz="1400" dirty="0" err="1"/>
-              <a:t>Pig</a:t>
-            </a:r>
-            <a:r>
-              <a:rPr lang="pt-PT" sz="1400" dirty="0"/>
-              <a:t> </a:t>
-            </a:r>
-            <a:r>
-              <a:rPr lang="pt-PT" sz="1400" dirty="0" err="1"/>
-              <a:t>object</a:t>
-            </a:r>
-            <a:endParaRPr lang="pt-PT" sz="1400" dirty="0"/>
-          </a:p>
-          <a:p>
-            <a:r>
-              <a:rPr lang="pt-PT" sz="1400" dirty="0"/>
-              <a:t>    </a:t>
-            </a:r>
-            <a:r>
-              <a:rPr lang="pt-PT" sz="1400" dirty="0" err="1"/>
-              <a:t>myPig.animalSound</a:t>
-            </a:r>
-            <a:r>
-              <a:rPr lang="pt-PT" sz="1400" dirty="0"/>
-              <a:t>();</a:t>
-            </a:r>
-          </a:p>
-          <a:p>
-            <a:r>
-              <a:rPr lang="pt-PT" sz="1400" dirty="0"/>
-              <a:t>    </a:t>
-            </a:r>
-            <a:r>
-              <a:rPr lang="pt-PT" sz="1400" dirty="0" err="1"/>
-              <a:t>myPig.sleep</a:t>
-            </a:r>
-            <a:r>
-              <a:rPr lang="pt-PT" sz="1400" dirty="0"/>
-              <a:t>();</a:t>
-            </a:r>
-          </a:p>
-          <a:p>
-            <a:r>
-              <a:rPr lang="pt-PT" sz="1400" dirty="0"/>
-              <a:t>  }</a:t>
-            </a:r>
-          </a:p>
-          <a:p>
-            <a:r>
-              <a:rPr lang="pt-PT" sz="1400" dirty="0"/>
-              <a:t>}</a:t>
+              <a:rPr lang="pt-PT" dirty="0"/>
+              <a:t>Vantagens da Abstração</a:t>
+            </a:r>
+          </a:p>
+          <a:p>
+            <a:endParaRPr lang="pt-PT" dirty="0"/>
+          </a:p>
+          <a:p>
+            <a:pPr algn="just" defTabSz="914400">
+              <a:lnSpc>
+                <a:spcPct val="113000"/>
+              </a:lnSpc>
+              <a:spcAft>
+                <a:spcPts val="1500"/>
+              </a:spcAft>
+            </a:pPr>
+            <a:r>
+              <a:rPr lang="pt-PT" sz="1600" dirty="0">
+                <a:solidFill>
+                  <a:srgbClr val="333333"/>
+                </a:solidFill>
+                <a:latin typeface="Open Sans" panose="020B0606030504020204" pitchFamily="34" charset="0"/>
+              </a:rPr>
+              <a:t>Reduz a complexidade em consultar o código.</a:t>
+            </a:r>
+          </a:p>
+          <a:p>
+            <a:pPr algn="just" defTabSz="914400">
+              <a:lnSpc>
+                <a:spcPct val="113000"/>
+              </a:lnSpc>
+              <a:spcAft>
+                <a:spcPts val="1500"/>
+              </a:spcAft>
+            </a:pPr>
+            <a:r>
+              <a:rPr lang="pt-PT" sz="1600" dirty="0">
+                <a:solidFill>
+                  <a:srgbClr val="333333"/>
+                </a:solidFill>
+                <a:latin typeface="Open Sans" panose="020B0606030504020204" pitchFamily="34" charset="0"/>
+              </a:rPr>
+              <a:t>Evita a duplicação de código e aumenta a reutilização.</a:t>
+            </a:r>
+          </a:p>
+          <a:p>
+            <a:pPr algn="just" defTabSz="914400">
+              <a:lnSpc>
+                <a:spcPct val="113000"/>
+              </a:lnSpc>
+              <a:spcAft>
+                <a:spcPts val="1500"/>
+              </a:spcAft>
+            </a:pPr>
+            <a:r>
+              <a:rPr lang="pt-PT" sz="1600" dirty="0">
+                <a:solidFill>
+                  <a:srgbClr val="333333"/>
+                </a:solidFill>
+                <a:latin typeface="Open Sans" panose="020B0606030504020204" pitchFamily="34" charset="0"/>
+              </a:rPr>
+              <a:t>Ajuda a aumentar a segurança de um aplicativo ou programa, apenas os detalhes essenciais são fornecidos ao utilizador.</a:t>
             </a:r>
           </a:p>
         </p:txBody>
@@ -9381,7 +9387,7 @@
     </p:spTree>
     <p:extLst>
       <p:ext uri="{BB962C8B-B14F-4D97-AF65-F5344CB8AC3E}">
-        <p14:creationId xmlns:p14="http://schemas.microsoft.com/office/powerpoint/2010/main" val="3690248988"/>
+        <p14:creationId xmlns:p14="http://schemas.microsoft.com/office/powerpoint/2010/main" val="2260186217"/>
       </p:ext>
     </p:extLst>
   </p:cSld>
@@ -9515,7 +9521,25 @@
                 </a:solidFill>
                 <a:latin typeface="inter-regular"/>
               </a:rPr>
-              <a:t>Outra forma de tornar certa informação protegida</a:t>
+              <a:t>Outra forma de tornar </a:t>
+            </a:r>
+            <a:r>
+              <a:rPr lang="pt-PT" dirty="0">
+                <a:solidFill>
+                  <a:srgbClr val="333333"/>
+                </a:solidFill>
+                <a:latin typeface="inter-regular"/>
+              </a:rPr>
+              <a:t>uma </a:t>
+            </a:r>
+            <a:r>
+              <a:rPr lang="pt-PT" i="0" dirty="0">
+                <a:solidFill>
+                  <a:srgbClr val="333333"/>
+                </a:solidFill>
+                <a:latin typeface="inter-regular"/>
+              </a:rPr>
+              <a:t>certa informação protegida</a:t>
             </a:r>
             <a:endParaRPr lang="en-US" i="0" dirty="0">
               <a:solidFill>
@@ -9774,7 +9798,7 @@
                 </a:solidFill>
                 <a:latin typeface="inter-regular"/>
               </a:rPr>
-              <a:t>As interfaces mais comuns são a Set, </a:t>
+              <a:t>As interfaces mais comuns são a Set e </a:t>
             </a:r>
             <a:r>
               <a:rPr lang="pt-PT" dirty="0" err="1">
@@ -9797,7 +9821,7 @@
             <a:r>
               <a:rPr lang="pt-PT" b="0" i="0" u="none" strike="noStrike" dirty="0">
                 <a:solidFill>
-                  <a:srgbClr val="008000"/>
+                  <a:schemeClr val="tx1"/>
                 </a:solidFill>
                 <a:effectLst/>
                 <a:latin typeface="inter-regular"/>
@@ -9817,7 +9841,7 @@
             <a:r>
               <a:rPr lang="pt-PT" b="0" i="0" u="none" strike="noStrike" dirty="0">
                 <a:solidFill>
-                  <a:srgbClr val="008000"/>
+                  <a:schemeClr val="tx1"/>
                 </a:solidFill>
                 <a:effectLst/>
                 <a:latin typeface="inter-regular"/>
@@ -9913,8 +9937,8 @@
         </p:nvSpPr>
         <p:spPr>
           <a:xfrm>
-            <a:off x="6096000" y="685800"/>
-            <a:ext cx="6096000" cy="307777"/>
+            <a:off x="6728776" y="1248799"/>
+            <a:ext cx="6096000" cy="369332"/>
           </a:xfrm>
           <a:prstGeom prst="rect">
             <a:avLst/>
@@ -9928,22 +9952,22 @@
           <a:lstStyle/>
           <a:p>
             <a:r>
-              <a:rPr lang="pt-PT" sz="1400" dirty="0"/>
+              <a:rPr lang="pt-PT" dirty="0"/>
               <a:t>Set </a:t>
             </a:r>
             <a:r>
-              <a:rPr lang="pt-PT" sz="1400" dirty="0" err="1"/>
+              <a:rPr lang="pt-PT" dirty="0" err="1"/>
               <a:t>vs</a:t>
             </a:r>
             <a:r>
-              <a:rPr lang="pt-PT" sz="1400" dirty="0"/>
+              <a:rPr lang="pt-PT" dirty="0"/>
               <a:t> </a:t>
             </a:r>
             <a:r>
-              <a:rPr lang="pt-PT" sz="1400" dirty="0" err="1"/>
+              <a:rPr lang="pt-PT" dirty="0" err="1"/>
               <a:t>Map</a:t>
             </a:r>
-            <a:endParaRPr lang="pt-PT" sz="1400" dirty="0"/>
+            <a:endParaRPr lang="pt-PT" dirty="0"/>
           </a:p>
         </p:txBody>
       </p:sp>
@@ -10356,13 +10380,13 @@
             <a:spLocks noGrp="1"/>
           </p:cNvSpPr>
           <p:nvPr>
-            <p:ph type="title"/>
+            <p:ph type="title" idx="4294967295"/>
           </p:nvPr>
         </p:nvSpPr>
         <p:spPr>
           <a:xfrm>
-            <a:off x="723900" y="685800"/>
-            <a:ext cx="3855720" cy="446314"/>
+            <a:off x="1817649" y="839688"/>
+            <a:ext cx="3856038" cy="446088"/>
           </a:xfrm>
         </p:spPr>
         <p:txBody>
@@ -10394,23 +10418,7 @@
                 <a:ea typeface="+mn-ea"/>
                 <a:cs typeface="+mn-cs"/>
               </a:rPr>
-              <a:t>Linked</a:t>
-            </a:r>
-            <a:r>
-              <a:rPr lang="pt-PT" sz="2400" dirty="0">
-                <a:latin typeface="Abadi Extra Light" panose="020B0204020104020204" pitchFamily="34" charset="0"/>
-                <a:ea typeface="+mn-ea"/>
-                <a:cs typeface="+mn-cs"/>
-              </a:rPr>
-              <a:t> </a:t>
-            </a:r>
-            <a:r>
-              <a:rPr lang="pt-PT" sz="2400" dirty="0" err="1">
-                <a:latin typeface="Abadi Extra Light" panose="020B0204020104020204" pitchFamily="34" charset="0"/>
-                <a:ea typeface="+mn-ea"/>
-                <a:cs typeface="+mn-cs"/>
-              </a:rPr>
-              <a:t>List</a:t>
+              <a:t>LinkedList</a:t>
             </a:r>
             <a:endParaRPr lang="pt-PT" sz="2400" dirty="0">
               <a:latin typeface="Abadi Extra Light" panose="020B0204020104020204" pitchFamily="34" charset="0"/>
@@ -10433,18 +10441,18 @@
             <a:spLocks noGrp="1"/>
           </p:cNvSpPr>
           <p:nvPr>
-            <p:ph type="body" sz="half" idx="2"/>
+            <p:ph type="body" sz="half" idx="4294967295"/>
           </p:nvPr>
         </p:nvSpPr>
         <p:spPr>
           <a:xfrm>
-            <a:off x="895351" y="2601759"/>
-            <a:ext cx="3855720" cy="1720671"/>
+            <a:off x="1694985" y="2189318"/>
+            <a:ext cx="3856038" cy="1720850"/>
           </a:xfrm>
         </p:spPr>
         <p:txBody>
           <a:bodyPr>
-            <a:normAutofit/>
+            <a:normAutofit lnSpcReduction="10000"/>
           </a:bodyPr>
           <a:lstStyle/>
           <a:p>
@@ -10487,7 +10495,7 @@
         </p:nvSpPr>
         <p:spPr>
           <a:xfrm>
-            <a:off x="833302" y="6382375"/>
+            <a:off x="2192280" y="6251570"/>
             <a:ext cx="3917769" cy="261610"/>
           </a:xfrm>
           <a:prstGeom prst="rect">
@@ -10522,8 +10530,8 @@
         </p:nvSpPr>
         <p:spPr>
           <a:xfrm>
-            <a:off x="6096000" y="685800"/>
-            <a:ext cx="6096000" cy="307777"/>
+            <a:off x="6728776" y="1433465"/>
+            <a:ext cx="6096000" cy="369332"/>
           </a:xfrm>
           <a:prstGeom prst="rect">
             <a:avLst/>
@@ -10537,22 +10545,22 @@
           <a:lstStyle/>
           <a:p>
             <a:r>
-              <a:rPr lang="pt-PT" sz="1400" dirty="0"/>
-              <a:t>Uso prático de uma </a:t>
-            </a:r>
-            <a:r>
-              <a:rPr lang="pt-PT" sz="1400" dirty="0" err="1"/>
-              <a:t>Linked</a:t>
+              <a:rPr lang="pt-PT" dirty="0"/>
+              <a:t>Uso prático</a:t>
             </a:r>
             <a:r>
               <a:rPr lang="pt-PT" sz="1400" dirty="0"/>
               <a:t> </a:t>
             </a:r>
             <a:r>
-              <a:rPr lang="pt-PT" sz="1400" dirty="0" err="1"/>
-              <a:t>List</a:t>
-            </a:r>
-            <a:endParaRPr lang="pt-PT" sz="1400" dirty="0"/>
+              <a:rPr lang="pt-PT" dirty="0"/>
+              <a:t>de uma </a:t>
+            </a:r>
+            <a:r>
+              <a:rPr lang="pt-PT" dirty="0" err="1"/>
+              <a:t>LinkedList</a:t>
+            </a:r>
+            <a:endParaRPr lang="pt-PT" dirty="0"/>
           </a:p>
         </p:txBody>
       </p:sp>

--- a/UPSKILL - AutoestudoS1_valentimgomes.pptx
+++ b/UPSKILL - AutoestudoS1_valentimgomes.pptx
@@ -5,7 +5,7 @@
     <p:sldMasterId id="2147483672" r:id="rId1"/>
   </p:sldMasterIdLst>
   <p:notesMasterIdLst>
-    <p:notesMasterId r:id="rId12"/>
+    <p:notesMasterId r:id="rId11"/>
   </p:notesMasterIdLst>
   <p:sldIdLst>
     <p:sldId id="256" r:id="rId2"/>
@@ -16,8 +16,7 @@
     <p:sldId id="261" r:id="rId7"/>
     <p:sldId id="265" r:id="rId8"/>
     <p:sldId id="266" r:id="rId9"/>
-    <p:sldId id="267" r:id="rId10"/>
-    <p:sldId id="268" r:id="rId11"/>
+    <p:sldId id="268" r:id="rId10"/>
   </p:sldIdLst>
   <p:sldSz cx="12192000" cy="6858000"/>
   <p:notesSz cx="6858000" cy="9144000"/>
@@ -206,7 +205,7 @@
           <a:p>
             <a:fld id="{F4A5E0F1-6C17-44C7-9F42-4E26AA575A93}" type="datetimeFigureOut">
               <a:rPr lang="pt-PT" smtClean="0"/>
-              <a:t>11/11/2022</a:t>
+              <a:t>17/11/2022</a:t>
             </a:fld>
             <a:endParaRPr lang="pt-PT"/>
           </a:p>
@@ -1077,90 +1076,6 @@
     </p:spTree>
     <p:extLst>
       <p:ext uri="{BB962C8B-B14F-4D97-AF65-F5344CB8AC3E}">
-        <p14:creationId xmlns:p14="http://schemas.microsoft.com/office/powerpoint/2010/main" val="2877834322"/>
-      </p:ext>
-    </p:extLst>
-  </p:cSld>
-  <p:clrMapOvr>
-    <a:masterClrMapping/>
-  </p:clrMapOvr>
-</p:notes>
-</file>
-
-<file path=ppt/notesSlides/notesSlide8.xml><?xml version="1.0" encoding="utf-8"?>
-<p:notes xmlns:a="http://schemas.openxmlformats.org/drawingml/2006/main" xmlns:r="http://schemas.openxmlformats.org/officeDocument/2006/relationships" xmlns:p="http://schemas.openxmlformats.org/presentationml/2006/main">
-  <p:cSld>
-    <p:spTree>
-      <p:nvGrpSpPr>
-        <p:cNvPr id="1" name=""/>
-        <p:cNvGrpSpPr/>
-        <p:nvPr/>
-      </p:nvGrpSpPr>
-      <p:grpSpPr>
-        <a:xfrm>
-          <a:off x="0" y="0"/>
-          <a:ext cx="0" cy="0"/>
-          <a:chOff x="0" y="0"/>
-          <a:chExt cx="0" cy="0"/>
-        </a:xfrm>
-      </p:grpSpPr>
-      <p:sp>
-        <p:nvSpPr>
-          <p:cNvPr id="2" name="Marcador de Posição da Imagem do Diapositivo 1"/>
-          <p:cNvSpPr>
-            <a:spLocks noGrp="1" noRot="1" noChangeAspect="1"/>
-          </p:cNvSpPr>
-          <p:nvPr>
-            <p:ph type="sldImg"/>
-          </p:nvPr>
-        </p:nvSpPr>
-        <p:spPr/>
-      </p:sp>
-      <p:sp>
-        <p:nvSpPr>
-          <p:cNvPr id="3" name="Marcador de Posição de Notas 2"/>
-          <p:cNvSpPr>
-            <a:spLocks noGrp="1"/>
-          </p:cNvSpPr>
-          <p:nvPr>
-            <p:ph type="body" idx="1"/>
-          </p:nvPr>
-        </p:nvSpPr>
-        <p:spPr/>
-        <p:txBody>
-          <a:bodyPr/>
-          <a:lstStyle/>
-          <a:p>
-            <a:endParaRPr lang="pt-PT" dirty="0"/>
-          </a:p>
-        </p:txBody>
-      </p:sp>
-      <p:sp>
-        <p:nvSpPr>
-          <p:cNvPr id="4" name="Marcador de Posição do Número do Diapositivo 3"/>
-          <p:cNvSpPr>
-            <a:spLocks noGrp="1"/>
-          </p:cNvSpPr>
-          <p:nvPr>
-            <p:ph type="sldNum" sz="quarter" idx="5"/>
-          </p:nvPr>
-        </p:nvSpPr>
-        <p:spPr/>
-        <p:txBody>
-          <a:bodyPr/>
-          <a:lstStyle/>
-          <a:p>
-            <a:fld id="{DDB7D787-D472-4192-B7D5-8EF24D53778E}" type="slidenum">
-              <a:rPr lang="pt-PT" smtClean="0"/>
-              <a:t>10</a:t>
-            </a:fld>
-            <a:endParaRPr lang="pt-PT"/>
-          </a:p>
-        </p:txBody>
-      </p:sp>
-    </p:spTree>
-    <p:extLst>
-      <p:ext uri="{BB962C8B-B14F-4D97-AF65-F5344CB8AC3E}">
         <p14:creationId xmlns:p14="http://schemas.microsoft.com/office/powerpoint/2010/main" val="1825760899"/>
       </p:ext>
     </p:extLst>
@@ -1344,7 +1259,7 @@
           <a:p>
             <a:fld id="{89D1ECA4-F8E3-4247-895B-C18764A77F8F}" type="datetimeFigureOut">
               <a:rPr lang="pt-PT" smtClean="0"/>
-              <a:t>11/11/2022</a:t>
+              <a:t>17/11/2022</a:t>
             </a:fld>
             <a:endParaRPr lang="pt-PT"/>
           </a:p>
@@ -1686,7 +1601,7 @@
           <a:p>
             <a:fld id="{89D1ECA4-F8E3-4247-895B-C18764A77F8F}" type="datetimeFigureOut">
               <a:rPr lang="pt-PT" smtClean="0"/>
-              <a:t>11/11/2022</a:t>
+              <a:t>17/11/2022</a:t>
             </a:fld>
             <a:endParaRPr lang="pt-PT"/>
           </a:p>
@@ -1878,7 +1793,7 @@
           <a:p>
             <a:fld id="{89D1ECA4-F8E3-4247-895B-C18764A77F8F}" type="datetimeFigureOut">
               <a:rPr lang="pt-PT" smtClean="0"/>
-              <a:t>11/11/2022</a:t>
+              <a:t>17/11/2022</a:t>
             </a:fld>
             <a:endParaRPr lang="pt-PT"/>
           </a:p>
@@ -2060,7 +1975,7 @@
           <a:p>
             <a:fld id="{89D1ECA4-F8E3-4247-895B-C18764A77F8F}" type="datetimeFigureOut">
               <a:rPr lang="pt-PT" smtClean="0"/>
-              <a:t>11/11/2022</a:t>
+              <a:t>17/11/2022</a:t>
             </a:fld>
             <a:endParaRPr lang="pt-PT"/>
           </a:p>
@@ -2349,7 +2264,7 @@
           <a:p>
             <a:fld id="{89D1ECA4-F8E3-4247-895B-C18764A77F8F}" type="datetimeFigureOut">
               <a:rPr lang="pt-PT" smtClean="0"/>
-              <a:t>11/11/2022</a:t>
+              <a:t>17/11/2022</a:t>
             </a:fld>
             <a:endParaRPr lang="pt-PT"/>
           </a:p>
@@ -2755,7 +2670,7 @@
           <a:p>
             <a:fld id="{89D1ECA4-F8E3-4247-895B-C18764A77F8F}" type="datetimeFigureOut">
               <a:rPr lang="pt-PT" smtClean="0"/>
-              <a:t>11/11/2022</a:t>
+              <a:t>17/11/2022</a:t>
             </a:fld>
             <a:endParaRPr lang="pt-PT"/>
           </a:p>
@@ -3244,7 +3159,7 @@
           <a:p>
             <a:fld id="{89D1ECA4-F8E3-4247-895B-C18764A77F8F}" type="datetimeFigureOut">
               <a:rPr lang="pt-PT" smtClean="0"/>
-              <a:t>11/11/2022</a:t>
+              <a:t>17/11/2022</a:t>
             </a:fld>
             <a:endParaRPr lang="pt-PT"/>
           </a:p>
@@ -3374,7 +3289,7 @@
           <a:p>
             <a:fld id="{89D1ECA4-F8E3-4247-895B-C18764A77F8F}" type="datetimeFigureOut">
               <a:rPr lang="pt-PT" smtClean="0"/>
-              <a:t>11/11/2022</a:t>
+              <a:t>17/11/2022</a:t>
             </a:fld>
             <a:endParaRPr lang="pt-PT"/>
           </a:p>
@@ -3481,7 +3396,7 @@
           <a:p>
             <a:fld id="{89D1ECA4-F8E3-4247-895B-C18764A77F8F}" type="datetimeFigureOut">
               <a:rPr lang="pt-PT" smtClean="0"/>
-              <a:t>11/11/2022</a:t>
+              <a:t>17/11/2022</a:t>
             </a:fld>
             <a:endParaRPr lang="pt-PT"/>
           </a:p>
@@ -3839,7 +3754,7 @@
           <a:p>
             <a:fld id="{89D1ECA4-F8E3-4247-895B-C18764A77F8F}" type="datetimeFigureOut">
               <a:rPr lang="pt-PT" smtClean="0"/>
-              <a:t>11/11/2022</a:t>
+              <a:t>17/11/2022</a:t>
             </a:fld>
             <a:endParaRPr lang="pt-PT"/>
           </a:p>
@@ -4239,7 +4154,7 @@
           <a:p>
             <a:fld id="{89D1ECA4-F8E3-4247-895B-C18764A77F8F}" type="datetimeFigureOut">
               <a:rPr lang="pt-PT" smtClean="0"/>
-              <a:t>11/11/2022</a:t>
+              <a:t>17/11/2022</a:t>
             </a:fld>
             <a:endParaRPr lang="pt-PT"/>
           </a:p>
@@ -4529,7 +4444,7 @@
           <a:p>
             <a:fld id="{89D1ECA4-F8E3-4247-895B-C18764A77F8F}" type="datetimeFigureOut">
               <a:rPr lang="pt-PT" smtClean="0"/>
-              <a:t>11/11/2022</a:t>
+              <a:t>17/11/2022</a:t>
             </a:fld>
             <a:endParaRPr lang="pt-PT"/>
           </a:p>
@@ -5154,925 +5069,6 @@
 </p:sld>
 </file>
 
-<file path=ppt/slides/slide10.xml><?xml version="1.0" encoding="utf-8"?>
-<p:sld xmlns:a="http://schemas.openxmlformats.org/drawingml/2006/main" xmlns:r="http://schemas.openxmlformats.org/officeDocument/2006/relationships" xmlns:p="http://schemas.openxmlformats.org/presentationml/2006/main">
-  <p:cSld>
-    <p:bg>
-      <p:bgPr>
-        <a:solidFill>
-          <a:schemeClr val="bg1"/>
-        </a:solidFill>
-        <a:effectLst/>
-      </p:bgPr>
-    </p:bg>
-    <p:spTree>
-      <p:nvGrpSpPr>
-        <p:cNvPr id="1" name=""/>
-        <p:cNvGrpSpPr/>
-        <p:nvPr/>
-      </p:nvGrpSpPr>
-      <p:grpSpPr>
-        <a:xfrm>
-          <a:off x="0" y="0"/>
-          <a:ext cx="0" cy="0"/>
-          <a:chOff x="0" y="0"/>
-          <a:chExt cx="0" cy="0"/>
-        </a:xfrm>
-      </p:grpSpPr>
-      <p:sp>
-        <p:nvSpPr>
-          <p:cNvPr id="4" name="Título 3">
-            <a:extLst>
-              <a:ext uri="{FF2B5EF4-FFF2-40B4-BE49-F238E27FC236}">
-                <a16:creationId xmlns:a16="http://schemas.microsoft.com/office/drawing/2014/main" id="{F386578C-529D-00DE-61FA-45AFD17F014A}"/>
-              </a:ext>
-            </a:extLst>
-          </p:cNvPr>
-          <p:cNvSpPr>
-            <a:spLocks noGrp="1"/>
-          </p:cNvSpPr>
-          <p:nvPr>
-            <p:ph type="title"/>
-          </p:nvPr>
-        </p:nvSpPr>
-        <p:spPr>
-          <a:xfrm>
-            <a:off x="723900" y="685800"/>
-            <a:ext cx="3855720" cy="446314"/>
-          </a:xfrm>
-        </p:spPr>
-        <p:txBody>
-          <a:bodyPr/>
-          <a:lstStyle/>
-          <a:p>
-            <a:pPr>
-              <a:lnSpc>
-                <a:spcPct val="94000"/>
-              </a:lnSpc>
-              <a:spcBef>
-                <a:spcPts val="1000"/>
-              </a:spcBef>
-              <a:spcAft>
-                <a:spcPts val="200"/>
-              </a:spcAft>
-            </a:pPr>
-            <a:r>
-              <a:rPr lang="pt-PT" sz="2400" dirty="0" err="1">
-                <a:latin typeface="Abadi Extra Light" panose="020B0204020104020204" pitchFamily="34" charset="0"/>
-                <a:ea typeface="+mn-ea"/>
-                <a:cs typeface="+mn-cs"/>
-              </a:rPr>
-              <a:t>Threads</a:t>
-            </a:r>
-            <a:endParaRPr lang="pt-PT" sz="2400" dirty="0">
-              <a:latin typeface="Abadi Extra Light" panose="020B0204020104020204" pitchFamily="34" charset="0"/>
-              <a:ea typeface="+mn-ea"/>
-              <a:cs typeface="+mn-cs"/>
-            </a:endParaRPr>
-          </a:p>
-        </p:txBody>
-      </p:sp>
-      <p:sp>
-        <p:nvSpPr>
-          <p:cNvPr id="7" name="CaixaDeTexto 6">
-            <a:extLst>
-              <a:ext uri="{FF2B5EF4-FFF2-40B4-BE49-F238E27FC236}">
-                <a16:creationId xmlns:a16="http://schemas.microsoft.com/office/drawing/2014/main" id="{57F366F3-136A-E11A-82A7-7798682368EE}"/>
-              </a:ext>
-            </a:extLst>
-          </p:cNvPr>
-          <p:cNvSpPr txBox="1"/>
-          <p:nvPr/>
-        </p:nvSpPr>
-        <p:spPr>
-          <a:xfrm>
-            <a:off x="833302" y="6382375"/>
-            <a:ext cx="3917769" cy="261610"/>
-          </a:xfrm>
-          <a:prstGeom prst="rect">
-            <a:avLst/>
-          </a:prstGeom>
-          <a:noFill/>
-        </p:spPr>
-        <p:txBody>
-          <a:bodyPr wrap="square" rtlCol="0">
-            <a:spAutoFit/>
-          </a:bodyPr>
-          <a:lstStyle/>
-          <a:p>
-            <a:r>
-              <a:rPr lang="pt-PT" sz="1100" i="1" dirty="0"/>
-              <a:t>https://www.w3schools.com/java/java_threads.asp</a:t>
-            </a:r>
-          </a:p>
-        </p:txBody>
-      </p:sp>
-      <p:sp>
-        <p:nvSpPr>
-          <p:cNvPr id="8" name="CaixaDeTexto 7">
-            <a:extLst>
-              <a:ext uri="{FF2B5EF4-FFF2-40B4-BE49-F238E27FC236}">
-                <a16:creationId xmlns:a16="http://schemas.microsoft.com/office/drawing/2014/main" id="{E1098C6C-7A9B-920A-4248-32074918BA25}"/>
-              </a:ext>
-            </a:extLst>
-          </p:cNvPr>
-          <p:cNvSpPr txBox="1"/>
-          <p:nvPr/>
-        </p:nvSpPr>
-        <p:spPr>
-          <a:xfrm>
-            <a:off x="6637648" y="1440232"/>
-            <a:ext cx="6096000" cy="369332"/>
-          </a:xfrm>
-          <a:prstGeom prst="rect">
-            <a:avLst/>
-          </a:prstGeom>
-          <a:noFill/>
-        </p:spPr>
-        <p:txBody>
-          <a:bodyPr wrap="square">
-            <a:spAutoFit/>
-          </a:bodyPr>
-          <a:lstStyle/>
-          <a:p>
-            <a:r>
-              <a:rPr lang="pt-PT" dirty="0"/>
-              <a:t>Uso prático de uma </a:t>
-            </a:r>
-            <a:r>
-              <a:rPr lang="pt-PT" dirty="0" err="1"/>
-              <a:t>Thread</a:t>
-            </a:r>
-            <a:endParaRPr lang="pt-PT" dirty="0"/>
-          </a:p>
-        </p:txBody>
-      </p:sp>
-      <p:sp>
-        <p:nvSpPr>
-          <p:cNvPr id="10" name="Marcador de Posição do Texto 5">
-            <a:extLst>
-              <a:ext uri="{FF2B5EF4-FFF2-40B4-BE49-F238E27FC236}">
-                <a16:creationId xmlns:a16="http://schemas.microsoft.com/office/drawing/2014/main" id="{A61A9915-D2C0-1CBB-A4F4-88300F3AACDC}"/>
-              </a:ext>
-            </a:extLst>
-          </p:cNvPr>
-          <p:cNvSpPr txBox="1">
-            <a:spLocks/>
-          </p:cNvSpPr>
-          <p:nvPr/>
-        </p:nvSpPr>
-        <p:spPr>
-          <a:xfrm>
-            <a:off x="6728775" y="1879779"/>
-            <a:ext cx="4665777" cy="3544756"/>
-          </a:xfrm>
-          <a:prstGeom prst="rect">
-            <a:avLst/>
-          </a:prstGeom>
-        </p:spPr>
-        <p:txBody>
-          <a:bodyPr vert="horz" lIns="91440" tIns="45720" rIns="91440" bIns="45720" rtlCol="0">
-            <a:normAutofit/>
-          </a:bodyPr>
-          <a:lstStyle>
-            <a:lvl1pPr marL="0" indent="0" algn="l" defTabSz="914400" rtl="0" eaLnBrk="1" latinLnBrk="0" hangingPunct="1">
-              <a:lnSpc>
-                <a:spcPct val="113000"/>
-              </a:lnSpc>
-              <a:spcBef>
-                <a:spcPts val="0"/>
-              </a:spcBef>
-              <a:spcAft>
-                <a:spcPts val="1500"/>
-              </a:spcAft>
-              <a:buFont typeface="Franklin Gothic Book" panose="020B0503020102020204" pitchFamily="34" charset="0"/>
-              <a:buNone/>
-              <a:defRPr sz="1600" kern="1200" baseline="0">
-                <a:solidFill>
-                  <a:schemeClr val="tx2"/>
-                </a:solidFill>
-                <a:latin typeface="+mn-lt"/>
-                <a:ea typeface="+mn-ea"/>
-                <a:cs typeface="+mn-cs"/>
-              </a:defRPr>
-            </a:lvl1pPr>
-            <a:lvl2pPr marL="457200" indent="0" algn="l" defTabSz="914400" rtl="0" eaLnBrk="1" latinLnBrk="0" hangingPunct="1">
-              <a:lnSpc>
-                <a:spcPct val="94000"/>
-              </a:lnSpc>
-              <a:spcBef>
-                <a:spcPts val="500"/>
-              </a:spcBef>
-              <a:spcAft>
-                <a:spcPts val="200"/>
-              </a:spcAft>
-              <a:buFont typeface="Franklin Gothic Book" panose="020B0503020102020204" pitchFamily="34" charset="0"/>
-              <a:buNone/>
-              <a:defRPr sz="1400" i="1" kern="1200" baseline="0">
-                <a:solidFill>
-                  <a:schemeClr val="tx2"/>
-                </a:solidFill>
-                <a:latin typeface="+mn-lt"/>
-                <a:ea typeface="+mn-ea"/>
-                <a:cs typeface="+mn-cs"/>
-              </a:defRPr>
-            </a:lvl2pPr>
-            <a:lvl3pPr marL="914400" indent="0" algn="l" defTabSz="914400" rtl="0" eaLnBrk="1" latinLnBrk="0" hangingPunct="1">
-              <a:lnSpc>
-                <a:spcPct val="94000"/>
-              </a:lnSpc>
-              <a:spcBef>
-                <a:spcPts val="500"/>
-              </a:spcBef>
-              <a:spcAft>
-                <a:spcPts val="200"/>
-              </a:spcAft>
-              <a:buFont typeface="Franklin Gothic Book" panose="020B0503020102020204" pitchFamily="34" charset="0"/>
-              <a:buNone/>
-              <a:defRPr sz="1200" kern="1200" baseline="0">
-                <a:solidFill>
-                  <a:schemeClr val="tx2"/>
-                </a:solidFill>
-                <a:latin typeface="+mn-lt"/>
-                <a:ea typeface="+mn-ea"/>
-                <a:cs typeface="+mn-cs"/>
-              </a:defRPr>
-            </a:lvl3pPr>
-            <a:lvl4pPr marL="1371600" indent="0" algn="l" defTabSz="914400" rtl="0" eaLnBrk="1" latinLnBrk="0" hangingPunct="1">
-              <a:lnSpc>
-                <a:spcPct val="94000"/>
-              </a:lnSpc>
-              <a:spcBef>
-                <a:spcPts val="500"/>
-              </a:spcBef>
-              <a:spcAft>
-                <a:spcPts val="200"/>
-              </a:spcAft>
-              <a:buFont typeface="Franklin Gothic Book" panose="020B0503020102020204" pitchFamily="34" charset="0"/>
-              <a:buNone/>
-              <a:defRPr sz="1000" i="1" kern="1200" baseline="0">
-                <a:solidFill>
-                  <a:schemeClr val="tx2"/>
-                </a:solidFill>
-                <a:latin typeface="+mn-lt"/>
-                <a:ea typeface="+mn-ea"/>
-                <a:cs typeface="+mn-cs"/>
-              </a:defRPr>
-            </a:lvl4pPr>
-            <a:lvl5pPr marL="1828800" indent="0" algn="l" defTabSz="914400" rtl="0" eaLnBrk="1" latinLnBrk="0" hangingPunct="1">
-              <a:lnSpc>
-                <a:spcPct val="94000"/>
-              </a:lnSpc>
-              <a:spcBef>
-                <a:spcPts val="500"/>
-              </a:spcBef>
-              <a:spcAft>
-                <a:spcPts val="200"/>
-              </a:spcAft>
-              <a:buFont typeface="Franklin Gothic Book" panose="020B0503020102020204" pitchFamily="34" charset="0"/>
-              <a:buNone/>
-              <a:defRPr sz="1000" kern="1200" baseline="0">
-                <a:solidFill>
-                  <a:schemeClr val="tx2"/>
-                </a:solidFill>
-                <a:latin typeface="+mn-lt"/>
-                <a:ea typeface="+mn-ea"/>
-                <a:cs typeface="+mn-cs"/>
-              </a:defRPr>
-            </a:lvl5pPr>
-            <a:lvl6pPr marL="2286000" indent="0" algn="l" defTabSz="914400" rtl="0" eaLnBrk="1" latinLnBrk="0" hangingPunct="1">
-              <a:lnSpc>
-                <a:spcPct val="94000"/>
-              </a:lnSpc>
-              <a:spcBef>
-                <a:spcPts val="500"/>
-              </a:spcBef>
-              <a:spcAft>
-                <a:spcPts val="200"/>
-              </a:spcAft>
-              <a:buFont typeface="Franklin Gothic Book" panose="020B0503020102020204" pitchFamily="34" charset="0"/>
-              <a:buNone/>
-              <a:defRPr sz="1000" i="1" kern="1200" baseline="0">
-                <a:solidFill>
-                  <a:schemeClr val="tx2"/>
-                </a:solidFill>
-                <a:latin typeface="+mn-lt"/>
-                <a:ea typeface="+mn-ea"/>
-                <a:cs typeface="+mn-cs"/>
-              </a:defRPr>
-            </a:lvl6pPr>
-            <a:lvl7pPr marL="2743200" indent="0" algn="l" defTabSz="914400" rtl="0" eaLnBrk="1" latinLnBrk="0" hangingPunct="1">
-              <a:lnSpc>
-                <a:spcPct val="94000"/>
-              </a:lnSpc>
-              <a:spcBef>
-                <a:spcPts val="500"/>
-              </a:spcBef>
-              <a:spcAft>
-                <a:spcPts val="200"/>
-              </a:spcAft>
-              <a:buFont typeface="Franklin Gothic Book" panose="020B0503020102020204" pitchFamily="34" charset="0"/>
-              <a:buNone/>
-              <a:defRPr sz="1000" kern="1200" baseline="0">
-                <a:solidFill>
-                  <a:schemeClr val="tx2"/>
-                </a:solidFill>
-                <a:latin typeface="+mn-lt"/>
-                <a:ea typeface="+mn-ea"/>
-                <a:cs typeface="+mn-cs"/>
-              </a:defRPr>
-            </a:lvl7pPr>
-            <a:lvl8pPr marL="3200400" indent="0" algn="l" defTabSz="914400" rtl="0" eaLnBrk="1" latinLnBrk="0" hangingPunct="1">
-              <a:lnSpc>
-                <a:spcPct val="94000"/>
-              </a:lnSpc>
-              <a:spcBef>
-                <a:spcPts val="500"/>
-              </a:spcBef>
-              <a:spcAft>
-                <a:spcPts val="200"/>
-              </a:spcAft>
-              <a:buFont typeface="Franklin Gothic Book" panose="020B0503020102020204" pitchFamily="34" charset="0"/>
-              <a:buNone/>
-              <a:defRPr sz="1000" i="1" kern="1200" baseline="0">
-                <a:solidFill>
-                  <a:schemeClr val="tx2"/>
-                </a:solidFill>
-                <a:latin typeface="+mn-lt"/>
-                <a:ea typeface="+mn-ea"/>
-                <a:cs typeface="+mn-cs"/>
-              </a:defRPr>
-            </a:lvl8pPr>
-            <a:lvl9pPr marL="3657600" indent="0" algn="l" defTabSz="914400" rtl="0" eaLnBrk="1" latinLnBrk="0" hangingPunct="1">
-              <a:lnSpc>
-                <a:spcPct val="94000"/>
-              </a:lnSpc>
-              <a:spcBef>
-                <a:spcPts val="500"/>
-              </a:spcBef>
-              <a:spcAft>
-                <a:spcPts val="200"/>
-              </a:spcAft>
-              <a:buFont typeface="Franklin Gothic Book" panose="020B0503020102020204" pitchFamily="34" charset="0"/>
-              <a:buNone/>
-              <a:defRPr sz="1000" kern="1200" baseline="0">
-                <a:solidFill>
-                  <a:schemeClr val="tx2"/>
-                </a:solidFill>
-                <a:latin typeface="+mn-lt"/>
-                <a:ea typeface="+mn-ea"/>
-                <a:cs typeface="+mn-cs"/>
-              </a:defRPr>
-            </a:lvl9pPr>
-          </a:lstStyle>
-          <a:p>
-            <a:pPr algn="l"/>
-            <a:endParaRPr lang="pt-PT" b="0" i="0" dirty="0">
-              <a:solidFill>
-                <a:srgbClr val="333333"/>
-              </a:solidFill>
-              <a:effectLst/>
-              <a:latin typeface="Open Sans" panose="020B0606030504020204" pitchFamily="34" charset="0"/>
-            </a:endParaRPr>
-          </a:p>
-        </p:txBody>
-      </p:sp>
-      <p:sp>
-        <p:nvSpPr>
-          <p:cNvPr id="13" name="CaixaDeTexto 12">
-            <a:extLst>
-              <a:ext uri="{FF2B5EF4-FFF2-40B4-BE49-F238E27FC236}">
-                <a16:creationId xmlns:a16="http://schemas.microsoft.com/office/drawing/2014/main" id="{D7D40614-C270-CA3C-4AB3-3AD22CE5C4D3}"/>
-              </a:ext>
-            </a:extLst>
-          </p:cNvPr>
-          <p:cNvSpPr txBox="1"/>
-          <p:nvPr/>
-        </p:nvSpPr>
-        <p:spPr>
-          <a:xfrm>
-            <a:off x="6637648" y="2047440"/>
-            <a:ext cx="5012703" cy="2092881"/>
-          </a:xfrm>
-          <a:prstGeom prst="rect">
-            <a:avLst/>
-          </a:prstGeom>
-          <a:noFill/>
-        </p:spPr>
-        <p:txBody>
-          <a:bodyPr wrap="square">
-            <a:spAutoFit/>
-          </a:bodyPr>
-          <a:lstStyle/>
-          <a:p>
-            <a:pPr algn="just"/>
-            <a:endParaRPr lang="en-US" b="0" i="0" dirty="0">
-              <a:solidFill>
-                <a:srgbClr val="000000"/>
-              </a:solidFill>
-              <a:effectLst/>
-              <a:latin typeface="Verdana" panose="020B0604030504040204" pitchFamily="34" charset="0"/>
-            </a:endParaRPr>
-          </a:p>
-          <a:p>
-            <a:pPr algn="just"/>
-            <a:r>
-              <a:rPr lang="pt-PT" sz="1600" dirty="0">
-                <a:solidFill>
-                  <a:srgbClr val="333333"/>
-                </a:solidFill>
-                <a:latin typeface="Open Sans" panose="020B0606030504020204" pitchFamily="34" charset="0"/>
-              </a:rPr>
-              <a:t>A principal diferença é que quando uma classe “</a:t>
-            </a:r>
-            <a:r>
-              <a:rPr lang="pt-PT" sz="1600" dirty="0" err="1">
-                <a:solidFill>
-                  <a:srgbClr val="333333"/>
-                </a:solidFill>
-                <a:latin typeface="Open Sans" panose="020B0606030504020204" pitchFamily="34" charset="0"/>
-              </a:rPr>
-              <a:t>extends</a:t>
-            </a:r>
-            <a:r>
-              <a:rPr lang="pt-PT" sz="1600" dirty="0">
-                <a:solidFill>
-                  <a:srgbClr val="333333"/>
-                </a:solidFill>
-                <a:latin typeface="Open Sans" panose="020B0606030504020204" pitchFamily="34" charset="0"/>
-              </a:rPr>
-              <a:t>” a classe </a:t>
-            </a:r>
-            <a:r>
-              <a:rPr lang="pt-PT" sz="1600" dirty="0" err="1">
-                <a:solidFill>
-                  <a:srgbClr val="333333"/>
-                </a:solidFill>
-                <a:latin typeface="Open Sans" panose="020B0606030504020204" pitchFamily="34" charset="0"/>
-              </a:rPr>
-              <a:t>Thread</a:t>
-            </a:r>
-            <a:r>
-              <a:rPr lang="pt-PT" sz="1600" dirty="0">
-                <a:solidFill>
-                  <a:srgbClr val="333333"/>
-                </a:solidFill>
-                <a:latin typeface="Open Sans" panose="020B0606030504020204" pitchFamily="34" charset="0"/>
-              </a:rPr>
-              <a:t>, não é possível estender outra classe (o Java não suporta herança múltipla), mas implementando a interface </a:t>
-            </a:r>
-            <a:r>
-              <a:rPr lang="pt-PT" sz="1600" dirty="0" err="1">
-                <a:solidFill>
-                  <a:srgbClr val="333333"/>
-                </a:solidFill>
-                <a:latin typeface="Open Sans" panose="020B0606030504020204" pitchFamily="34" charset="0"/>
-              </a:rPr>
-              <a:t>Runnable</a:t>
-            </a:r>
-            <a:r>
-              <a:rPr lang="pt-PT" sz="1600" dirty="0">
-                <a:solidFill>
-                  <a:srgbClr val="333333"/>
-                </a:solidFill>
-                <a:latin typeface="Open Sans" panose="020B0606030504020204" pitchFamily="34" charset="0"/>
-              </a:rPr>
-              <a:t>, é possível estender de outra classe também</a:t>
-            </a:r>
-            <a:r>
-              <a:rPr lang="en-US" sz="1600" dirty="0">
-                <a:solidFill>
-                  <a:srgbClr val="333333"/>
-                </a:solidFill>
-                <a:latin typeface="Open Sans" panose="020B0606030504020204" pitchFamily="34" charset="0"/>
-              </a:rPr>
-              <a:t>. </a:t>
-            </a:r>
-          </a:p>
-          <a:p>
-            <a:pPr algn="just"/>
-            <a:r>
-              <a:rPr lang="en-US" sz="1600" dirty="0" err="1">
-                <a:solidFill>
-                  <a:srgbClr val="333333"/>
-                </a:solidFill>
-                <a:latin typeface="Open Sans" panose="020B0606030504020204" pitchFamily="34" charset="0"/>
-              </a:rPr>
-              <a:t>Exemplo</a:t>
-            </a:r>
-            <a:r>
-              <a:rPr lang="en-US" sz="1600" dirty="0">
-                <a:solidFill>
-                  <a:srgbClr val="333333"/>
-                </a:solidFill>
-                <a:latin typeface="Open Sans" panose="020B0606030504020204" pitchFamily="34" charset="0"/>
-              </a:rPr>
-              <a:t>: class </a:t>
-            </a:r>
-            <a:r>
-              <a:rPr lang="en-US" sz="1600" dirty="0" err="1">
-                <a:solidFill>
-                  <a:srgbClr val="333333"/>
-                </a:solidFill>
-                <a:latin typeface="Open Sans" panose="020B0606030504020204" pitchFamily="34" charset="0"/>
-              </a:rPr>
-              <a:t>MyClass</a:t>
-            </a:r>
-            <a:r>
-              <a:rPr lang="en-US" sz="1600" dirty="0">
-                <a:solidFill>
-                  <a:srgbClr val="333333"/>
-                </a:solidFill>
-                <a:latin typeface="Open Sans" panose="020B0606030504020204" pitchFamily="34" charset="0"/>
-              </a:rPr>
-              <a:t> extends </a:t>
-            </a:r>
-            <a:r>
-              <a:rPr lang="en-US" sz="1600" dirty="0" err="1">
-                <a:solidFill>
-                  <a:srgbClr val="333333"/>
-                </a:solidFill>
-                <a:latin typeface="Open Sans" panose="020B0606030504020204" pitchFamily="34" charset="0"/>
-              </a:rPr>
-              <a:t>OtherClass</a:t>
-            </a:r>
-            <a:r>
-              <a:rPr lang="en-US" sz="1600" dirty="0">
-                <a:solidFill>
-                  <a:srgbClr val="333333"/>
-                </a:solidFill>
-                <a:latin typeface="Open Sans" panose="020B0606030504020204" pitchFamily="34" charset="0"/>
-              </a:rPr>
-              <a:t> implements Runnable.</a:t>
-            </a:r>
-          </a:p>
-        </p:txBody>
-      </p:sp>
-      <p:sp>
-        <p:nvSpPr>
-          <p:cNvPr id="18" name="Marcador de Posição do Texto 5">
-            <a:extLst>
-              <a:ext uri="{FF2B5EF4-FFF2-40B4-BE49-F238E27FC236}">
-                <a16:creationId xmlns:a16="http://schemas.microsoft.com/office/drawing/2014/main" id="{0487D714-EB7E-BB24-E350-0BAB9F22F720}"/>
-              </a:ext>
-            </a:extLst>
-          </p:cNvPr>
-          <p:cNvSpPr txBox="1">
-            <a:spLocks/>
-          </p:cNvSpPr>
-          <p:nvPr/>
-        </p:nvSpPr>
-        <p:spPr>
-          <a:xfrm>
-            <a:off x="797447" y="2150938"/>
-            <a:ext cx="3855720" cy="3544756"/>
-          </a:xfrm>
-          <a:prstGeom prst="rect">
-            <a:avLst/>
-          </a:prstGeom>
-        </p:spPr>
-        <p:txBody>
-          <a:bodyPr vert="horz" lIns="91440" tIns="45720" rIns="91440" bIns="45720" rtlCol="0">
-            <a:normAutofit/>
-          </a:bodyPr>
-          <a:lstStyle>
-            <a:lvl1pPr marL="0" indent="0" algn="l" defTabSz="914400" rtl="0" eaLnBrk="1" latinLnBrk="0" hangingPunct="1">
-              <a:lnSpc>
-                <a:spcPct val="113000"/>
-              </a:lnSpc>
-              <a:spcBef>
-                <a:spcPts val="0"/>
-              </a:spcBef>
-              <a:spcAft>
-                <a:spcPts val="1500"/>
-              </a:spcAft>
-              <a:buFont typeface="Franklin Gothic Book" panose="020B0503020102020204" pitchFamily="34" charset="0"/>
-              <a:buNone/>
-              <a:defRPr sz="1600" kern="1200" baseline="0">
-                <a:solidFill>
-                  <a:schemeClr val="tx2"/>
-                </a:solidFill>
-                <a:latin typeface="+mn-lt"/>
-                <a:ea typeface="+mn-ea"/>
-                <a:cs typeface="+mn-cs"/>
-              </a:defRPr>
-            </a:lvl1pPr>
-            <a:lvl2pPr marL="457200" indent="0" algn="l" defTabSz="914400" rtl="0" eaLnBrk="1" latinLnBrk="0" hangingPunct="1">
-              <a:lnSpc>
-                <a:spcPct val="94000"/>
-              </a:lnSpc>
-              <a:spcBef>
-                <a:spcPts val="500"/>
-              </a:spcBef>
-              <a:spcAft>
-                <a:spcPts val="200"/>
-              </a:spcAft>
-              <a:buFont typeface="Franklin Gothic Book" panose="020B0503020102020204" pitchFamily="34" charset="0"/>
-              <a:buNone/>
-              <a:defRPr sz="1400" i="1" kern="1200" baseline="0">
-                <a:solidFill>
-                  <a:schemeClr val="tx2"/>
-                </a:solidFill>
-                <a:latin typeface="+mn-lt"/>
-                <a:ea typeface="+mn-ea"/>
-                <a:cs typeface="+mn-cs"/>
-              </a:defRPr>
-            </a:lvl2pPr>
-            <a:lvl3pPr marL="914400" indent="0" algn="l" defTabSz="914400" rtl="0" eaLnBrk="1" latinLnBrk="0" hangingPunct="1">
-              <a:lnSpc>
-                <a:spcPct val="94000"/>
-              </a:lnSpc>
-              <a:spcBef>
-                <a:spcPts val="500"/>
-              </a:spcBef>
-              <a:spcAft>
-                <a:spcPts val="200"/>
-              </a:spcAft>
-              <a:buFont typeface="Franklin Gothic Book" panose="020B0503020102020204" pitchFamily="34" charset="0"/>
-              <a:buNone/>
-              <a:defRPr sz="1200" kern="1200" baseline="0">
-                <a:solidFill>
-                  <a:schemeClr val="tx2"/>
-                </a:solidFill>
-                <a:latin typeface="+mn-lt"/>
-                <a:ea typeface="+mn-ea"/>
-                <a:cs typeface="+mn-cs"/>
-              </a:defRPr>
-            </a:lvl3pPr>
-            <a:lvl4pPr marL="1371600" indent="0" algn="l" defTabSz="914400" rtl="0" eaLnBrk="1" latinLnBrk="0" hangingPunct="1">
-              <a:lnSpc>
-                <a:spcPct val="94000"/>
-              </a:lnSpc>
-              <a:spcBef>
-                <a:spcPts val="500"/>
-              </a:spcBef>
-              <a:spcAft>
-                <a:spcPts val="200"/>
-              </a:spcAft>
-              <a:buFont typeface="Franklin Gothic Book" panose="020B0503020102020204" pitchFamily="34" charset="0"/>
-              <a:buNone/>
-              <a:defRPr sz="1000" i="1" kern="1200" baseline="0">
-                <a:solidFill>
-                  <a:schemeClr val="tx2"/>
-                </a:solidFill>
-                <a:latin typeface="+mn-lt"/>
-                <a:ea typeface="+mn-ea"/>
-                <a:cs typeface="+mn-cs"/>
-              </a:defRPr>
-            </a:lvl4pPr>
-            <a:lvl5pPr marL="1828800" indent="0" algn="l" defTabSz="914400" rtl="0" eaLnBrk="1" latinLnBrk="0" hangingPunct="1">
-              <a:lnSpc>
-                <a:spcPct val="94000"/>
-              </a:lnSpc>
-              <a:spcBef>
-                <a:spcPts val="500"/>
-              </a:spcBef>
-              <a:spcAft>
-                <a:spcPts val="200"/>
-              </a:spcAft>
-              <a:buFont typeface="Franklin Gothic Book" panose="020B0503020102020204" pitchFamily="34" charset="0"/>
-              <a:buNone/>
-              <a:defRPr sz="1000" kern="1200" baseline="0">
-                <a:solidFill>
-                  <a:schemeClr val="tx2"/>
-                </a:solidFill>
-                <a:latin typeface="+mn-lt"/>
-                <a:ea typeface="+mn-ea"/>
-                <a:cs typeface="+mn-cs"/>
-              </a:defRPr>
-            </a:lvl5pPr>
-            <a:lvl6pPr marL="2286000" indent="0" algn="l" defTabSz="914400" rtl="0" eaLnBrk="1" latinLnBrk="0" hangingPunct="1">
-              <a:lnSpc>
-                <a:spcPct val="94000"/>
-              </a:lnSpc>
-              <a:spcBef>
-                <a:spcPts val="500"/>
-              </a:spcBef>
-              <a:spcAft>
-                <a:spcPts val="200"/>
-              </a:spcAft>
-              <a:buFont typeface="Franklin Gothic Book" panose="020B0503020102020204" pitchFamily="34" charset="0"/>
-              <a:buNone/>
-              <a:defRPr sz="1000" i="1" kern="1200" baseline="0">
-                <a:solidFill>
-                  <a:schemeClr val="tx2"/>
-                </a:solidFill>
-                <a:latin typeface="+mn-lt"/>
-                <a:ea typeface="+mn-ea"/>
-                <a:cs typeface="+mn-cs"/>
-              </a:defRPr>
-            </a:lvl6pPr>
-            <a:lvl7pPr marL="2743200" indent="0" algn="l" defTabSz="914400" rtl="0" eaLnBrk="1" latinLnBrk="0" hangingPunct="1">
-              <a:lnSpc>
-                <a:spcPct val="94000"/>
-              </a:lnSpc>
-              <a:spcBef>
-                <a:spcPts val="500"/>
-              </a:spcBef>
-              <a:spcAft>
-                <a:spcPts val="200"/>
-              </a:spcAft>
-              <a:buFont typeface="Franklin Gothic Book" panose="020B0503020102020204" pitchFamily="34" charset="0"/>
-              <a:buNone/>
-              <a:defRPr sz="1000" kern="1200" baseline="0">
-                <a:solidFill>
-                  <a:schemeClr val="tx2"/>
-                </a:solidFill>
-                <a:latin typeface="+mn-lt"/>
-                <a:ea typeface="+mn-ea"/>
-                <a:cs typeface="+mn-cs"/>
-              </a:defRPr>
-            </a:lvl7pPr>
-            <a:lvl8pPr marL="3200400" indent="0" algn="l" defTabSz="914400" rtl="0" eaLnBrk="1" latinLnBrk="0" hangingPunct="1">
-              <a:lnSpc>
-                <a:spcPct val="94000"/>
-              </a:lnSpc>
-              <a:spcBef>
-                <a:spcPts val="500"/>
-              </a:spcBef>
-              <a:spcAft>
-                <a:spcPts val="200"/>
-              </a:spcAft>
-              <a:buFont typeface="Franklin Gothic Book" panose="020B0503020102020204" pitchFamily="34" charset="0"/>
-              <a:buNone/>
-              <a:defRPr sz="1000" i="1" kern="1200" baseline="0">
-                <a:solidFill>
-                  <a:schemeClr val="tx2"/>
-                </a:solidFill>
-                <a:latin typeface="+mn-lt"/>
-                <a:ea typeface="+mn-ea"/>
-                <a:cs typeface="+mn-cs"/>
-              </a:defRPr>
-            </a:lvl8pPr>
-            <a:lvl9pPr marL="3657600" indent="0" algn="l" defTabSz="914400" rtl="0" eaLnBrk="1" latinLnBrk="0" hangingPunct="1">
-              <a:lnSpc>
-                <a:spcPct val="94000"/>
-              </a:lnSpc>
-              <a:spcBef>
-                <a:spcPts val="500"/>
-              </a:spcBef>
-              <a:spcAft>
-                <a:spcPts val="200"/>
-              </a:spcAft>
-              <a:buFont typeface="Franklin Gothic Book" panose="020B0503020102020204" pitchFamily="34" charset="0"/>
-              <a:buNone/>
-              <a:defRPr sz="1000" kern="1200" baseline="0">
-                <a:solidFill>
-                  <a:schemeClr val="tx2"/>
-                </a:solidFill>
-                <a:latin typeface="+mn-lt"/>
-                <a:ea typeface="+mn-ea"/>
-                <a:cs typeface="+mn-cs"/>
-              </a:defRPr>
-            </a:lvl9pPr>
-          </a:lstStyle>
-          <a:p>
-            <a:pPr marL="285750" indent="-285750">
-              <a:buFont typeface="Arial" panose="020B0604020202020204" pitchFamily="34" charset="0"/>
-              <a:buChar char="•"/>
-            </a:pPr>
-            <a:r>
-              <a:rPr lang="pt-PT" dirty="0" err="1">
-                <a:solidFill>
-                  <a:srgbClr val="333333"/>
-                </a:solidFill>
-                <a:latin typeface="inter-regular"/>
-              </a:rPr>
-              <a:t>Threads</a:t>
-            </a:r>
-            <a:r>
-              <a:rPr lang="pt-PT" dirty="0">
-                <a:solidFill>
-                  <a:srgbClr val="333333"/>
-                </a:solidFill>
-                <a:latin typeface="inter-regular"/>
-              </a:rPr>
-              <a:t> permitem que um programa corra de forma mais eficaz, conseguindo realizar várias funções ao mesmo tempo.</a:t>
-            </a:r>
-          </a:p>
-          <a:p>
-            <a:pPr marL="285750" indent="-285750">
-              <a:buFont typeface="Arial" panose="020B0604020202020204" pitchFamily="34" charset="0"/>
-              <a:buChar char="•"/>
-            </a:pPr>
-            <a:r>
-              <a:rPr lang="pt-PT" dirty="0">
-                <a:solidFill>
-                  <a:srgbClr val="333333"/>
-                </a:solidFill>
-                <a:latin typeface="inter-regular"/>
-              </a:rPr>
-              <a:t>Podem ser usadas para realizar tarefas mais pesadas sem interromper o programa principal</a:t>
-            </a:r>
-          </a:p>
-          <a:p>
-            <a:pPr marL="285750" indent="-285750">
-              <a:buFont typeface="Arial" panose="020B0604020202020204" pitchFamily="34" charset="0"/>
-              <a:buChar char="•"/>
-            </a:pPr>
-            <a:r>
-              <a:rPr lang="pt-PT" dirty="0">
-                <a:solidFill>
-                  <a:srgbClr val="333333"/>
-                </a:solidFill>
-                <a:latin typeface="inter-regular"/>
-              </a:rPr>
-              <a:t>Existem 2 formas para criar </a:t>
-            </a:r>
-            <a:r>
-              <a:rPr lang="pt-PT" dirty="0" err="1">
-                <a:solidFill>
-                  <a:srgbClr val="333333"/>
-                </a:solidFill>
-                <a:latin typeface="inter-regular"/>
-              </a:rPr>
-              <a:t>threads</a:t>
-            </a:r>
-            <a:r>
-              <a:rPr lang="pt-PT" dirty="0">
-                <a:solidFill>
-                  <a:srgbClr val="333333"/>
-                </a:solidFill>
-                <a:latin typeface="inter-regular"/>
-              </a:rPr>
-              <a:t>: com "</a:t>
-            </a:r>
-            <a:r>
-              <a:rPr lang="pt-PT" dirty="0" err="1">
-                <a:solidFill>
-                  <a:srgbClr val="333333"/>
-                </a:solidFill>
-                <a:latin typeface="inter-regular"/>
-              </a:rPr>
-              <a:t>extending</a:t>
-            </a:r>
-            <a:r>
-              <a:rPr lang="pt-PT" dirty="0">
-                <a:solidFill>
-                  <a:srgbClr val="333333"/>
-                </a:solidFill>
-                <a:latin typeface="inter-regular"/>
-              </a:rPr>
-              <a:t>" ou "</a:t>
-            </a:r>
-            <a:r>
-              <a:rPr lang="pt-PT" dirty="0" err="1">
-                <a:solidFill>
-                  <a:srgbClr val="333333"/>
-                </a:solidFill>
-                <a:latin typeface="inter-regular"/>
-              </a:rPr>
-              <a:t>implementing</a:t>
-            </a:r>
-            <a:r>
-              <a:rPr lang="pt-PT" dirty="0">
-                <a:solidFill>
-                  <a:srgbClr val="333333"/>
-                </a:solidFill>
-                <a:latin typeface="inter-regular"/>
-              </a:rPr>
-              <a:t>“.</a:t>
-            </a:r>
-          </a:p>
-          <a:p>
-            <a:pPr marL="285750" indent="-285750">
-              <a:buFont typeface="Arial" panose="020B0604020202020204" pitchFamily="34" charset="0"/>
-              <a:buChar char="•"/>
-            </a:pPr>
-            <a:endParaRPr lang="pt-PT" dirty="0">
-              <a:solidFill>
-                <a:srgbClr val="333333"/>
-              </a:solidFill>
-              <a:latin typeface="inter-regular"/>
-            </a:endParaRPr>
-          </a:p>
-        </p:txBody>
-      </p:sp>
-    </p:spTree>
-    <p:extLst>
-      <p:ext uri="{BB962C8B-B14F-4D97-AF65-F5344CB8AC3E}">
-        <p14:creationId xmlns:p14="http://schemas.microsoft.com/office/powerpoint/2010/main" val="1685947059"/>
-      </p:ext>
-    </p:extLst>
-  </p:cSld>
-  <p:clrMapOvr>
-    <a:masterClrMapping/>
-  </p:clrMapOvr>
-  <mc:AlternateContent xmlns:mc="http://schemas.openxmlformats.org/markup-compatibility/2006" xmlns:p14="http://schemas.microsoft.com/office/powerpoint/2010/main">
-    <mc:Choice Requires="p14">
-      <p:transition spd="med" p14:dur="700">
-        <p:fade/>
-      </p:transition>
-    </mc:Choice>
-    <mc:Fallback xmlns="">
-      <p:transition spd="med">
-        <p:fade/>
-      </p:transition>
-    </mc:Fallback>
-  </mc:AlternateContent>
-</p:sld>
-</file>
-
 <file path=ppt/slides/slide2.xml><?xml version="1.0" encoding="utf-8"?>
 <p:sld xmlns:a="http://schemas.openxmlformats.org/drawingml/2006/main" xmlns:r="http://schemas.openxmlformats.org/officeDocument/2006/relationships" xmlns:p="http://schemas.openxmlformats.org/presentationml/2006/main">
   <p:cSld>
@@ -10380,13 +9376,13 @@
             <a:spLocks noGrp="1"/>
           </p:cNvSpPr>
           <p:nvPr>
-            <p:ph type="title" idx="4294967295"/>
+            <p:ph type="title"/>
           </p:nvPr>
         </p:nvSpPr>
         <p:spPr>
           <a:xfrm>
-            <a:off x="1817649" y="839688"/>
-            <a:ext cx="3856038" cy="446088"/>
+            <a:off x="723900" y="685800"/>
+            <a:ext cx="3855720" cy="446314"/>
           </a:xfrm>
         </p:spPr>
         <p:txBody>
@@ -10405,78 +9401,17 @@
               </a:spcAft>
             </a:pPr>
             <a:r>
-              <a:rPr lang="pt-PT" sz="2400" dirty="0">
-                <a:latin typeface="Abadi Extra Light" panose="020B0204020104020204" pitchFamily="34" charset="0"/>
-                <a:ea typeface="+mn-ea"/>
-                <a:cs typeface="+mn-cs"/>
-              </a:rPr>
-              <a:t>Collections – </a:t>
-            </a:r>
-            <a:r>
               <a:rPr lang="pt-PT" sz="2400" dirty="0" err="1">
                 <a:latin typeface="Abadi Extra Light" panose="020B0204020104020204" pitchFamily="34" charset="0"/>
                 <a:ea typeface="+mn-ea"/>
                 <a:cs typeface="+mn-cs"/>
               </a:rPr>
-              <a:t>LinkedList</a:t>
+              <a:t>Threads</a:t>
             </a:r>
             <a:endParaRPr lang="pt-PT" sz="2400" dirty="0">
               <a:latin typeface="Abadi Extra Light" panose="020B0204020104020204" pitchFamily="34" charset="0"/>
               <a:ea typeface="+mn-ea"/>
               <a:cs typeface="+mn-cs"/>
-            </a:endParaRPr>
-          </a:p>
-        </p:txBody>
-      </p:sp>
-      <p:sp>
-        <p:nvSpPr>
-          <p:cNvPr id="6" name="Marcador de Posição do Texto 5">
-            <a:extLst>
-              <a:ext uri="{FF2B5EF4-FFF2-40B4-BE49-F238E27FC236}">
-                <a16:creationId xmlns:a16="http://schemas.microsoft.com/office/drawing/2014/main" id="{FAAB0D11-D856-2FDC-24C8-8E8F9BA25A0B}"/>
-              </a:ext>
-            </a:extLst>
-          </p:cNvPr>
-          <p:cNvSpPr>
-            <a:spLocks noGrp="1"/>
-          </p:cNvSpPr>
-          <p:nvPr>
-            <p:ph type="body" sz="half" idx="4294967295"/>
-          </p:nvPr>
-        </p:nvSpPr>
-        <p:spPr>
-          <a:xfrm>
-            <a:off x="1694985" y="2189318"/>
-            <a:ext cx="3856038" cy="1720850"/>
-          </a:xfrm>
-        </p:spPr>
-        <p:txBody>
-          <a:bodyPr>
-            <a:normAutofit lnSpcReduction="10000"/>
-          </a:bodyPr>
-          <a:lstStyle/>
-          <a:p>
-            <a:pPr marL="285750" indent="-285750">
-              <a:buFont typeface="Arial" panose="020B0604020202020204" pitchFamily="34" charset="0"/>
-              <a:buChar char="•"/>
-            </a:pPr>
-            <a:r>
-              <a:rPr lang="pt-PT" dirty="0">
-                <a:solidFill>
-                  <a:srgbClr val="333333"/>
-                </a:solidFill>
-                <a:latin typeface="inter-regular"/>
-              </a:rPr>
-              <a:t>Estrutura de dados linear onde os elementos não estão guardados de forma contínua. Cada elemento é separado, com um endereço de memória próprio.</a:t>
-            </a:r>
-          </a:p>
-          <a:p>
-            <a:endParaRPr lang="pt-PT" b="0" i="0" dirty="0">
-              <a:solidFill>
-                <a:srgbClr val="333333"/>
-              </a:solidFill>
-              <a:effectLst/>
-              <a:latin typeface="inter-regular"/>
             </a:endParaRPr>
           </a:p>
         </p:txBody>
@@ -10495,7 +9430,7 @@
         </p:nvSpPr>
         <p:spPr>
           <a:xfrm>
-            <a:off x="2192280" y="6251570"/>
+            <a:off x="833302" y="6382375"/>
             <a:ext cx="3917769" cy="261610"/>
           </a:xfrm>
           <a:prstGeom prst="rect">
@@ -10511,7 +9446,7 @@
           <a:p>
             <a:r>
               <a:rPr lang="pt-PT" sz="1100" i="1" dirty="0"/>
-              <a:t>https://www.geeksforgeeks.org/linked-list-in-java/</a:t>
+              <a:t>https://www.w3schools.com/java/java_threads.asp</a:t>
             </a:r>
           </a:p>
         </p:txBody>
@@ -10530,7 +9465,7 @@
         </p:nvSpPr>
         <p:spPr>
           <a:xfrm>
-            <a:off x="6728776" y="1433465"/>
+            <a:off x="6637648" y="1440232"/>
             <a:ext cx="6096000" cy="369332"/>
           </a:xfrm>
           <a:prstGeom prst="rect">
@@ -10546,19 +9481,11 @@
           <a:p>
             <a:r>
               <a:rPr lang="pt-PT" dirty="0"/>
-              <a:t>Uso prático</a:t>
-            </a:r>
-            <a:r>
-              <a:rPr lang="pt-PT" sz="1400" dirty="0"/>
-              <a:t> </a:t>
-            </a:r>
-            <a:r>
-              <a:rPr lang="pt-PT" dirty="0"/>
-              <a:t>de uma </a:t>
+              <a:t>Uso prático de uma </a:t>
             </a:r>
             <a:r>
               <a:rPr lang="pt-PT" dirty="0" err="1"/>
-              <a:t>LinkedList</a:t>
+              <a:t>Thread</a:t>
             </a:r>
             <a:endParaRPr lang="pt-PT" dirty="0"/>
           </a:p>
@@ -10566,10 +9493,10 @@
       </p:sp>
       <p:sp>
         <p:nvSpPr>
-          <p:cNvPr id="2" name="Marcador de Posição do Texto 5">
+          <p:cNvPr id="10" name="Marcador de Posição do Texto 5">
             <a:extLst>
               <a:ext uri="{FF2B5EF4-FFF2-40B4-BE49-F238E27FC236}">
-                <a16:creationId xmlns:a16="http://schemas.microsoft.com/office/drawing/2014/main" id="{4F712B7D-EA83-9371-2596-8AF0A0D175C2}"/>
+                <a16:creationId xmlns:a16="http://schemas.microsoft.com/office/drawing/2014/main" id="{A61A9915-D2C0-1CBB-A4F4-88300F3AACDC}"/>
               </a:ext>
             </a:extLst>
           </p:cNvPr>
@@ -10580,8 +9507,8 @@
         </p:nvSpPr>
         <p:spPr>
           <a:xfrm>
-            <a:off x="6728776" y="1879779"/>
-            <a:ext cx="3855720" cy="3544756"/>
+            <a:off x="6728775" y="1879779"/>
+            <a:ext cx="4665777" cy="3544756"/>
           </a:xfrm>
           <a:prstGeom prst="rect">
             <a:avLst/>
@@ -10783,39 +9710,6 @@
             </a:lvl9pPr>
           </a:lstStyle>
           <a:p>
-            <a:pPr algn="just"/>
-            <a:r>
-              <a:rPr lang="pt-PT" dirty="0" err="1">
-                <a:solidFill>
-                  <a:srgbClr val="333333"/>
-                </a:solidFill>
-                <a:latin typeface="Open Sans" panose="020B0606030504020204" pitchFamily="34" charset="0"/>
-              </a:rPr>
-              <a:t>Array</a:t>
-            </a:r>
-            <a:r>
-              <a:rPr lang="pt-PT" dirty="0">
-                <a:solidFill>
-                  <a:srgbClr val="333333"/>
-                </a:solidFill>
-                <a:latin typeface="Open Sans" panose="020B0606030504020204" pitchFamily="34" charset="0"/>
-              </a:rPr>
-              <a:t> dinâmico – não é necessário especificar o tamanho na sua declaração. O tamanho aumenta automaticamente.</a:t>
-            </a:r>
-          </a:p>
-          <a:p>
-            <a:pPr algn="just"/>
-            <a:r>
-              <a:rPr lang="pt-PT" dirty="0">
-                <a:solidFill>
-                  <a:srgbClr val="333333"/>
-                </a:solidFill>
-                <a:latin typeface="Open Sans" panose="020B0606030504020204" pitchFamily="34" charset="0"/>
-              </a:rPr>
-              <a:t>Manipular dados com funções específicas como:</a:t>
-            </a:r>
-          </a:p>
-          <a:p>
             <a:pPr algn="l"/>
             <a:endParaRPr lang="pt-PT" b="0" i="0" dirty="0">
               <a:solidFill>
@@ -10827,40 +9721,521 @@
           </a:p>
         </p:txBody>
       </p:sp>
-      <p:pic>
-        <p:nvPicPr>
-          <p:cNvPr id="5" name="Imagem 4">
+      <p:sp>
+        <p:nvSpPr>
+          <p:cNvPr id="13" name="CaixaDeTexto 12">
             <a:extLst>
               <a:ext uri="{FF2B5EF4-FFF2-40B4-BE49-F238E27FC236}">
-                <a16:creationId xmlns:a16="http://schemas.microsoft.com/office/drawing/2014/main" id="{C7CC385B-9ADC-811F-AAA6-9B75D8BB13F6}"/>
+                <a16:creationId xmlns:a16="http://schemas.microsoft.com/office/drawing/2014/main" id="{D7D40614-C270-CA3C-4AB3-3AD22CE5C4D3}"/>
               </a:ext>
             </a:extLst>
           </p:cNvPr>
-          <p:cNvPicPr>
-            <a:picLocks noChangeAspect="1"/>
-          </p:cNvPicPr>
+          <p:cNvSpPr txBox="1"/>
           <p:nvPr/>
-        </p:nvPicPr>
-        <p:blipFill>
-          <a:blip r:embed="rId3"/>
-          <a:stretch>
-            <a:fillRect/>
-          </a:stretch>
-        </p:blipFill>
+        </p:nvSpPr>
         <p:spPr>
           <a:xfrm>
-            <a:off x="8040836" y="4101435"/>
-            <a:ext cx="1103164" cy="2411745"/>
+            <a:off x="6637648" y="2047440"/>
+            <a:ext cx="5012703" cy="2092881"/>
+          </a:xfrm>
+          <a:prstGeom prst="rect">
+            <a:avLst/>
+          </a:prstGeom>
+          <a:noFill/>
+        </p:spPr>
+        <p:txBody>
+          <a:bodyPr wrap="square">
+            <a:spAutoFit/>
+          </a:bodyPr>
+          <a:lstStyle/>
+          <a:p>
+            <a:pPr algn="just"/>
+            <a:endParaRPr lang="en-US" b="0" i="0" dirty="0">
+              <a:solidFill>
+                <a:srgbClr val="000000"/>
+              </a:solidFill>
+              <a:effectLst/>
+              <a:latin typeface="Verdana" panose="020B0604030504040204" pitchFamily="34" charset="0"/>
+            </a:endParaRPr>
+          </a:p>
+          <a:p>
+            <a:pPr algn="just"/>
+            <a:r>
+              <a:rPr lang="pt-PT" sz="1600" dirty="0">
+                <a:solidFill>
+                  <a:srgbClr val="333333"/>
+                </a:solidFill>
+                <a:latin typeface="Open Sans" panose="020B0606030504020204" pitchFamily="34" charset="0"/>
+              </a:rPr>
+              <a:t>A principal diferença é que quando uma classe “</a:t>
+            </a:r>
+            <a:r>
+              <a:rPr lang="pt-PT" sz="1600" dirty="0" err="1">
+                <a:solidFill>
+                  <a:srgbClr val="333333"/>
+                </a:solidFill>
+                <a:latin typeface="Open Sans" panose="020B0606030504020204" pitchFamily="34" charset="0"/>
+              </a:rPr>
+              <a:t>extends</a:t>
+            </a:r>
+            <a:r>
+              <a:rPr lang="pt-PT" sz="1600" dirty="0">
+                <a:solidFill>
+                  <a:srgbClr val="333333"/>
+                </a:solidFill>
+                <a:latin typeface="Open Sans" panose="020B0606030504020204" pitchFamily="34" charset="0"/>
+              </a:rPr>
+              <a:t>” a classe </a:t>
+            </a:r>
+            <a:r>
+              <a:rPr lang="pt-PT" sz="1600" dirty="0" err="1">
+                <a:solidFill>
+                  <a:srgbClr val="333333"/>
+                </a:solidFill>
+                <a:latin typeface="Open Sans" panose="020B0606030504020204" pitchFamily="34" charset="0"/>
+              </a:rPr>
+              <a:t>Thread</a:t>
+            </a:r>
+            <a:r>
+              <a:rPr lang="pt-PT" sz="1600" dirty="0">
+                <a:solidFill>
+                  <a:srgbClr val="333333"/>
+                </a:solidFill>
+                <a:latin typeface="Open Sans" panose="020B0606030504020204" pitchFamily="34" charset="0"/>
+              </a:rPr>
+              <a:t>, não é possível estender outra classe (o Java não suporta herança múltipla), mas implementando a interface </a:t>
+            </a:r>
+            <a:r>
+              <a:rPr lang="pt-PT" sz="1600" dirty="0" err="1">
+                <a:solidFill>
+                  <a:srgbClr val="333333"/>
+                </a:solidFill>
+                <a:latin typeface="Open Sans" panose="020B0606030504020204" pitchFamily="34" charset="0"/>
+              </a:rPr>
+              <a:t>Runnable</a:t>
+            </a:r>
+            <a:r>
+              <a:rPr lang="pt-PT" sz="1600" dirty="0">
+                <a:solidFill>
+                  <a:srgbClr val="333333"/>
+                </a:solidFill>
+                <a:latin typeface="Open Sans" panose="020B0606030504020204" pitchFamily="34" charset="0"/>
+              </a:rPr>
+              <a:t>, é possível estender de outra classe também</a:t>
+            </a:r>
+            <a:r>
+              <a:rPr lang="en-US" sz="1600" dirty="0">
+                <a:solidFill>
+                  <a:srgbClr val="333333"/>
+                </a:solidFill>
+                <a:latin typeface="Open Sans" panose="020B0606030504020204" pitchFamily="34" charset="0"/>
+              </a:rPr>
+              <a:t>. </a:t>
+            </a:r>
+          </a:p>
+          <a:p>
+            <a:pPr algn="just"/>
+            <a:r>
+              <a:rPr lang="en-US" sz="1600" dirty="0" err="1">
+                <a:solidFill>
+                  <a:srgbClr val="333333"/>
+                </a:solidFill>
+                <a:latin typeface="Open Sans" panose="020B0606030504020204" pitchFamily="34" charset="0"/>
+              </a:rPr>
+              <a:t>Exemplo</a:t>
+            </a:r>
+            <a:r>
+              <a:rPr lang="en-US" sz="1600" dirty="0">
+                <a:solidFill>
+                  <a:srgbClr val="333333"/>
+                </a:solidFill>
+                <a:latin typeface="Open Sans" panose="020B0606030504020204" pitchFamily="34" charset="0"/>
+              </a:rPr>
+              <a:t>: class </a:t>
+            </a:r>
+            <a:r>
+              <a:rPr lang="en-US" sz="1600" dirty="0" err="1">
+                <a:solidFill>
+                  <a:srgbClr val="333333"/>
+                </a:solidFill>
+                <a:latin typeface="Open Sans" panose="020B0606030504020204" pitchFamily="34" charset="0"/>
+              </a:rPr>
+              <a:t>MyClass</a:t>
+            </a:r>
+            <a:r>
+              <a:rPr lang="en-US" sz="1600" dirty="0">
+                <a:solidFill>
+                  <a:srgbClr val="333333"/>
+                </a:solidFill>
+                <a:latin typeface="Open Sans" panose="020B0606030504020204" pitchFamily="34" charset="0"/>
+              </a:rPr>
+              <a:t> extends </a:t>
+            </a:r>
+            <a:r>
+              <a:rPr lang="en-US" sz="1600" dirty="0" err="1">
+                <a:solidFill>
+                  <a:srgbClr val="333333"/>
+                </a:solidFill>
+                <a:latin typeface="Open Sans" panose="020B0606030504020204" pitchFamily="34" charset="0"/>
+              </a:rPr>
+              <a:t>OtherClass</a:t>
+            </a:r>
+            <a:r>
+              <a:rPr lang="en-US" sz="1600" dirty="0">
+                <a:solidFill>
+                  <a:srgbClr val="333333"/>
+                </a:solidFill>
+                <a:latin typeface="Open Sans" panose="020B0606030504020204" pitchFamily="34" charset="0"/>
+              </a:rPr>
+              <a:t> implements Runnable.</a:t>
+            </a:r>
+          </a:p>
+        </p:txBody>
+      </p:sp>
+      <p:sp>
+        <p:nvSpPr>
+          <p:cNvPr id="18" name="Marcador de Posição do Texto 5">
+            <a:extLst>
+              <a:ext uri="{FF2B5EF4-FFF2-40B4-BE49-F238E27FC236}">
+                <a16:creationId xmlns:a16="http://schemas.microsoft.com/office/drawing/2014/main" id="{0487D714-EB7E-BB24-E350-0BAB9F22F720}"/>
+              </a:ext>
+            </a:extLst>
+          </p:cNvPr>
+          <p:cNvSpPr txBox="1">
+            <a:spLocks/>
+          </p:cNvSpPr>
+          <p:nvPr/>
+        </p:nvSpPr>
+        <p:spPr>
+          <a:xfrm>
+            <a:off x="797447" y="2150938"/>
+            <a:ext cx="3855720" cy="3544756"/>
           </a:xfrm>
           <a:prstGeom prst="rect">
             <a:avLst/>
           </a:prstGeom>
         </p:spPr>
-      </p:pic>
+        <p:txBody>
+          <a:bodyPr vert="horz" lIns="91440" tIns="45720" rIns="91440" bIns="45720" rtlCol="0">
+            <a:normAutofit/>
+          </a:bodyPr>
+          <a:lstStyle>
+            <a:lvl1pPr marL="0" indent="0" algn="l" defTabSz="914400" rtl="0" eaLnBrk="1" latinLnBrk="0" hangingPunct="1">
+              <a:lnSpc>
+                <a:spcPct val="113000"/>
+              </a:lnSpc>
+              <a:spcBef>
+                <a:spcPts val="0"/>
+              </a:spcBef>
+              <a:spcAft>
+                <a:spcPts val="1500"/>
+              </a:spcAft>
+              <a:buFont typeface="Franklin Gothic Book" panose="020B0503020102020204" pitchFamily="34" charset="0"/>
+              <a:buNone/>
+              <a:defRPr sz="1600" kern="1200" baseline="0">
+                <a:solidFill>
+                  <a:schemeClr val="tx2"/>
+                </a:solidFill>
+                <a:latin typeface="+mn-lt"/>
+                <a:ea typeface="+mn-ea"/>
+                <a:cs typeface="+mn-cs"/>
+              </a:defRPr>
+            </a:lvl1pPr>
+            <a:lvl2pPr marL="457200" indent="0" algn="l" defTabSz="914400" rtl="0" eaLnBrk="1" latinLnBrk="0" hangingPunct="1">
+              <a:lnSpc>
+                <a:spcPct val="94000"/>
+              </a:lnSpc>
+              <a:spcBef>
+                <a:spcPts val="500"/>
+              </a:spcBef>
+              <a:spcAft>
+                <a:spcPts val="200"/>
+              </a:spcAft>
+              <a:buFont typeface="Franklin Gothic Book" panose="020B0503020102020204" pitchFamily="34" charset="0"/>
+              <a:buNone/>
+              <a:defRPr sz="1400" i="1" kern="1200" baseline="0">
+                <a:solidFill>
+                  <a:schemeClr val="tx2"/>
+                </a:solidFill>
+                <a:latin typeface="+mn-lt"/>
+                <a:ea typeface="+mn-ea"/>
+                <a:cs typeface="+mn-cs"/>
+              </a:defRPr>
+            </a:lvl2pPr>
+            <a:lvl3pPr marL="914400" indent="0" algn="l" defTabSz="914400" rtl="0" eaLnBrk="1" latinLnBrk="0" hangingPunct="1">
+              <a:lnSpc>
+                <a:spcPct val="94000"/>
+              </a:lnSpc>
+              <a:spcBef>
+                <a:spcPts val="500"/>
+              </a:spcBef>
+              <a:spcAft>
+                <a:spcPts val="200"/>
+              </a:spcAft>
+              <a:buFont typeface="Franklin Gothic Book" panose="020B0503020102020204" pitchFamily="34" charset="0"/>
+              <a:buNone/>
+              <a:defRPr sz="1200" kern="1200" baseline="0">
+                <a:solidFill>
+                  <a:schemeClr val="tx2"/>
+                </a:solidFill>
+                <a:latin typeface="+mn-lt"/>
+                <a:ea typeface="+mn-ea"/>
+                <a:cs typeface="+mn-cs"/>
+              </a:defRPr>
+            </a:lvl3pPr>
+            <a:lvl4pPr marL="1371600" indent="0" algn="l" defTabSz="914400" rtl="0" eaLnBrk="1" latinLnBrk="0" hangingPunct="1">
+              <a:lnSpc>
+                <a:spcPct val="94000"/>
+              </a:lnSpc>
+              <a:spcBef>
+                <a:spcPts val="500"/>
+              </a:spcBef>
+              <a:spcAft>
+                <a:spcPts val="200"/>
+              </a:spcAft>
+              <a:buFont typeface="Franklin Gothic Book" panose="020B0503020102020204" pitchFamily="34" charset="0"/>
+              <a:buNone/>
+              <a:defRPr sz="1000" i="1" kern="1200" baseline="0">
+                <a:solidFill>
+                  <a:schemeClr val="tx2"/>
+                </a:solidFill>
+                <a:latin typeface="+mn-lt"/>
+                <a:ea typeface="+mn-ea"/>
+                <a:cs typeface="+mn-cs"/>
+              </a:defRPr>
+            </a:lvl4pPr>
+            <a:lvl5pPr marL="1828800" indent="0" algn="l" defTabSz="914400" rtl="0" eaLnBrk="1" latinLnBrk="0" hangingPunct="1">
+              <a:lnSpc>
+                <a:spcPct val="94000"/>
+              </a:lnSpc>
+              <a:spcBef>
+                <a:spcPts val="500"/>
+              </a:spcBef>
+              <a:spcAft>
+                <a:spcPts val="200"/>
+              </a:spcAft>
+              <a:buFont typeface="Franklin Gothic Book" panose="020B0503020102020204" pitchFamily="34" charset="0"/>
+              <a:buNone/>
+              <a:defRPr sz="1000" kern="1200" baseline="0">
+                <a:solidFill>
+                  <a:schemeClr val="tx2"/>
+                </a:solidFill>
+                <a:latin typeface="+mn-lt"/>
+                <a:ea typeface="+mn-ea"/>
+                <a:cs typeface="+mn-cs"/>
+              </a:defRPr>
+            </a:lvl5pPr>
+            <a:lvl6pPr marL="2286000" indent="0" algn="l" defTabSz="914400" rtl="0" eaLnBrk="1" latinLnBrk="0" hangingPunct="1">
+              <a:lnSpc>
+                <a:spcPct val="94000"/>
+              </a:lnSpc>
+              <a:spcBef>
+                <a:spcPts val="500"/>
+              </a:spcBef>
+              <a:spcAft>
+                <a:spcPts val="200"/>
+              </a:spcAft>
+              <a:buFont typeface="Franklin Gothic Book" panose="020B0503020102020204" pitchFamily="34" charset="0"/>
+              <a:buNone/>
+              <a:defRPr sz="1000" i="1" kern="1200" baseline="0">
+                <a:solidFill>
+                  <a:schemeClr val="tx2"/>
+                </a:solidFill>
+                <a:latin typeface="+mn-lt"/>
+                <a:ea typeface="+mn-ea"/>
+                <a:cs typeface="+mn-cs"/>
+              </a:defRPr>
+            </a:lvl6pPr>
+            <a:lvl7pPr marL="2743200" indent="0" algn="l" defTabSz="914400" rtl="0" eaLnBrk="1" latinLnBrk="0" hangingPunct="1">
+              <a:lnSpc>
+                <a:spcPct val="94000"/>
+              </a:lnSpc>
+              <a:spcBef>
+                <a:spcPts val="500"/>
+              </a:spcBef>
+              <a:spcAft>
+                <a:spcPts val="200"/>
+              </a:spcAft>
+              <a:buFont typeface="Franklin Gothic Book" panose="020B0503020102020204" pitchFamily="34" charset="0"/>
+              <a:buNone/>
+              <a:defRPr sz="1000" kern="1200" baseline="0">
+                <a:solidFill>
+                  <a:schemeClr val="tx2"/>
+                </a:solidFill>
+                <a:latin typeface="+mn-lt"/>
+                <a:ea typeface="+mn-ea"/>
+                <a:cs typeface="+mn-cs"/>
+              </a:defRPr>
+            </a:lvl7pPr>
+            <a:lvl8pPr marL="3200400" indent="0" algn="l" defTabSz="914400" rtl="0" eaLnBrk="1" latinLnBrk="0" hangingPunct="1">
+              <a:lnSpc>
+                <a:spcPct val="94000"/>
+              </a:lnSpc>
+              <a:spcBef>
+                <a:spcPts val="500"/>
+              </a:spcBef>
+              <a:spcAft>
+                <a:spcPts val="200"/>
+              </a:spcAft>
+              <a:buFont typeface="Franklin Gothic Book" panose="020B0503020102020204" pitchFamily="34" charset="0"/>
+              <a:buNone/>
+              <a:defRPr sz="1000" i="1" kern="1200" baseline="0">
+                <a:solidFill>
+                  <a:schemeClr val="tx2"/>
+                </a:solidFill>
+                <a:latin typeface="+mn-lt"/>
+                <a:ea typeface="+mn-ea"/>
+                <a:cs typeface="+mn-cs"/>
+              </a:defRPr>
+            </a:lvl8pPr>
+            <a:lvl9pPr marL="3657600" indent="0" algn="l" defTabSz="914400" rtl="0" eaLnBrk="1" latinLnBrk="0" hangingPunct="1">
+              <a:lnSpc>
+                <a:spcPct val="94000"/>
+              </a:lnSpc>
+              <a:spcBef>
+                <a:spcPts val="500"/>
+              </a:spcBef>
+              <a:spcAft>
+                <a:spcPts val="200"/>
+              </a:spcAft>
+              <a:buFont typeface="Franklin Gothic Book" panose="020B0503020102020204" pitchFamily="34" charset="0"/>
+              <a:buNone/>
+              <a:defRPr sz="1000" kern="1200" baseline="0">
+                <a:solidFill>
+                  <a:schemeClr val="tx2"/>
+                </a:solidFill>
+                <a:latin typeface="+mn-lt"/>
+                <a:ea typeface="+mn-ea"/>
+                <a:cs typeface="+mn-cs"/>
+              </a:defRPr>
+            </a:lvl9pPr>
+          </a:lstStyle>
+          <a:p>
+            <a:pPr marL="285750" indent="-285750">
+              <a:buFont typeface="Arial" panose="020B0604020202020204" pitchFamily="34" charset="0"/>
+              <a:buChar char="•"/>
+            </a:pPr>
+            <a:r>
+              <a:rPr lang="pt-PT" dirty="0" err="1">
+                <a:solidFill>
+                  <a:srgbClr val="333333"/>
+                </a:solidFill>
+                <a:latin typeface="inter-regular"/>
+              </a:rPr>
+              <a:t>Threads</a:t>
+            </a:r>
+            <a:r>
+              <a:rPr lang="pt-PT" dirty="0">
+                <a:solidFill>
+                  <a:srgbClr val="333333"/>
+                </a:solidFill>
+                <a:latin typeface="inter-regular"/>
+              </a:rPr>
+              <a:t> permitem que um programa corra de forma mais eficaz, conseguindo realizar várias funções ao mesmo tempo.</a:t>
+            </a:r>
+          </a:p>
+          <a:p>
+            <a:pPr marL="285750" indent="-285750">
+              <a:buFont typeface="Arial" panose="020B0604020202020204" pitchFamily="34" charset="0"/>
+              <a:buChar char="•"/>
+            </a:pPr>
+            <a:r>
+              <a:rPr lang="pt-PT" dirty="0">
+                <a:solidFill>
+                  <a:srgbClr val="333333"/>
+                </a:solidFill>
+                <a:latin typeface="inter-regular"/>
+              </a:rPr>
+              <a:t>Podem ser usadas para realizar tarefas mais pesadas sem interromper o programa principal</a:t>
+            </a:r>
+          </a:p>
+          <a:p>
+            <a:pPr marL="285750" indent="-285750">
+              <a:buFont typeface="Arial" panose="020B0604020202020204" pitchFamily="34" charset="0"/>
+              <a:buChar char="•"/>
+            </a:pPr>
+            <a:r>
+              <a:rPr lang="pt-PT" dirty="0">
+                <a:solidFill>
+                  <a:srgbClr val="333333"/>
+                </a:solidFill>
+                <a:latin typeface="inter-regular"/>
+              </a:rPr>
+              <a:t>Existem 2 formas para criar </a:t>
+            </a:r>
+            <a:r>
+              <a:rPr lang="pt-PT" dirty="0" err="1">
+                <a:solidFill>
+                  <a:srgbClr val="333333"/>
+                </a:solidFill>
+                <a:latin typeface="inter-regular"/>
+              </a:rPr>
+              <a:t>threads</a:t>
+            </a:r>
+            <a:r>
+              <a:rPr lang="pt-PT" dirty="0">
+                <a:solidFill>
+                  <a:srgbClr val="333333"/>
+                </a:solidFill>
+                <a:latin typeface="inter-regular"/>
+              </a:rPr>
+              <a:t>: com "</a:t>
+            </a:r>
+            <a:r>
+              <a:rPr lang="pt-PT" dirty="0" err="1">
+                <a:solidFill>
+                  <a:srgbClr val="333333"/>
+                </a:solidFill>
+                <a:latin typeface="inter-regular"/>
+              </a:rPr>
+              <a:t>extending</a:t>
+            </a:r>
+            <a:r>
+              <a:rPr lang="pt-PT" dirty="0">
+                <a:solidFill>
+                  <a:srgbClr val="333333"/>
+                </a:solidFill>
+                <a:latin typeface="inter-regular"/>
+              </a:rPr>
+              <a:t>" ou "</a:t>
+            </a:r>
+            <a:r>
+              <a:rPr lang="pt-PT" dirty="0" err="1">
+                <a:solidFill>
+                  <a:srgbClr val="333333"/>
+                </a:solidFill>
+                <a:latin typeface="inter-regular"/>
+              </a:rPr>
+              <a:t>implementing</a:t>
+            </a:r>
+            <a:r>
+              <a:rPr lang="pt-PT" dirty="0">
+                <a:solidFill>
+                  <a:srgbClr val="333333"/>
+                </a:solidFill>
+                <a:latin typeface="inter-regular"/>
+              </a:rPr>
+              <a:t>“.</a:t>
+            </a:r>
+          </a:p>
+          <a:p>
+            <a:pPr marL="285750" indent="-285750">
+              <a:buFont typeface="Arial" panose="020B0604020202020204" pitchFamily="34" charset="0"/>
+              <a:buChar char="•"/>
+            </a:pPr>
+            <a:endParaRPr lang="pt-PT" dirty="0">
+              <a:solidFill>
+                <a:srgbClr val="333333"/>
+              </a:solidFill>
+              <a:latin typeface="inter-regular"/>
+            </a:endParaRPr>
+          </a:p>
+        </p:txBody>
+      </p:sp>
     </p:spTree>
     <p:extLst>
       <p:ext uri="{BB962C8B-B14F-4D97-AF65-F5344CB8AC3E}">
-        <p14:creationId xmlns:p14="http://schemas.microsoft.com/office/powerpoint/2010/main" val="67786527"/>
+        <p14:creationId xmlns:p14="http://schemas.microsoft.com/office/powerpoint/2010/main" val="1685947059"/>
       </p:ext>
     </p:extLst>
   </p:cSld>
